--- a/диплом_отчет/bachurin_prez.pptx
+++ b/диплом_отчет/bachurin_prez.pptx
@@ -251,7 +251,7 @@
           </a:bodyPr>
           <a:p>
             <a:pPr algn="r"/>
-            <a:fld id="{F3E13627-8B1A-4C31-AC9D-95178E43159B}" type="slidenum">
+            <a:fld id="{99E8A109-6D8B-4525-9389-382457833C9A}" type="slidenum">
               <a:rPr b="0" lang="ru-RU" sz="1400" spc="-1" strike="noStrike">
                 <a:latin typeface="Times New Roman"/>
               </a:rPr>
@@ -299,7 +299,7 @@
         <p:spPr>
           <a:xfrm>
             <a:off x="380880" y="685800"/>
-            <a:ext cx="6093720" cy="3426840"/>
+            <a:ext cx="6093000" cy="3426120"/>
           </a:xfrm>
           <a:prstGeom prst="rect">
             <a:avLst/>
@@ -319,7 +319,7 @@
         <p:spPr>
           <a:xfrm>
             <a:off x="914400" y="4343400"/>
-            <a:ext cx="5027040" cy="4112640"/>
+            <a:ext cx="5026320" cy="4111920"/>
           </a:xfrm>
           <a:prstGeom prst="rect">
             <a:avLst/>
@@ -330,7 +330,7 @@
             <a:noAutofit/>
           </a:bodyPr>
           <a:p>
-            <a:pPr marL="216000" indent="-214200">
+            <a:pPr marL="216000" indent="-213480">
               <a:lnSpc>
                 <a:spcPct val="100000"/>
               </a:lnSpc>
@@ -1995,7 +1995,7 @@
         <p:spPr>
           <a:xfrm>
             <a:off x="4374720" y="622800"/>
-            <a:ext cx="16066080" cy="4677480"/>
+            <a:ext cx="16065360" cy="4676760"/>
           </a:xfrm>
           <a:prstGeom prst="rect">
             <a:avLst/>
@@ -2014,7 +2014,7 @@
         <p:spPr>
           <a:xfrm>
             <a:off x="6329160" y="5943600"/>
-            <a:ext cx="11957040" cy="638280"/>
+            <a:ext cx="11956320" cy="638280"/>
           </a:xfrm>
           <a:prstGeom prst="rect">
             <a:avLst/>
@@ -2065,7 +2065,7 @@
         <p:spPr>
           <a:xfrm>
             <a:off x="16934400" y="10114920"/>
-            <a:ext cx="6052320" cy="2284200"/>
+            <a:ext cx="6051600" cy="2284200"/>
           </a:xfrm>
           <a:prstGeom prst="rect">
             <a:avLst/>
@@ -2176,7 +2176,7 @@
         <p:spPr>
           <a:xfrm>
             <a:off x="4527000" y="6858000"/>
-            <a:ext cx="15327360" cy="1918800"/>
+            <a:ext cx="15326640" cy="1918440"/>
           </a:xfrm>
           <a:prstGeom prst="rect">
             <a:avLst/>
@@ -2257,7 +2257,7 @@
         <p:spPr>
           <a:xfrm>
             <a:off x="0" y="0"/>
-            <a:ext cx="24382440" cy="1618560"/>
+            <a:ext cx="24381720" cy="1617840"/>
           </a:xfrm>
           <a:prstGeom prst="rect">
             <a:avLst/>
@@ -2287,7 +2287,7 @@
         <p:spPr>
           <a:xfrm>
             <a:off x="23193360" y="0"/>
-            <a:ext cx="1189080" cy="1618560"/>
+            <a:ext cx="1188360" cy="1617840"/>
           </a:xfrm>
           <a:prstGeom prst="rect">
             <a:avLst/>
@@ -2313,7 +2313,7 @@
                 <a:spcPct val="100000"/>
               </a:lnSpc>
             </a:pPr>
-            <a:fld id="{D57B89E2-80FA-419F-AF48-CBF675CA9008}" type="slidenum">
+            <a:fld id="{FBAD0155-BB1D-4C44-BBDC-9E16FFDA93F9}" type="slidenum">
               <a:rPr b="1" lang="ru-RU" sz="3800" spc="-1" strike="noStrike">
                 <a:solidFill>
                   <a:srgbClr val="ffffff"/>
@@ -2338,7 +2338,7 @@
         <p:spPr>
           <a:xfrm>
             <a:off x="540000" y="0"/>
-            <a:ext cx="11803680" cy="1618560"/>
+            <a:ext cx="11802960" cy="1617840"/>
           </a:xfrm>
           <a:prstGeom prst="rect">
             <a:avLst/>
@@ -2393,7 +2393,7 @@
         <p:spPr>
           <a:xfrm>
             <a:off x="1980000" y="2700000"/>
-            <a:ext cx="4858560" cy="3560040"/>
+            <a:ext cx="4857840" cy="3559320"/>
           </a:xfrm>
           <a:prstGeom prst="rect">
             <a:avLst/>
@@ -2416,7 +2416,7 @@
         <p:spPr>
           <a:xfrm>
             <a:off x="2340000" y="7380000"/>
-            <a:ext cx="4318560" cy="4848480"/>
+            <a:ext cx="4317840" cy="4847760"/>
           </a:xfrm>
           <a:prstGeom prst="rect">
             <a:avLst/>
@@ -2435,7 +2435,7 @@
         <p:spPr>
           <a:xfrm>
             <a:off x="8820000" y="2880000"/>
-            <a:ext cx="12778560" cy="3099240"/>
+            <a:ext cx="12777840" cy="3098520"/>
           </a:xfrm>
           <a:prstGeom prst="rect">
             <a:avLst/>
@@ -2496,7 +2496,7 @@
         <p:spPr>
           <a:xfrm>
             <a:off x="8820000" y="7200000"/>
-            <a:ext cx="13138560" cy="4858560"/>
+            <a:ext cx="13137840" cy="4857840"/>
           </a:xfrm>
           <a:prstGeom prst="rect">
             <a:avLst/>
@@ -2577,7 +2577,7 @@
         <p:spPr>
           <a:xfrm>
             <a:off x="0" y="0"/>
-            <a:ext cx="24382440" cy="1618560"/>
+            <a:ext cx="24381720" cy="1617840"/>
           </a:xfrm>
           <a:prstGeom prst="rect">
             <a:avLst/>
@@ -2607,7 +2607,7 @@
         <p:spPr>
           <a:xfrm>
             <a:off x="23193360" y="0"/>
-            <a:ext cx="1189080" cy="1618560"/>
+            <a:ext cx="1188360" cy="1617840"/>
           </a:xfrm>
           <a:prstGeom prst="rect">
             <a:avLst/>
@@ -2633,7 +2633,7 @@
                 <a:spcPct val="100000"/>
               </a:lnSpc>
             </a:pPr>
-            <a:fld id="{20394DA3-9371-49F7-A133-F5977A9BC564}" type="slidenum">
+            <a:fld id="{733B770C-0DCE-4865-8320-04F80739527C}" type="slidenum">
               <a:rPr b="1" lang="ru-RU" sz="3800" spc="-1" strike="noStrike">
                 <a:solidFill>
                   <a:srgbClr val="ffffff"/>
@@ -2658,7 +2658,7 @@
         <p:spPr>
           <a:xfrm>
             <a:off x="540000" y="0"/>
-            <a:ext cx="9178560" cy="1618560"/>
+            <a:ext cx="9177840" cy="1617840"/>
           </a:xfrm>
           <a:prstGeom prst="rect">
             <a:avLst/>
@@ -2713,7 +2713,7 @@
         <p:spPr>
           <a:xfrm>
             <a:off x="720000" y="2880000"/>
-            <a:ext cx="11183040" cy="9938520"/>
+            <a:ext cx="11182320" cy="9937800"/>
           </a:xfrm>
           <a:prstGeom prst="rect">
             <a:avLst/>
@@ -2736,7 +2736,7 @@
         <p:spPr>
           <a:xfrm>
             <a:off x="12690360" y="2876040"/>
-            <a:ext cx="11144160" cy="9902520"/>
+            <a:ext cx="11143440" cy="9901800"/>
           </a:xfrm>
           <a:prstGeom prst="rect">
             <a:avLst/>
@@ -2785,7 +2785,7 @@
         <p:spPr>
           <a:xfrm>
             <a:off x="0" y="0"/>
-            <a:ext cx="24382440" cy="1618560"/>
+            <a:ext cx="24381720" cy="1617840"/>
           </a:xfrm>
           <a:prstGeom prst="rect">
             <a:avLst/>
@@ -2815,7 +2815,7 @@
         <p:spPr>
           <a:xfrm>
             <a:off x="23193360" y="0"/>
-            <a:ext cx="1189080" cy="1618560"/>
+            <a:ext cx="1188360" cy="1617840"/>
           </a:xfrm>
           <a:prstGeom prst="rect">
             <a:avLst/>
@@ -2841,7 +2841,7 @@
                 <a:spcPct val="100000"/>
               </a:lnSpc>
             </a:pPr>
-            <a:fld id="{A1846D21-11B7-4314-8889-25A63382CC7B}" type="slidenum">
+            <a:fld id="{DD6D9A46-DD3F-4AE3-B213-4D2DC62D606A}" type="slidenum">
               <a:rPr b="1" lang="ru-RU" sz="3800" spc="-1" strike="noStrike">
                 <a:solidFill>
                   <a:srgbClr val="ffffff"/>
@@ -2866,7 +2866,7 @@
         <p:spPr>
           <a:xfrm>
             <a:off x="540000" y="0"/>
-            <a:ext cx="8818560" cy="1618560"/>
+            <a:ext cx="8817840" cy="1617840"/>
           </a:xfrm>
           <a:prstGeom prst="rect">
             <a:avLst/>
@@ -2917,7 +2917,7 @@
         <p:spPr>
           <a:xfrm>
             <a:off x="540000" y="2482920"/>
-            <a:ext cx="23842440" cy="1448280"/>
+            <a:ext cx="23841720" cy="1447560"/>
           </a:xfrm>
           <a:prstGeom prst="rect">
             <a:avLst/>
@@ -2968,7 +2968,7 @@
         <p:spPr>
           <a:xfrm>
             <a:off x="540000" y="4320000"/>
-            <a:ext cx="20855520" cy="711000"/>
+            <a:ext cx="20854800" cy="710280"/>
           </a:xfrm>
           <a:prstGeom prst="rect">
             <a:avLst/>
@@ -3019,7 +3019,7 @@
         <p:spPr>
           <a:xfrm>
             <a:off x="900000" y="5040000"/>
-            <a:ext cx="22858560" cy="2338560"/>
+            <a:ext cx="22857840" cy="2337840"/>
           </a:xfrm>
           <a:prstGeom prst="rect">
             <a:avLst/>
@@ -3040,7 +3040,7 @@
             <a:noAutofit/>
           </a:bodyPr>
           <a:p>
-            <a:pPr marL="360000" indent="-214920">
+            <a:pPr marL="360000" indent="-214200">
               <a:lnSpc>
                 <a:spcPct val="115000"/>
               </a:lnSpc>
@@ -3069,14 +3069,14 @@
                 <a:latin typeface="Helvetica neue"/>
                 <a:ea typeface="DejaVu Sans"/>
               </a:rPr>
-              <a:t>модуль численного моделирования переходных процессов в линии связи;</a:t>
+              <a:t>модуль численного моделирования переходных процессов в линии связи</a:t>
             </a:r>
             <a:endParaRPr b="0" lang="ru-RU" sz="4200" spc="-1" strike="noStrike">
               <a:latin typeface="Arial"/>
             </a:endParaRPr>
           </a:p>
           <a:p>
-            <a:pPr marL="360000" indent="-214920">
+            <a:pPr marL="360000" indent="-214200">
               <a:lnSpc>
                 <a:spcPct val="115000"/>
               </a:lnSpc>
@@ -3105,14 +3105,14 @@
                 <a:latin typeface="Helvetica neue"/>
                 <a:ea typeface="DejaVu Sans"/>
               </a:rPr>
-              <a:t>модуль физического кодирования;</a:t>
+              <a:t>модуль физического кодирования</a:t>
             </a:r>
             <a:endParaRPr b="0" lang="ru-RU" sz="4200" spc="-1" strike="noStrike">
               <a:latin typeface="Arial"/>
             </a:endParaRPr>
           </a:p>
           <a:p>
-            <a:pPr marL="360000" indent="-214920">
+            <a:pPr marL="360000" indent="-214200">
               <a:lnSpc>
                 <a:spcPct val="115000"/>
               </a:lnSpc>
@@ -3141,7 +3141,7 @@
                 <a:latin typeface="Helvetica neue"/>
                 <a:ea typeface="DejaVu Sans"/>
               </a:rPr>
-              <a:t>графический интерфейс программного стенда.</a:t>
+              <a:t>графический интерфейс программного стенда</a:t>
             </a:r>
             <a:endParaRPr b="0" lang="ru-RU" sz="4200" spc="-1" strike="noStrike">
               <a:latin typeface="Arial"/>
@@ -3158,7 +3158,7 @@
         <p:spPr>
           <a:xfrm>
             <a:off x="540000" y="7927560"/>
-            <a:ext cx="20855520" cy="711000"/>
+            <a:ext cx="20854800" cy="710280"/>
           </a:xfrm>
           <a:prstGeom prst="rect">
             <a:avLst/>
@@ -3209,7 +3209,7 @@
         <p:spPr>
           <a:xfrm>
             <a:off x="900000" y="8640000"/>
-            <a:ext cx="22858560" cy="2338560"/>
+            <a:ext cx="22857840" cy="2337840"/>
           </a:xfrm>
           <a:prstGeom prst="rect">
             <a:avLst/>
@@ -3230,7 +3230,7 @@
             <a:noAutofit/>
           </a:bodyPr>
           <a:p>
-            <a:pPr marL="360000" indent="-214920">
+            <a:pPr marL="360000" indent="-214200">
               <a:lnSpc>
                 <a:spcPct val="115000"/>
               </a:lnSpc>
@@ -3259,14 +3259,14 @@
                 <a:latin typeface="Helvetica neue"/>
                 <a:ea typeface="DejaVu Sans"/>
               </a:rPr>
-              <a:t>добавление динамичности интерфейсу стенда;</a:t>
+              <a:t>добавление динамичности интерфейсу стенда</a:t>
             </a:r>
             <a:endParaRPr b="0" lang="ru-RU" sz="4200" spc="-1" strike="noStrike">
               <a:latin typeface="Arial"/>
             </a:endParaRPr>
           </a:p>
           <a:p>
-            <a:pPr marL="360000" indent="-214920">
+            <a:pPr marL="360000" indent="-214200">
               <a:lnSpc>
                 <a:spcPct val="115000"/>
               </a:lnSpc>
@@ -3295,14 +3295,14 @@
                 <a:latin typeface="Helvetica neue"/>
                 <a:ea typeface="DejaVu Sans"/>
               </a:rPr>
-              <a:t>реализация модуля декодирования сигнала;</a:t>
+              <a:t>реализация модуля декодирования сигнала</a:t>
             </a:r>
             <a:endParaRPr b="0" lang="ru-RU" sz="4200" spc="-1" strike="noStrike">
               <a:latin typeface="Arial"/>
             </a:endParaRPr>
           </a:p>
           <a:p>
-            <a:pPr marL="360000" indent="-214920">
+            <a:pPr marL="360000" indent="-214200">
               <a:lnSpc>
                 <a:spcPct val="115000"/>
               </a:lnSpc>
@@ -3331,7 +3331,7 @@
                 <a:latin typeface="Helvetica neue"/>
                 <a:ea typeface="DejaVu Sans"/>
               </a:rPr>
-              <a:t>реализация алгоритмов модуляции сигнала.</a:t>
+              <a:t>реализация алгоритмов модуляции сигнала</a:t>
             </a:r>
             <a:endParaRPr b="0" lang="ru-RU" sz="4200" spc="-1" strike="noStrike">
               <a:latin typeface="Arial"/>
@@ -3449,7 +3449,7 @@
         <p:spPr>
           <a:xfrm>
             <a:off x="23438520" y="12846240"/>
-            <a:ext cx="194400" cy="428040"/>
+            <a:ext cx="193680" cy="427320"/>
           </a:xfrm>
           <a:prstGeom prst="rect">
             <a:avLst/>
@@ -3475,7 +3475,7 @@
         <p:spPr>
           <a:xfrm>
             <a:off x="4122360" y="3261960"/>
-            <a:ext cx="142200" cy="511560"/>
+            <a:ext cx="141480" cy="510840"/>
           </a:xfrm>
           <a:prstGeom prst="rect">
             <a:avLst/>
@@ -3531,7 +3531,7 @@
         <p:spPr>
           <a:xfrm>
             <a:off x="0" y="0"/>
-            <a:ext cx="24382440" cy="1618560"/>
+            <a:ext cx="24381720" cy="1617840"/>
           </a:xfrm>
           <a:prstGeom prst="rect">
             <a:avLst/>
@@ -3561,7 +3561,7 @@
         <p:spPr>
           <a:xfrm>
             <a:off x="23193360" y="0"/>
-            <a:ext cx="1189080" cy="1618560"/>
+            <a:ext cx="1188360" cy="1617840"/>
           </a:xfrm>
           <a:prstGeom prst="rect">
             <a:avLst/>
@@ -3587,7 +3587,7 @@
                 <a:spcPct val="100000"/>
               </a:lnSpc>
             </a:pPr>
-            <a:fld id="{F32EA6C2-5020-427E-B981-E05ADF70FBA0}" type="slidenum">
+            <a:fld id="{A397BFDF-B6E4-4565-9BCD-03BD57BA8761}" type="slidenum">
               <a:rPr b="1" lang="ru-RU" sz="3800" spc="-1" strike="noStrike">
                 <a:solidFill>
                   <a:srgbClr val="ffffff"/>
@@ -3612,7 +3612,7 @@
         <p:spPr>
           <a:xfrm>
             <a:off x="540000" y="0"/>
-            <a:ext cx="8818560" cy="1618560"/>
+            <a:ext cx="8817840" cy="1617840"/>
           </a:xfrm>
           <a:prstGeom prst="rect">
             <a:avLst/>
@@ -3667,7 +3667,7 @@
         <p:spPr>
           <a:xfrm>
             <a:off x="12693960" y="3060000"/>
-            <a:ext cx="10884600" cy="8638560"/>
+            <a:ext cx="10883880" cy="8637840"/>
           </a:xfrm>
           <a:prstGeom prst="rect">
             <a:avLst/>
@@ -3686,7 +3686,7 @@
         <p:spPr>
           <a:xfrm>
             <a:off x="756720" y="3026520"/>
-            <a:ext cx="11158560" cy="8638560"/>
+            <a:ext cx="11157840" cy="8637840"/>
           </a:xfrm>
           <a:prstGeom prst="rect">
             <a:avLst/>
@@ -3777,7 +3777,7 @@
         <p:spPr>
           <a:xfrm>
             <a:off x="0" y="0"/>
-            <a:ext cx="24382440" cy="1618560"/>
+            <a:ext cx="24381720" cy="1617840"/>
           </a:xfrm>
           <a:prstGeom prst="rect">
             <a:avLst/>
@@ -3807,7 +3807,7 @@
         <p:spPr>
           <a:xfrm>
             <a:off x="23193360" y="0"/>
-            <a:ext cx="1189080" cy="1618560"/>
+            <a:ext cx="1188360" cy="1617840"/>
           </a:xfrm>
           <a:prstGeom prst="rect">
             <a:avLst/>
@@ -3833,7 +3833,7 @@
                 <a:spcPct val="100000"/>
               </a:lnSpc>
             </a:pPr>
-            <a:fld id="{E145BF05-1CBB-49E9-97E8-34575C457F77}" type="slidenum">
+            <a:fld id="{A55999D7-8DC5-4AC2-9501-FC7F1FB7F5BA}" type="slidenum">
               <a:rPr b="1" lang="ru-RU" sz="3800" spc="-1" strike="noStrike">
                 <a:solidFill>
                   <a:srgbClr val="ffffff"/>
@@ -3858,7 +3858,7 @@
         <p:spPr>
           <a:xfrm>
             <a:off x="540000" y="0"/>
-            <a:ext cx="8818560" cy="1618560"/>
+            <a:ext cx="8817840" cy="1617840"/>
           </a:xfrm>
           <a:prstGeom prst="rect">
             <a:avLst/>
@@ -3913,7 +3913,7 @@
         <p:spPr>
           <a:xfrm>
             <a:off x="808920" y="2514600"/>
-            <a:ext cx="10620360" cy="5955120"/>
+            <a:ext cx="10619640" cy="5954400"/>
           </a:xfrm>
           <a:prstGeom prst="rect">
             <a:avLst/>
@@ -3932,7 +3932,7 @@
         <p:spPr>
           <a:xfrm>
             <a:off x="845640" y="9144000"/>
-            <a:ext cx="10583640" cy="1448280"/>
+            <a:ext cx="10582920" cy="1447560"/>
           </a:xfrm>
           <a:prstGeom prst="rect">
             <a:avLst/>
@@ -3987,7 +3987,7 @@
         <p:spPr>
           <a:xfrm>
             <a:off x="13226760" y="2653560"/>
-            <a:ext cx="10318320" cy="5803920"/>
+            <a:ext cx="10317600" cy="5803200"/>
           </a:xfrm>
           <a:prstGeom prst="rect">
             <a:avLst/>
@@ -4006,7 +4006,7 @@
         <p:spPr>
           <a:xfrm>
             <a:off x="13258800" y="9066600"/>
-            <a:ext cx="10286280" cy="1448280"/>
+            <a:ext cx="10285560" cy="1447560"/>
           </a:xfrm>
           <a:prstGeom prst="rect">
             <a:avLst/>
@@ -4087,7 +4087,7 @@
         <p:spPr>
           <a:xfrm>
             <a:off x="0" y="0"/>
-            <a:ext cx="24382440" cy="1618560"/>
+            <a:ext cx="24381720" cy="1617840"/>
           </a:xfrm>
           <a:prstGeom prst="rect">
             <a:avLst/>
@@ -4117,7 +4117,7 @@
         <p:spPr>
           <a:xfrm>
             <a:off x="23193360" y="0"/>
-            <a:ext cx="1189080" cy="1618560"/>
+            <a:ext cx="1188360" cy="1617840"/>
           </a:xfrm>
           <a:prstGeom prst="rect">
             <a:avLst/>
@@ -4143,7 +4143,7 @@
                 <a:spcPct val="100000"/>
               </a:lnSpc>
             </a:pPr>
-            <a:fld id="{B6CF7998-D8F1-49E5-AE05-B7D7F2D73B45}" type="slidenum">
+            <a:fld id="{831B29E8-8DEB-4807-87E4-BF0F7A253667}" type="slidenum">
               <a:rPr b="1" lang="ru-RU" sz="3800" spc="-1" strike="noStrike">
                 <a:solidFill>
                   <a:srgbClr val="ffffff"/>
@@ -4168,7 +4168,7 @@
         <p:spPr>
           <a:xfrm>
             <a:off x="540000" y="0"/>
-            <a:ext cx="8818560" cy="1618560"/>
+            <a:ext cx="8817840" cy="1617840"/>
           </a:xfrm>
           <a:prstGeom prst="rect">
             <a:avLst/>
@@ -4219,7 +4219,7 @@
         <p:spPr>
           <a:xfrm>
             <a:off x="540000" y="2482920"/>
-            <a:ext cx="23842440" cy="1448280"/>
+            <a:ext cx="23841720" cy="1447560"/>
           </a:xfrm>
           <a:prstGeom prst="rect">
             <a:avLst/>
@@ -4330,7 +4330,7 @@
         <p:spPr>
           <a:xfrm>
             <a:off x="540000" y="3780000"/>
-            <a:ext cx="20855520" cy="711000"/>
+            <a:ext cx="20854800" cy="710280"/>
           </a:xfrm>
           <a:prstGeom prst="rect">
             <a:avLst/>
@@ -4381,7 +4381,7 @@
         <p:spPr>
           <a:xfrm>
             <a:off x="900000" y="4639320"/>
-            <a:ext cx="17458560" cy="4378680"/>
+            <a:ext cx="17457840" cy="4377960"/>
           </a:xfrm>
           <a:prstGeom prst="rect">
             <a:avLst/>
@@ -4402,7 +4402,7 @@
             <a:noAutofit/>
           </a:bodyPr>
           <a:p>
-            <a:pPr marL="360000" indent="-214920">
+            <a:pPr marL="360000" indent="-214200">
               <a:lnSpc>
                 <a:spcPct val="115000"/>
               </a:lnSpc>
@@ -4438,7 +4438,7 @@
             </a:endParaRPr>
           </a:p>
           <a:p>
-            <a:pPr marL="360000" indent="-214920">
+            <a:pPr marL="360000" indent="-214200">
               <a:lnSpc>
                 <a:spcPct val="115000"/>
               </a:lnSpc>
@@ -4474,7 +4474,7 @@
             </a:endParaRPr>
           </a:p>
           <a:p>
-            <a:pPr marL="360000" indent="-214920">
+            <a:pPr marL="360000" indent="-214200">
               <a:lnSpc>
                 <a:spcPct val="115000"/>
               </a:lnSpc>
@@ -4510,7 +4510,7 @@
             </a:endParaRPr>
           </a:p>
           <a:p>
-            <a:pPr marL="360000" indent="-214920">
+            <a:pPr marL="360000" indent="-214200">
               <a:lnSpc>
                 <a:spcPct val="115000"/>
               </a:lnSpc>
@@ -4546,7 +4546,7 @@
             </a:endParaRPr>
           </a:p>
           <a:p>
-            <a:pPr marL="360000" indent="-214920">
+            <a:pPr marL="360000" indent="-214200">
               <a:lnSpc>
                 <a:spcPct val="115000"/>
               </a:lnSpc>
@@ -4582,7 +4582,7 @@
             </a:endParaRPr>
           </a:p>
           <a:p>
-            <a:pPr marL="360000" indent="-214920">
+            <a:pPr marL="360000" indent="-214200">
               <a:lnSpc>
                 <a:spcPct val="115000"/>
               </a:lnSpc>
@@ -4618,7 +4618,7 @@
             </a:endParaRPr>
           </a:p>
           <a:p>
-            <a:pPr marL="360000" indent="-214920">
+            <a:pPr marL="360000" indent="-214200">
               <a:lnSpc>
                 <a:spcPct val="115000"/>
               </a:lnSpc>
@@ -4694,7 +4694,7 @@
         <p:spPr>
           <a:xfrm>
             <a:off x="0" y="0"/>
-            <a:ext cx="24382440" cy="1618560"/>
+            <a:ext cx="24381720" cy="1617840"/>
           </a:xfrm>
           <a:prstGeom prst="rect">
             <a:avLst/>
@@ -4724,7 +4724,7 @@
         <p:spPr>
           <a:xfrm>
             <a:off x="23193360" y="0"/>
-            <a:ext cx="1189080" cy="1618560"/>
+            <a:ext cx="1188360" cy="1617840"/>
           </a:xfrm>
           <a:prstGeom prst="rect">
             <a:avLst/>
@@ -4750,7 +4750,7 @@
                 <a:spcPct val="100000"/>
               </a:lnSpc>
             </a:pPr>
-            <a:fld id="{CD2A526D-8879-4EF7-B82F-5E5A2F4CE0F2}" type="slidenum">
+            <a:fld id="{7CC1D228-3897-4F84-A7A4-A4242FC7229A}" type="slidenum">
               <a:rPr b="1" lang="ru-RU" sz="3800" spc="-1" strike="noStrike">
                 <a:solidFill>
                   <a:srgbClr val="ffffff"/>
@@ -4775,7 +4775,7 @@
         <p:spPr>
           <a:xfrm>
             <a:off x="540000" y="0"/>
-            <a:ext cx="8818560" cy="1618560"/>
+            <a:ext cx="8817840" cy="1617840"/>
           </a:xfrm>
           <a:prstGeom prst="rect">
             <a:avLst/>
@@ -4830,7 +4830,7 @@
         <p:spPr>
           <a:xfrm>
             <a:off x="212040" y="2807640"/>
-            <a:ext cx="8786520" cy="3818160"/>
+            <a:ext cx="8785800" cy="3817440"/>
           </a:xfrm>
           <a:prstGeom prst="rect">
             <a:avLst/>
@@ -4849,7 +4849,7 @@
         <p:spPr>
           <a:xfrm>
             <a:off x="720000" y="2446200"/>
-            <a:ext cx="7166520" cy="1332360"/>
+            <a:ext cx="7165800" cy="1331640"/>
           </a:xfrm>
           <a:prstGeom prst="rect">
             <a:avLst/>
@@ -4904,7 +4904,7 @@
         <p:spPr>
           <a:xfrm>
             <a:off x="921960" y="7671240"/>
-            <a:ext cx="16536600" cy="5568120"/>
+            <a:ext cx="16535880" cy="5567400"/>
           </a:xfrm>
           <a:prstGeom prst="rect">
             <a:avLst/>
@@ -4923,7 +4923,7 @@
         <p:spPr>
           <a:xfrm>
             <a:off x="720000" y="6766200"/>
-            <a:ext cx="8818560" cy="1332360"/>
+            <a:ext cx="8817840" cy="1331640"/>
           </a:xfrm>
           <a:prstGeom prst="rect">
             <a:avLst/>
@@ -4978,7 +4978,7 @@
         <p:spPr>
           <a:xfrm>
             <a:off x="16560000" y="1962000"/>
-            <a:ext cx="6838560" cy="5776560"/>
+            <a:ext cx="6837840" cy="5775840"/>
           </a:xfrm>
           <a:prstGeom prst="rect">
             <a:avLst/>
@@ -4997,7 +4997,7 @@
         <p:spPr>
           <a:xfrm>
             <a:off x="10080000" y="3600000"/>
-            <a:ext cx="5038560" cy="2158560"/>
+            <a:ext cx="5037840" cy="2157840"/>
           </a:xfrm>
           <a:custGeom>
             <a:avLst/>
@@ -5093,7 +5093,7 @@
         <p:spPr>
           <a:xfrm>
             <a:off x="5760000" y="4680000"/>
-            <a:ext cx="3958560" cy="1798560"/>
+            <a:ext cx="3957840" cy="1797840"/>
           </a:xfrm>
           <a:prstGeom prst="rect">
             <a:avLst/>
@@ -5128,7 +5128,7 @@
         <p:spPr>
           <a:xfrm>
             <a:off x="18366840" y="8640000"/>
-            <a:ext cx="3059640" cy="2884320"/>
+            <a:ext cx="3058920" cy="2883600"/>
           </a:xfrm>
           <a:prstGeom prst="rect">
             <a:avLst/>
@@ -5151,7 +5151,7 @@
         <p:spPr>
           <a:xfrm>
             <a:off x="18720000" y="11340000"/>
-            <a:ext cx="2706480" cy="1054800"/>
+            <a:ext cx="2705760" cy="1054080"/>
           </a:xfrm>
           <a:prstGeom prst="rect">
             <a:avLst/>
@@ -5200,7 +5200,7 @@
         <p:spPr>
           <a:xfrm>
             <a:off x="0" y="0"/>
-            <a:ext cx="24382440" cy="1618560"/>
+            <a:ext cx="24381720" cy="1617840"/>
           </a:xfrm>
           <a:prstGeom prst="rect">
             <a:avLst/>
@@ -5230,7 +5230,7 @@
         <p:spPr>
           <a:xfrm>
             <a:off x="23193360" y="0"/>
-            <a:ext cx="1189080" cy="1618560"/>
+            <a:ext cx="1188360" cy="1617840"/>
           </a:xfrm>
           <a:prstGeom prst="rect">
             <a:avLst/>
@@ -5256,7 +5256,7 @@
                 <a:spcPct val="100000"/>
               </a:lnSpc>
             </a:pPr>
-            <a:fld id="{DFDC4578-BE80-46A7-AF8E-9C4F8F7F14AE}" type="slidenum">
+            <a:fld id="{5C531CD1-33E5-451F-8489-6BE05183046A}" type="slidenum">
               <a:rPr b="1" lang="ru-RU" sz="3800" spc="-1" strike="noStrike">
                 <a:solidFill>
                   <a:srgbClr val="ffffff"/>
@@ -5281,7 +5281,7 @@
         <p:spPr>
           <a:xfrm>
             <a:off x="540000" y="0"/>
-            <a:ext cx="21994920" cy="1618560"/>
+            <a:ext cx="21994200" cy="1617840"/>
           </a:xfrm>
           <a:prstGeom prst="rect">
             <a:avLst/>
@@ -5315,7 +5315,7 @@
                 <a:latin typeface="Arial"/>
                 <a:ea typeface="DejaVu Sans"/>
               </a:rPr>
-              <a:t>Алгоритм Рунге-Кутты 4 порядка</a:t>
+              <a:t>Алгоритм RK4</a:t>
             </a:r>
             <a:endParaRPr b="0" lang="ru-RU" sz="4200" spc="-1" strike="noStrike">
               <a:latin typeface="Arial"/>
@@ -5336,7 +5336,7 @@
         <p:spPr>
           <a:xfrm>
             <a:off x="4320000" y="1971720"/>
-            <a:ext cx="15972480" cy="11743920"/>
+            <a:ext cx="15971760" cy="11743200"/>
           </a:xfrm>
           <a:prstGeom prst="rect">
             <a:avLst/>
@@ -5385,7 +5385,7 @@
         <p:spPr>
           <a:xfrm>
             <a:off x="0" y="0"/>
-            <a:ext cx="24382440" cy="1618560"/>
+            <a:ext cx="24381720" cy="1617840"/>
           </a:xfrm>
           <a:prstGeom prst="rect">
             <a:avLst/>
@@ -5415,7 +5415,7 @@
         <p:spPr>
           <a:xfrm>
             <a:off x="23193360" y="0"/>
-            <a:ext cx="1189080" cy="1618560"/>
+            <a:ext cx="1188360" cy="1617840"/>
           </a:xfrm>
           <a:prstGeom prst="rect">
             <a:avLst/>
@@ -5441,7 +5441,7 @@
                 <a:spcPct val="100000"/>
               </a:lnSpc>
             </a:pPr>
-            <a:fld id="{1BD9C9B1-BF77-4B3F-A746-E6558B1CA4E0}" type="slidenum">
+            <a:fld id="{C52CF532-40DA-4312-B440-D5A346B5F029}" type="slidenum">
               <a:rPr b="1" lang="ru-RU" sz="3800" spc="-1" strike="noStrike">
                 <a:solidFill>
                   <a:srgbClr val="ffffff"/>
@@ -5466,7 +5466,7 @@
         <p:spPr>
           <a:xfrm>
             <a:off x="540000" y="0"/>
-            <a:ext cx="8818560" cy="1618560"/>
+            <a:ext cx="8817840" cy="1617840"/>
           </a:xfrm>
           <a:prstGeom prst="rect">
             <a:avLst/>
@@ -5521,7 +5521,7 @@
         <p:spPr>
           <a:xfrm>
             <a:off x="1117800" y="5808960"/>
-            <a:ext cx="15260760" cy="5709600"/>
+            <a:ext cx="15260040" cy="5708880"/>
           </a:xfrm>
           <a:prstGeom prst="rect">
             <a:avLst/>
@@ -5540,7 +5540,7 @@
         <p:spPr>
           <a:xfrm>
             <a:off x="360000" y="2367360"/>
-            <a:ext cx="16018560" cy="2948760"/>
+            <a:ext cx="16017840" cy="2948040"/>
           </a:xfrm>
           <a:prstGeom prst="rect">
             <a:avLst/>
@@ -5561,7 +5561,7 @@
             <a:noAutofit/>
           </a:bodyPr>
           <a:p>
-            <a:pPr marL="360000" indent="-214920">
+            <a:pPr marL="360000" indent="-214200">
               <a:lnSpc>
                 <a:spcPct val="115000"/>
               </a:lnSpc>
@@ -5597,7 +5597,7 @@
             </a:endParaRPr>
           </a:p>
           <a:p>
-            <a:pPr marL="360000" indent="-214920">
+            <a:pPr marL="360000" indent="-214200">
               <a:lnSpc>
                 <a:spcPct val="115000"/>
               </a:lnSpc>
@@ -5633,7 +5633,7 @@
             </a:endParaRPr>
           </a:p>
           <a:p>
-            <a:pPr marL="360000" indent="-214920">
+            <a:pPr marL="360000" indent="-214200">
               <a:lnSpc>
                 <a:spcPct val="115000"/>
               </a:lnSpc>
@@ -5669,7 +5669,7 @@
             </a:endParaRPr>
           </a:p>
           <a:p>
-            <a:pPr marL="360000" indent="-214920">
+            <a:pPr marL="360000" indent="-214200">
               <a:lnSpc>
                 <a:spcPct val="115000"/>
               </a:lnSpc>
@@ -5745,7 +5745,7 @@
         <p:spPr>
           <a:xfrm>
             <a:off x="0" y="0"/>
-            <a:ext cx="24382440" cy="1618560"/>
+            <a:ext cx="24381720" cy="1617840"/>
           </a:xfrm>
           <a:prstGeom prst="rect">
             <a:avLst/>
@@ -5775,7 +5775,7 @@
         <p:spPr>
           <a:xfrm>
             <a:off x="23193360" y="0"/>
-            <a:ext cx="1189080" cy="1618560"/>
+            <a:ext cx="1188360" cy="1617840"/>
           </a:xfrm>
           <a:prstGeom prst="rect">
             <a:avLst/>
@@ -5801,7 +5801,7 @@
                 <a:spcPct val="100000"/>
               </a:lnSpc>
             </a:pPr>
-            <a:fld id="{EBB8CDE9-EE4F-48AE-9E90-5702D16E370C}" type="slidenum">
+            <a:fld id="{DBB521C0-8159-416E-A1F5-F1A1022CAD01}" type="slidenum">
               <a:rPr b="1" lang="ru-RU" sz="3800" spc="-1" strike="noStrike">
                 <a:solidFill>
                   <a:srgbClr val="ffffff"/>
@@ -5826,7 +5826,7 @@
         <p:spPr>
           <a:xfrm>
             <a:off x="540000" y="0"/>
-            <a:ext cx="10889280" cy="1618560"/>
+            <a:ext cx="10888560" cy="1617840"/>
           </a:xfrm>
           <a:prstGeom prst="rect">
             <a:avLst/>
@@ -5881,7 +5881,7 @@
         <p:spPr>
           <a:xfrm>
             <a:off x="3960000" y="1916640"/>
-            <a:ext cx="7240680" cy="13170240"/>
+            <a:ext cx="7239960" cy="13169520"/>
           </a:xfrm>
           <a:prstGeom prst="rect">
             <a:avLst/>
@@ -5904,7 +5904,7 @@
         <p:spPr>
           <a:xfrm>
             <a:off x="13944600" y="1849680"/>
-            <a:ext cx="7085880" cy="13237200"/>
+            <a:ext cx="7085160" cy="13236480"/>
           </a:xfrm>
           <a:prstGeom prst="rect">
             <a:avLst/>
@@ -5953,7 +5953,7 @@
         <p:spPr>
           <a:xfrm>
             <a:off x="0" y="0"/>
-            <a:ext cx="24382440" cy="1618560"/>
+            <a:ext cx="24381720" cy="1617840"/>
           </a:xfrm>
           <a:prstGeom prst="rect">
             <a:avLst/>
@@ -5983,7 +5983,7 @@
         <p:spPr>
           <a:xfrm>
             <a:off x="23193360" y="0"/>
-            <a:ext cx="1189080" cy="1618560"/>
+            <a:ext cx="1188360" cy="1617840"/>
           </a:xfrm>
           <a:prstGeom prst="rect">
             <a:avLst/>
@@ -6009,7 +6009,7 @@
                 <a:spcPct val="100000"/>
               </a:lnSpc>
             </a:pPr>
-            <a:fld id="{8BDAC7F1-C4BE-4C1C-B46E-94950BD94325}" type="slidenum">
+            <a:fld id="{C9501A04-6D98-4093-8B22-A8B8C3CE0AD2}" type="slidenum">
               <a:rPr b="1" lang="ru-RU" sz="3800" spc="-1" strike="noStrike">
                 <a:solidFill>
                   <a:srgbClr val="ffffff"/>
@@ -6034,7 +6034,7 @@
         <p:spPr>
           <a:xfrm>
             <a:off x="540000" y="0"/>
-            <a:ext cx="9178560" cy="1618560"/>
+            <a:ext cx="9177840" cy="1617840"/>
           </a:xfrm>
           <a:prstGeom prst="rect">
             <a:avLst/>
@@ -6089,7 +6089,7 @@
         <p:spPr>
           <a:xfrm>
             <a:off x="443880" y="2700000"/>
-            <a:ext cx="23494680" cy="8560440"/>
+            <a:ext cx="23493960" cy="8559720"/>
           </a:xfrm>
           <a:prstGeom prst="rect">
             <a:avLst/>

--- a/диплом_отчет/bachurin_prez.pptx
+++ b/диплом_отчет/bachurin_prez.pptx
@@ -251,7 +251,7 @@
           </a:bodyPr>
           <a:p>
             <a:pPr algn="r"/>
-            <a:fld id="{99E8A109-6D8B-4525-9389-382457833C9A}" type="slidenum">
+            <a:fld id="{47BDB34D-DC22-4582-B8FC-A4FFC0C736F2}" type="slidenum">
               <a:rPr b="0" lang="ru-RU" sz="1400" spc="-1" strike="noStrike">
                 <a:latin typeface="Times New Roman"/>
               </a:rPr>
@@ -299,7 +299,7 @@
         <p:spPr>
           <a:xfrm>
             <a:off x="380880" y="685800"/>
-            <a:ext cx="6093000" cy="3426120"/>
+            <a:ext cx="6092640" cy="3425760"/>
           </a:xfrm>
           <a:prstGeom prst="rect">
             <a:avLst/>
@@ -319,7 +319,7 @@
         <p:spPr>
           <a:xfrm>
             <a:off x="914400" y="4343400"/>
-            <a:ext cx="5026320" cy="4111920"/>
+            <a:ext cx="5025960" cy="4111560"/>
           </a:xfrm>
           <a:prstGeom prst="rect">
             <a:avLst/>
@@ -330,7 +330,7 @@
             <a:noAutofit/>
           </a:bodyPr>
           <a:p>
-            <a:pPr marL="216000" indent="-213480">
+            <a:pPr marL="216000" indent="-213120">
               <a:lnSpc>
                 <a:spcPct val="100000"/>
               </a:lnSpc>
@@ -1995,7 +1995,7 @@
         <p:spPr>
           <a:xfrm>
             <a:off x="4374720" y="622800"/>
-            <a:ext cx="16065360" cy="4676760"/>
+            <a:ext cx="16065000" cy="4676400"/>
           </a:xfrm>
           <a:prstGeom prst="rect">
             <a:avLst/>
@@ -2014,7 +2014,7 @@
         <p:spPr>
           <a:xfrm>
             <a:off x="6329160" y="5943600"/>
-            <a:ext cx="11956320" cy="638280"/>
+            <a:ext cx="11955960" cy="638280"/>
           </a:xfrm>
           <a:prstGeom prst="rect">
             <a:avLst/>
@@ -2065,7 +2065,7 @@
         <p:spPr>
           <a:xfrm>
             <a:off x="16934400" y="10114920"/>
-            <a:ext cx="6051600" cy="2284200"/>
+            <a:ext cx="6051240" cy="2284200"/>
           </a:xfrm>
           <a:prstGeom prst="rect">
             <a:avLst/>
@@ -2176,7 +2176,7 @@
         <p:spPr>
           <a:xfrm>
             <a:off x="4527000" y="6858000"/>
-            <a:ext cx="15326640" cy="1918440"/>
+            <a:ext cx="15326280" cy="1918440"/>
           </a:xfrm>
           <a:prstGeom prst="rect">
             <a:avLst/>
@@ -2257,7 +2257,7 @@
         <p:spPr>
           <a:xfrm>
             <a:off x="0" y="0"/>
-            <a:ext cx="24381720" cy="1617840"/>
+            <a:ext cx="24381360" cy="1617480"/>
           </a:xfrm>
           <a:prstGeom prst="rect">
             <a:avLst/>
@@ -2287,7 +2287,7 @@
         <p:spPr>
           <a:xfrm>
             <a:off x="23193360" y="0"/>
-            <a:ext cx="1188360" cy="1617840"/>
+            <a:ext cx="1188000" cy="1617480"/>
           </a:xfrm>
           <a:prstGeom prst="rect">
             <a:avLst/>
@@ -2313,7 +2313,7 @@
                 <a:spcPct val="100000"/>
               </a:lnSpc>
             </a:pPr>
-            <a:fld id="{FBAD0155-BB1D-4C44-BBDC-9E16FFDA93F9}" type="slidenum">
+            <a:fld id="{DBABE1BA-C407-4916-A179-FD7AB713C8C6}" type="slidenum">
               <a:rPr b="1" lang="ru-RU" sz="3800" spc="-1" strike="noStrike">
                 <a:solidFill>
                   <a:srgbClr val="ffffff"/>
@@ -2338,7 +2338,7 @@
         <p:spPr>
           <a:xfrm>
             <a:off x="540000" y="0"/>
-            <a:ext cx="11802960" cy="1617840"/>
+            <a:ext cx="11802600" cy="1617480"/>
           </a:xfrm>
           <a:prstGeom prst="rect">
             <a:avLst/>
@@ -2393,7 +2393,7 @@
         <p:spPr>
           <a:xfrm>
             <a:off x="1980000" y="2700000"/>
-            <a:ext cx="4857840" cy="3559320"/>
+            <a:ext cx="4857480" cy="3558960"/>
           </a:xfrm>
           <a:prstGeom prst="rect">
             <a:avLst/>
@@ -2416,7 +2416,7 @@
         <p:spPr>
           <a:xfrm>
             <a:off x="2340000" y="7380000"/>
-            <a:ext cx="4317840" cy="4847760"/>
+            <a:ext cx="4317480" cy="4847400"/>
           </a:xfrm>
           <a:prstGeom prst="rect">
             <a:avLst/>
@@ -2435,7 +2435,7 @@
         <p:spPr>
           <a:xfrm>
             <a:off x="8820000" y="2880000"/>
-            <a:ext cx="12777840" cy="3098520"/>
+            <a:ext cx="12777480" cy="3098160"/>
           </a:xfrm>
           <a:prstGeom prst="rect">
             <a:avLst/>
@@ -2496,7 +2496,7 @@
         <p:spPr>
           <a:xfrm>
             <a:off x="8820000" y="7200000"/>
-            <a:ext cx="13137840" cy="4857840"/>
+            <a:ext cx="13137480" cy="4857480"/>
           </a:xfrm>
           <a:prstGeom prst="rect">
             <a:avLst/>
@@ -2577,7 +2577,7 @@
         <p:spPr>
           <a:xfrm>
             <a:off x="0" y="0"/>
-            <a:ext cx="24381720" cy="1617840"/>
+            <a:ext cx="24381360" cy="1617480"/>
           </a:xfrm>
           <a:prstGeom prst="rect">
             <a:avLst/>
@@ -2607,7 +2607,7 @@
         <p:spPr>
           <a:xfrm>
             <a:off x="23193360" y="0"/>
-            <a:ext cx="1188360" cy="1617840"/>
+            <a:ext cx="1188000" cy="1617480"/>
           </a:xfrm>
           <a:prstGeom prst="rect">
             <a:avLst/>
@@ -2633,7 +2633,7 @@
                 <a:spcPct val="100000"/>
               </a:lnSpc>
             </a:pPr>
-            <a:fld id="{733B770C-0DCE-4865-8320-04F80739527C}" type="slidenum">
+            <a:fld id="{1184BE58-069C-41ED-BC1A-93AA5E2AE4CA}" type="slidenum">
               <a:rPr b="1" lang="ru-RU" sz="3800" spc="-1" strike="noStrike">
                 <a:solidFill>
                   <a:srgbClr val="ffffff"/>
@@ -2658,7 +2658,7 @@
         <p:spPr>
           <a:xfrm>
             <a:off x="540000" y="0"/>
-            <a:ext cx="9177840" cy="1617840"/>
+            <a:ext cx="9177480" cy="1617480"/>
           </a:xfrm>
           <a:prstGeom prst="rect">
             <a:avLst/>
@@ -2713,7 +2713,7 @@
         <p:spPr>
           <a:xfrm>
             <a:off x="720000" y="2880000"/>
-            <a:ext cx="11182320" cy="9937800"/>
+            <a:ext cx="11181960" cy="9937440"/>
           </a:xfrm>
           <a:prstGeom prst="rect">
             <a:avLst/>
@@ -2736,7 +2736,7 @@
         <p:spPr>
           <a:xfrm>
             <a:off x="12690360" y="2876040"/>
-            <a:ext cx="11143440" cy="9901800"/>
+            <a:ext cx="11143080" cy="9901440"/>
           </a:xfrm>
           <a:prstGeom prst="rect">
             <a:avLst/>
@@ -2785,7 +2785,7 @@
         <p:spPr>
           <a:xfrm>
             <a:off x="0" y="0"/>
-            <a:ext cx="24381720" cy="1617840"/>
+            <a:ext cx="24381360" cy="1617480"/>
           </a:xfrm>
           <a:prstGeom prst="rect">
             <a:avLst/>
@@ -2815,7 +2815,7 @@
         <p:spPr>
           <a:xfrm>
             <a:off x="23193360" y="0"/>
-            <a:ext cx="1188360" cy="1617840"/>
+            <a:ext cx="1188000" cy="1617480"/>
           </a:xfrm>
           <a:prstGeom prst="rect">
             <a:avLst/>
@@ -2841,7 +2841,7 @@
                 <a:spcPct val="100000"/>
               </a:lnSpc>
             </a:pPr>
-            <a:fld id="{DD6D9A46-DD3F-4AE3-B213-4D2DC62D606A}" type="slidenum">
+            <a:fld id="{E231643E-9B0B-4218-8E10-CB42B6FFAC57}" type="slidenum">
               <a:rPr b="1" lang="ru-RU" sz="3800" spc="-1" strike="noStrike">
                 <a:solidFill>
                   <a:srgbClr val="ffffff"/>
@@ -2866,7 +2866,7 @@
         <p:spPr>
           <a:xfrm>
             <a:off x="540000" y="0"/>
-            <a:ext cx="8817840" cy="1617840"/>
+            <a:ext cx="8817480" cy="1617480"/>
           </a:xfrm>
           <a:prstGeom prst="rect">
             <a:avLst/>
@@ -2917,7 +2917,7 @@
         <p:spPr>
           <a:xfrm>
             <a:off x="540000" y="2482920"/>
-            <a:ext cx="23841720" cy="1447560"/>
+            <a:ext cx="23841360" cy="1447200"/>
           </a:xfrm>
           <a:prstGeom prst="rect">
             <a:avLst/>
@@ -2968,7 +2968,7 @@
         <p:spPr>
           <a:xfrm>
             <a:off x="540000" y="4320000"/>
-            <a:ext cx="20854800" cy="710280"/>
+            <a:ext cx="20854440" cy="709920"/>
           </a:xfrm>
           <a:prstGeom prst="rect">
             <a:avLst/>
@@ -3019,7 +3019,7 @@
         <p:spPr>
           <a:xfrm>
             <a:off x="900000" y="5040000"/>
-            <a:ext cx="22857840" cy="2337840"/>
+            <a:ext cx="22857480" cy="2337480"/>
           </a:xfrm>
           <a:prstGeom prst="rect">
             <a:avLst/>
@@ -3040,7 +3040,7 @@
             <a:noAutofit/>
           </a:bodyPr>
           <a:p>
-            <a:pPr marL="360000" indent="-214200">
+            <a:pPr marL="360000" indent="-213840">
               <a:lnSpc>
                 <a:spcPct val="115000"/>
               </a:lnSpc>
@@ -3076,7 +3076,7 @@
             </a:endParaRPr>
           </a:p>
           <a:p>
-            <a:pPr marL="360000" indent="-214200">
+            <a:pPr marL="360000" indent="-213840">
               <a:lnSpc>
                 <a:spcPct val="115000"/>
               </a:lnSpc>
@@ -3112,7 +3112,7 @@
             </a:endParaRPr>
           </a:p>
           <a:p>
-            <a:pPr marL="360000" indent="-214200">
+            <a:pPr marL="360000" indent="-213840">
               <a:lnSpc>
                 <a:spcPct val="115000"/>
               </a:lnSpc>
@@ -3158,7 +3158,7 @@
         <p:spPr>
           <a:xfrm>
             <a:off x="540000" y="7927560"/>
-            <a:ext cx="20854800" cy="710280"/>
+            <a:ext cx="20854440" cy="709920"/>
           </a:xfrm>
           <a:prstGeom prst="rect">
             <a:avLst/>
@@ -3209,7 +3209,7 @@
         <p:spPr>
           <a:xfrm>
             <a:off x="900000" y="8640000"/>
-            <a:ext cx="22857840" cy="2337840"/>
+            <a:ext cx="22857480" cy="2337480"/>
           </a:xfrm>
           <a:prstGeom prst="rect">
             <a:avLst/>
@@ -3230,7 +3230,7 @@
             <a:noAutofit/>
           </a:bodyPr>
           <a:p>
-            <a:pPr marL="360000" indent="-214200">
+            <a:pPr marL="360000" indent="-213840">
               <a:lnSpc>
                 <a:spcPct val="115000"/>
               </a:lnSpc>
@@ -3266,7 +3266,7 @@
             </a:endParaRPr>
           </a:p>
           <a:p>
-            <a:pPr marL="360000" indent="-214200">
+            <a:pPr marL="360000" indent="-213840">
               <a:lnSpc>
                 <a:spcPct val="115000"/>
               </a:lnSpc>
@@ -3302,7 +3302,7 @@
             </a:endParaRPr>
           </a:p>
           <a:p>
-            <a:pPr marL="360000" indent="-214200">
+            <a:pPr marL="360000" indent="-213840">
               <a:lnSpc>
                 <a:spcPct val="115000"/>
               </a:lnSpc>
@@ -3449,7 +3449,7 @@
         <p:spPr>
           <a:xfrm>
             <a:off x="23438520" y="12846240"/>
-            <a:ext cx="193680" cy="427320"/>
+            <a:ext cx="193320" cy="426960"/>
           </a:xfrm>
           <a:prstGeom prst="rect">
             <a:avLst/>
@@ -3475,7 +3475,7 @@
         <p:spPr>
           <a:xfrm>
             <a:off x="4122360" y="3261960"/>
-            <a:ext cx="141480" cy="510840"/>
+            <a:ext cx="141120" cy="510480"/>
           </a:xfrm>
           <a:prstGeom prst="rect">
             <a:avLst/>
@@ -3531,7 +3531,7 @@
         <p:spPr>
           <a:xfrm>
             <a:off x="0" y="0"/>
-            <a:ext cx="24381720" cy="1617840"/>
+            <a:ext cx="24381360" cy="1617480"/>
           </a:xfrm>
           <a:prstGeom prst="rect">
             <a:avLst/>
@@ -3561,7 +3561,7 @@
         <p:spPr>
           <a:xfrm>
             <a:off x="23193360" y="0"/>
-            <a:ext cx="1188360" cy="1617840"/>
+            <a:ext cx="1188000" cy="1617480"/>
           </a:xfrm>
           <a:prstGeom prst="rect">
             <a:avLst/>
@@ -3587,7 +3587,7 @@
                 <a:spcPct val="100000"/>
               </a:lnSpc>
             </a:pPr>
-            <a:fld id="{A397BFDF-B6E4-4565-9BCD-03BD57BA8761}" type="slidenum">
+            <a:fld id="{DFCF3500-28B6-4566-88B2-99C37B357AEE}" type="slidenum">
               <a:rPr b="1" lang="ru-RU" sz="3800" spc="-1" strike="noStrike">
                 <a:solidFill>
                   <a:srgbClr val="ffffff"/>
@@ -3612,7 +3612,7 @@
         <p:spPr>
           <a:xfrm>
             <a:off x="540000" y="0"/>
-            <a:ext cx="8817840" cy="1617840"/>
+            <a:ext cx="8817480" cy="1617480"/>
           </a:xfrm>
           <a:prstGeom prst="rect">
             <a:avLst/>
@@ -3667,7 +3667,7 @@
         <p:spPr>
           <a:xfrm>
             <a:off x="12693960" y="3060000"/>
-            <a:ext cx="10883880" cy="8637840"/>
+            <a:ext cx="10883520" cy="8637480"/>
           </a:xfrm>
           <a:prstGeom prst="rect">
             <a:avLst/>
@@ -3686,7 +3686,7 @@
         <p:spPr>
           <a:xfrm>
             <a:off x="756720" y="3026520"/>
-            <a:ext cx="11157840" cy="8637840"/>
+            <a:ext cx="11157480" cy="8637480"/>
           </a:xfrm>
           <a:prstGeom prst="rect">
             <a:avLst/>
@@ -3777,7 +3777,7 @@
         <p:spPr>
           <a:xfrm>
             <a:off x="0" y="0"/>
-            <a:ext cx="24381720" cy="1617840"/>
+            <a:ext cx="24381360" cy="1617480"/>
           </a:xfrm>
           <a:prstGeom prst="rect">
             <a:avLst/>
@@ -3807,7 +3807,7 @@
         <p:spPr>
           <a:xfrm>
             <a:off x="23193360" y="0"/>
-            <a:ext cx="1188360" cy="1617840"/>
+            <a:ext cx="1188000" cy="1617480"/>
           </a:xfrm>
           <a:prstGeom prst="rect">
             <a:avLst/>
@@ -3833,7 +3833,7 @@
                 <a:spcPct val="100000"/>
               </a:lnSpc>
             </a:pPr>
-            <a:fld id="{A55999D7-8DC5-4AC2-9501-FC7F1FB7F5BA}" type="slidenum">
+            <a:fld id="{B2899AD5-8CBE-4E8F-BB45-DC2ED168918C}" type="slidenum">
               <a:rPr b="1" lang="ru-RU" sz="3800" spc="-1" strike="noStrike">
                 <a:solidFill>
                   <a:srgbClr val="ffffff"/>
@@ -3858,7 +3858,7 @@
         <p:spPr>
           <a:xfrm>
             <a:off x="540000" y="0"/>
-            <a:ext cx="8817840" cy="1617840"/>
+            <a:ext cx="8817480" cy="1617480"/>
           </a:xfrm>
           <a:prstGeom prst="rect">
             <a:avLst/>
@@ -3913,7 +3913,7 @@
         <p:spPr>
           <a:xfrm>
             <a:off x="808920" y="2514600"/>
-            <a:ext cx="10619640" cy="5954400"/>
+            <a:ext cx="10619280" cy="5954040"/>
           </a:xfrm>
           <a:prstGeom prst="rect">
             <a:avLst/>
@@ -3932,7 +3932,7 @@
         <p:spPr>
           <a:xfrm>
             <a:off x="845640" y="9144000"/>
-            <a:ext cx="10582920" cy="1447560"/>
+            <a:ext cx="10582560" cy="1447200"/>
           </a:xfrm>
           <a:prstGeom prst="rect">
             <a:avLst/>
@@ -3987,7 +3987,7 @@
         <p:spPr>
           <a:xfrm>
             <a:off x="13226760" y="2653560"/>
-            <a:ext cx="10317600" cy="5803200"/>
+            <a:ext cx="10317240" cy="5802840"/>
           </a:xfrm>
           <a:prstGeom prst="rect">
             <a:avLst/>
@@ -4006,7 +4006,7 @@
         <p:spPr>
           <a:xfrm>
             <a:off x="13258800" y="9066600"/>
-            <a:ext cx="10285560" cy="1447560"/>
+            <a:ext cx="10285200" cy="1447200"/>
           </a:xfrm>
           <a:prstGeom prst="rect">
             <a:avLst/>
@@ -4087,7 +4087,7 @@
         <p:spPr>
           <a:xfrm>
             <a:off x="0" y="0"/>
-            <a:ext cx="24381720" cy="1617840"/>
+            <a:ext cx="24381360" cy="1617480"/>
           </a:xfrm>
           <a:prstGeom prst="rect">
             <a:avLst/>
@@ -4117,7 +4117,7 @@
         <p:spPr>
           <a:xfrm>
             <a:off x="23193360" y="0"/>
-            <a:ext cx="1188360" cy="1617840"/>
+            <a:ext cx="1188000" cy="1617480"/>
           </a:xfrm>
           <a:prstGeom prst="rect">
             <a:avLst/>
@@ -4143,7 +4143,7 @@
                 <a:spcPct val="100000"/>
               </a:lnSpc>
             </a:pPr>
-            <a:fld id="{831B29E8-8DEB-4807-87E4-BF0F7A253667}" type="slidenum">
+            <a:fld id="{94A197ED-80CA-4DAC-A1A7-846B4663032F}" type="slidenum">
               <a:rPr b="1" lang="ru-RU" sz="3800" spc="-1" strike="noStrike">
                 <a:solidFill>
                   <a:srgbClr val="ffffff"/>
@@ -4168,7 +4168,7 @@
         <p:spPr>
           <a:xfrm>
             <a:off x="540000" y="0"/>
-            <a:ext cx="8817840" cy="1617840"/>
+            <a:ext cx="8817480" cy="1617480"/>
           </a:xfrm>
           <a:prstGeom prst="rect">
             <a:avLst/>
@@ -4219,7 +4219,7 @@
         <p:spPr>
           <a:xfrm>
             <a:off x="540000" y="2482920"/>
-            <a:ext cx="23841720" cy="1447560"/>
+            <a:ext cx="23841360" cy="1447200"/>
           </a:xfrm>
           <a:prstGeom prst="rect">
             <a:avLst/>
@@ -4330,7 +4330,7 @@
         <p:spPr>
           <a:xfrm>
             <a:off x="540000" y="3780000"/>
-            <a:ext cx="20854800" cy="710280"/>
+            <a:ext cx="20854440" cy="709920"/>
           </a:xfrm>
           <a:prstGeom prst="rect">
             <a:avLst/>
@@ -4381,7 +4381,7 @@
         <p:spPr>
           <a:xfrm>
             <a:off x="900000" y="4639320"/>
-            <a:ext cx="17457840" cy="4377960"/>
+            <a:ext cx="17457480" cy="4377600"/>
           </a:xfrm>
           <a:prstGeom prst="rect">
             <a:avLst/>
@@ -4402,7 +4402,7 @@
             <a:noAutofit/>
           </a:bodyPr>
           <a:p>
-            <a:pPr marL="360000" indent="-214200">
+            <a:pPr marL="360000" indent="-213840">
               <a:lnSpc>
                 <a:spcPct val="115000"/>
               </a:lnSpc>
@@ -4438,7 +4438,7 @@
             </a:endParaRPr>
           </a:p>
           <a:p>
-            <a:pPr marL="360000" indent="-214200">
+            <a:pPr marL="360000" indent="-213840">
               <a:lnSpc>
                 <a:spcPct val="115000"/>
               </a:lnSpc>
@@ -4474,7 +4474,7 @@
             </a:endParaRPr>
           </a:p>
           <a:p>
-            <a:pPr marL="360000" indent="-214200">
+            <a:pPr marL="360000" indent="-213840">
               <a:lnSpc>
                 <a:spcPct val="115000"/>
               </a:lnSpc>
@@ -4510,7 +4510,7 @@
             </a:endParaRPr>
           </a:p>
           <a:p>
-            <a:pPr marL="360000" indent="-214200">
+            <a:pPr marL="360000" indent="-213840">
               <a:lnSpc>
                 <a:spcPct val="115000"/>
               </a:lnSpc>
@@ -4546,7 +4546,7 @@
             </a:endParaRPr>
           </a:p>
           <a:p>
-            <a:pPr marL="360000" indent="-214200">
+            <a:pPr marL="360000" indent="-213840">
               <a:lnSpc>
                 <a:spcPct val="115000"/>
               </a:lnSpc>
@@ -4582,7 +4582,7 @@
             </a:endParaRPr>
           </a:p>
           <a:p>
-            <a:pPr marL="360000" indent="-214200">
+            <a:pPr marL="360000" indent="-213840">
               <a:lnSpc>
                 <a:spcPct val="115000"/>
               </a:lnSpc>
@@ -4618,7 +4618,7 @@
             </a:endParaRPr>
           </a:p>
           <a:p>
-            <a:pPr marL="360000" indent="-214200">
+            <a:pPr marL="360000" indent="-213840">
               <a:lnSpc>
                 <a:spcPct val="115000"/>
               </a:lnSpc>
@@ -4694,7 +4694,7 @@
         <p:spPr>
           <a:xfrm>
             <a:off x="0" y="0"/>
-            <a:ext cx="24381720" cy="1617840"/>
+            <a:ext cx="24381360" cy="1617480"/>
           </a:xfrm>
           <a:prstGeom prst="rect">
             <a:avLst/>
@@ -4724,7 +4724,7 @@
         <p:spPr>
           <a:xfrm>
             <a:off x="23193360" y="0"/>
-            <a:ext cx="1188360" cy="1617840"/>
+            <a:ext cx="1188000" cy="1617480"/>
           </a:xfrm>
           <a:prstGeom prst="rect">
             <a:avLst/>
@@ -4750,7 +4750,7 @@
                 <a:spcPct val="100000"/>
               </a:lnSpc>
             </a:pPr>
-            <a:fld id="{7CC1D228-3897-4F84-A7A4-A4242FC7229A}" type="slidenum">
+            <a:fld id="{D3D80B57-C6FD-41DD-A4C4-D5DFC1656AAE}" type="slidenum">
               <a:rPr b="1" lang="ru-RU" sz="3800" spc="-1" strike="noStrike">
                 <a:solidFill>
                   <a:srgbClr val="ffffff"/>
@@ -4775,7 +4775,7 @@
         <p:spPr>
           <a:xfrm>
             <a:off x="540000" y="0"/>
-            <a:ext cx="8817840" cy="1617840"/>
+            <a:ext cx="8817480" cy="1617480"/>
           </a:xfrm>
           <a:prstGeom prst="rect">
             <a:avLst/>
@@ -4830,7 +4830,7 @@
         <p:spPr>
           <a:xfrm>
             <a:off x="212040" y="2807640"/>
-            <a:ext cx="8785800" cy="3817440"/>
+            <a:ext cx="8785440" cy="3817080"/>
           </a:xfrm>
           <a:prstGeom prst="rect">
             <a:avLst/>
@@ -4849,7 +4849,7 @@
         <p:spPr>
           <a:xfrm>
             <a:off x="720000" y="2446200"/>
-            <a:ext cx="7165800" cy="1331640"/>
+            <a:ext cx="7165440" cy="1331280"/>
           </a:xfrm>
           <a:prstGeom prst="rect">
             <a:avLst/>
@@ -4904,7 +4904,7 @@
         <p:spPr>
           <a:xfrm>
             <a:off x="921960" y="7671240"/>
-            <a:ext cx="16535880" cy="5567400"/>
+            <a:ext cx="16535520" cy="5567040"/>
           </a:xfrm>
           <a:prstGeom prst="rect">
             <a:avLst/>
@@ -4923,7 +4923,7 @@
         <p:spPr>
           <a:xfrm>
             <a:off x="720000" y="6766200"/>
-            <a:ext cx="8817840" cy="1331640"/>
+            <a:ext cx="8817480" cy="1331280"/>
           </a:xfrm>
           <a:prstGeom prst="rect">
             <a:avLst/>
@@ -4978,7 +4978,7 @@
         <p:spPr>
           <a:xfrm>
             <a:off x="16560000" y="1962000"/>
-            <a:ext cx="6837840" cy="5775840"/>
+            <a:ext cx="6837480" cy="5775480"/>
           </a:xfrm>
           <a:prstGeom prst="rect">
             <a:avLst/>
@@ -4997,7 +4997,7 @@
         <p:spPr>
           <a:xfrm>
             <a:off x="10080000" y="3600000"/>
-            <a:ext cx="5037840" cy="2157840"/>
+            <a:ext cx="5037480" cy="2157480"/>
           </a:xfrm>
           <a:custGeom>
             <a:avLst/>
@@ -5093,7 +5093,7 @@
         <p:spPr>
           <a:xfrm>
             <a:off x="5760000" y="4680000"/>
-            <a:ext cx="3957840" cy="1797840"/>
+            <a:ext cx="3957480" cy="1797480"/>
           </a:xfrm>
           <a:prstGeom prst="rect">
             <a:avLst/>
@@ -5128,7 +5128,7 @@
         <p:spPr>
           <a:xfrm>
             <a:off x="18366840" y="8640000"/>
-            <a:ext cx="3058920" cy="2883600"/>
+            <a:ext cx="3058560" cy="2883240"/>
           </a:xfrm>
           <a:prstGeom prst="rect">
             <a:avLst/>
@@ -5151,7 +5151,7 @@
         <p:spPr>
           <a:xfrm>
             <a:off x="18720000" y="11340000"/>
-            <a:ext cx="2705760" cy="1054080"/>
+            <a:ext cx="2705400" cy="1053720"/>
           </a:xfrm>
           <a:prstGeom prst="rect">
             <a:avLst/>
@@ -5200,7 +5200,7 @@
         <p:spPr>
           <a:xfrm>
             <a:off x="0" y="0"/>
-            <a:ext cx="24381720" cy="1617840"/>
+            <a:ext cx="24381360" cy="1617480"/>
           </a:xfrm>
           <a:prstGeom prst="rect">
             <a:avLst/>
@@ -5230,7 +5230,7 @@
         <p:spPr>
           <a:xfrm>
             <a:off x="23193360" y="0"/>
-            <a:ext cx="1188360" cy="1617840"/>
+            <a:ext cx="1188000" cy="1617480"/>
           </a:xfrm>
           <a:prstGeom prst="rect">
             <a:avLst/>
@@ -5256,7 +5256,7 @@
                 <a:spcPct val="100000"/>
               </a:lnSpc>
             </a:pPr>
-            <a:fld id="{5C531CD1-33E5-451F-8489-6BE05183046A}" type="slidenum">
+            <a:fld id="{04C5BC6C-79E1-4A00-BE96-560AE4A4BA21}" type="slidenum">
               <a:rPr b="1" lang="ru-RU" sz="3800" spc="-1" strike="noStrike">
                 <a:solidFill>
                   <a:srgbClr val="ffffff"/>
@@ -5281,7 +5281,7 @@
         <p:spPr>
           <a:xfrm>
             <a:off x="540000" y="0"/>
-            <a:ext cx="21994200" cy="1617840"/>
+            <a:ext cx="21993840" cy="1617480"/>
           </a:xfrm>
           <a:prstGeom prst="rect">
             <a:avLst/>
@@ -5335,8 +5335,8 @@
         </p:blipFill>
         <p:spPr>
           <a:xfrm>
-            <a:off x="4320000" y="1971720"/>
-            <a:ext cx="15971760" cy="11743200"/>
+            <a:off x="2544480" y="1800000"/>
+            <a:ext cx="18875520" cy="11880720"/>
           </a:xfrm>
           <a:prstGeom prst="rect">
             <a:avLst/>
@@ -5385,7 +5385,7 @@
         <p:spPr>
           <a:xfrm>
             <a:off x="0" y="0"/>
-            <a:ext cx="24381720" cy="1617840"/>
+            <a:ext cx="24381360" cy="1617480"/>
           </a:xfrm>
           <a:prstGeom prst="rect">
             <a:avLst/>
@@ -5415,7 +5415,7 @@
         <p:spPr>
           <a:xfrm>
             <a:off x="23193360" y="0"/>
-            <a:ext cx="1188360" cy="1617840"/>
+            <a:ext cx="1188000" cy="1617480"/>
           </a:xfrm>
           <a:prstGeom prst="rect">
             <a:avLst/>
@@ -5441,7 +5441,7 @@
                 <a:spcPct val="100000"/>
               </a:lnSpc>
             </a:pPr>
-            <a:fld id="{C52CF532-40DA-4312-B440-D5A346B5F029}" type="slidenum">
+            <a:fld id="{E17181AB-4888-4EA1-BB51-1F3606FA5F77}" type="slidenum">
               <a:rPr b="1" lang="ru-RU" sz="3800" spc="-1" strike="noStrike">
                 <a:solidFill>
                   <a:srgbClr val="ffffff"/>
@@ -5466,7 +5466,7 @@
         <p:spPr>
           <a:xfrm>
             <a:off x="540000" y="0"/>
-            <a:ext cx="8817840" cy="1617840"/>
+            <a:ext cx="8817480" cy="1617480"/>
           </a:xfrm>
           <a:prstGeom prst="rect">
             <a:avLst/>
@@ -5521,7 +5521,7 @@
         <p:spPr>
           <a:xfrm>
             <a:off x="1117800" y="5808960"/>
-            <a:ext cx="15260040" cy="5708880"/>
+            <a:ext cx="15259680" cy="5708520"/>
           </a:xfrm>
           <a:prstGeom prst="rect">
             <a:avLst/>
@@ -5540,7 +5540,7 @@
         <p:spPr>
           <a:xfrm>
             <a:off x="360000" y="2367360"/>
-            <a:ext cx="16017840" cy="2948040"/>
+            <a:ext cx="16017480" cy="2947680"/>
           </a:xfrm>
           <a:prstGeom prst="rect">
             <a:avLst/>
@@ -5561,7 +5561,7 @@
             <a:noAutofit/>
           </a:bodyPr>
           <a:p>
-            <a:pPr marL="360000" indent="-214200">
+            <a:pPr marL="360000" indent="-213840">
               <a:lnSpc>
                 <a:spcPct val="115000"/>
               </a:lnSpc>
@@ -5597,7 +5597,7 @@
             </a:endParaRPr>
           </a:p>
           <a:p>
-            <a:pPr marL="360000" indent="-214200">
+            <a:pPr marL="360000" indent="-213840">
               <a:lnSpc>
                 <a:spcPct val="115000"/>
               </a:lnSpc>
@@ -5633,7 +5633,7 @@
             </a:endParaRPr>
           </a:p>
           <a:p>
-            <a:pPr marL="360000" indent="-214200">
+            <a:pPr marL="360000" indent="-213840">
               <a:lnSpc>
                 <a:spcPct val="115000"/>
               </a:lnSpc>
@@ -5669,7 +5669,7 @@
             </a:endParaRPr>
           </a:p>
           <a:p>
-            <a:pPr marL="360000" indent="-214200">
+            <a:pPr marL="360000" indent="-213840">
               <a:lnSpc>
                 <a:spcPct val="115000"/>
               </a:lnSpc>
@@ -5745,7 +5745,7 @@
         <p:spPr>
           <a:xfrm>
             <a:off x="0" y="0"/>
-            <a:ext cx="24381720" cy="1617840"/>
+            <a:ext cx="24381360" cy="1617480"/>
           </a:xfrm>
           <a:prstGeom prst="rect">
             <a:avLst/>
@@ -5775,7 +5775,7 @@
         <p:spPr>
           <a:xfrm>
             <a:off x="23193360" y="0"/>
-            <a:ext cx="1188360" cy="1617840"/>
+            <a:ext cx="1188000" cy="1617480"/>
           </a:xfrm>
           <a:prstGeom prst="rect">
             <a:avLst/>
@@ -5801,7 +5801,7 @@
                 <a:spcPct val="100000"/>
               </a:lnSpc>
             </a:pPr>
-            <a:fld id="{DBB521C0-8159-416E-A1F5-F1A1022CAD01}" type="slidenum">
+            <a:fld id="{DEB43F18-C1D4-4A7C-BCCB-5AC75B33AC67}" type="slidenum">
               <a:rPr b="1" lang="ru-RU" sz="3800" spc="-1" strike="noStrike">
                 <a:solidFill>
                   <a:srgbClr val="ffffff"/>
@@ -5826,7 +5826,7 @@
         <p:spPr>
           <a:xfrm>
             <a:off x="540000" y="0"/>
-            <a:ext cx="10888560" cy="1617840"/>
+            <a:ext cx="10888200" cy="1617480"/>
           </a:xfrm>
           <a:prstGeom prst="rect">
             <a:avLst/>
@@ -5881,7 +5881,7 @@
         <p:spPr>
           <a:xfrm>
             <a:off x="3960000" y="1916640"/>
-            <a:ext cx="7239960" cy="13169520"/>
+            <a:ext cx="7239600" cy="13169160"/>
           </a:xfrm>
           <a:prstGeom prst="rect">
             <a:avLst/>
@@ -5904,7 +5904,7 @@
         <p:spPr>
           <a:xfrm>
             <a:off x="13944600" y="1849680"/>
-            <a:ext cx="7085160" cy="13236480"/>
+            <a:ext cx="7084800" cy="13236120"/>
           </a:xfrm>
           <a:prstGeom prst="rect">
             <a:avLst/>
@@ -5953,7 +5953,7 @@
         <p:spPr>
           <a:xfrm>
             <a:off x="0" y="0"/>
-            <a:ext cx="24381720" cy="1617840"/>
+            <a:ext cx="24381360" cy="1617480"/>
           </a:xfrm>
           <a:prstGeom prst="rect">
             <a:avLst/>
@@ -5983,7 +5983,7 @@
         <p:spPr>
           <a:xfrm>
             <a:off x="23193360" y="0"/>
-            <a:ext cx="1188360" cy="1617840"/>
+            <a:ext cx="1188000" cy="1617480"/>
           </a:xfrm>
           <a:prstGeom prst="rect">
             <a:avLst/>
@@ -6009,7 +6009,7 @@
                 <a:spcPct val="100000"/>
               </a:lnSpc>
             </a:pPr>
-            <a:fld id="{C9501A04-6D98-4093-8B22-A8B8C3CE0AD2}" type="slidenum">
+            <a:fld id="{4C75DE60-18C6-40FB-842D-C772C63E1FCC}" type="slidenum">
               <a:rPr b="1" lang="ru-RU" sz="3800" spc="-1" strike="noStrike">
                 <a:solidFill>
                   <a:srgbClr val="ffffff"/>
@@ -6034,7 +6034,7 @@
         <p:spPr>
           <a:xfrm>
             <a:off x="540000" y="0"/>
-            <a:ext cx="9177840" cy="1617840"/>
+            <a:ext cx="9177480" cy="1617480"/>
           </a:xfrm>
           <a:prstGeom prst="rect">
             <a:avLst/>
@@ -6089,7 +6089,7 @@
         <p:spPr>
           <a:xfrm>
             <a:off x="443880" y="2700000"/>
-            <a:ext cx="23493960" cy="8559720"/>
+            <a:ext cx="23493600" cy="8559360"/>
           </a:xfrm>
           <a:prstGeom prst="rect">
             <a:avLst/>

--- a/диплом_отчет/bachurin_prez.pptx
+++ b/диплом_отчет/bachurin_prez.pptx
@@ -21,6 +21,7 @@
     <p:sldId id="266" r:id="rId14"/>
     <p:sldId id="267" r:id="rId15"/>
     <p:sldId id="268" r:id="rId16"/>
+    <p:sldId id="269" r:id="rId17"/>
   </p:sldIdLst>
   <p:sldSz cx="24384000" cy="13716000"/>
   <p:notesSz cx="6858000" cy="9144000"/>
@@ -56,8 +57,8 @@
         </p:nvSpPr>
         <p:spPr>
           <a:xfrm>
-            <a:off x="216000" y="812520"/>
-            <a:ext cx="7127280" cy="4008960"/>
+            <a:off x="533520" y="764280"/>
+            <a:ext cx="6704640" cy="3771360"/>
           </a:xfrm>
           <a:prstGeom prst="rect">
             <a:avLst/>
@@ -70,12 +71,12 @@
           <a:p>
             <a:pPr algn="ctr"/>
             <a:r>
-              <a:rPr b="0" lang="ru-RU" sz="4400" spc="-1" strike="noStrike">
+              <a:rPr b="0" lang="en-US" sz="4400" spc="-1" strike="noStrike">
                 <a:latin typeface="Arial"/>
               </a:rPr>
-              <a:t>Для перемещения страницы щёлкните мышью</a:t>
-            </a:r>
-            <a:endParaRPr b="0" lang="ru-RU" sz="4400" spc="-1" strike="noStrike">
+              <a:t>Click to move the slide</a:t>
+            </a:r>
+            <a:endParaRPr b="0" lang="en-US" sz="4400" spc="-1" strike="noStrike">
               <a:latin typeface="Arial"/>
             </a:endParaRPr>
           </a:p>
@@ -93,8 +94,8 @@
         </p:nvSpPr>
         <p:spPr>
           <a:xfrm>
-            <a:off x="756000" y="5078520"/>
-            <a:ext cx="6047640" cy="4811040"/>
+            <a:off x="777240" y="4777560"/>
+            <a:ext cx="6217560" cy="4525920"/>
           </a:xfrm>
           <a:prstGeom prst="rect">
             <a:avLst/>
@@ -106,12 +107,12 @@
           </a:bodyPr>
           <a:p>
             <a:r>
-              <a:rPr b="0" lang="ru-RU" sz="2000" spc="-1" strike="noStrike">
+              <a:rPr b="0" lang="en-US" sz="2000" spc="-1" strike="noStrike">
                 <a:latin typeface="Arial"/>
               </a:rPr>
-              <a:t>Для правки формата примечаний щёлкните мышью</a:t>
-            </a:r>
-            <a:endParaRPr b="0" lang="ru-RU" sz="2000" spc="-1" strike="noStrike">
+              <a:t>Click to edit the notes format</a:t>
+            </a:r>
+            <a:endParaRPr b="0" lang="en-US" sz="2000" spc="-1" strike="noStrike">
               <a:latin typeface="Arial"/>
             </a:endParaRPr>
           </a:p>
@@ -130,7 +131,7 @@
         <p:spPr>
           <a:xfrm>
             <a:off x="0" y="0"/>
-            <a:ext cx="3280680" cy="534240"/>
+            <a:ext cx="3372840" cy="502560"/>
           </a:xfrm>
           <a:prstGeom prst="rect">
             <a:avLst/>
@@ -142,12 +143,12 @@
           </a:bodyPr>
           <a:p>
             <a:r>
-              <a:rPr b="0" lang="ru-RU" sz="1400" spc="-1" strike="noStrike">
+              <a:rPr b="0" lang="en-US" sz="1400" spc="-1" strike="noStrike">
                 <a:latin typeface="Times New Roman"/>
               </a:rPr>
-              <a:t>&lt;верхний колонтитул&gt;</a:t>
-            </a:r>
-            <a:endParaRPr b="0" lang="ru-RU" sz="1400" spc="-1" strike="noStrike">
+              <a:t>&lt;header&gt;</a:t>
+            </a:r>
+            <a:endParaRPr b="0" lang="en-US" sz="1400" spc="-1" strike="noStrike">
               <a:latin typeface="Times New Roman"/>
             </a:endParaRPr>
           </a:p>
@@ -165,8 +166,8 @@
         </p:nvSpPr>
         <p:spPr>
           <a:xfrm>
-            <a:off x="4278960" y="0"/>
-            <a:ext cx="3280680" cy="534240"/>
+            <a:off x="4399200" y="0"/>
+            <a:ext cx="3372840" cy="502560"/>
           </a:xfrm>
           <a:prstGeom prst="rect">
             <a:avLst/>
@@ -179,12 +180,12 @@
           <a:p>
             <a:pPr algn="r"/>
             <a:r>
-              <a:rPr b="0" lang="ru-RU" sz="1400" spc="-1" strike="noStrike">
+              <a:rPr b="0" lang="en-US" sz="1400" spc="-1" strike="noStrike">
                 <a:latin typeface="Times New Roman"/>
               </a:rPr>
-              <a:t>&lt;дата/время&gt;</a:t>
-            </a:r>
-            <a:endParaRPr b="0" lang="ru-RU" sz="1400" spc="-1" strike="noStrike">
+              <a:t>&lt;date/time&gt;</a:t>
+            </a:r>
+            <a:endParaRPr b="0" lang="en-US" sz="1400" spc="-1" strike="noStrike">
               <a:latin typeface="Times New Roman"/>
             </a:endParaRPr>
           </a:p>
@@ -202,8 +203,8 @@
         </p:nvSpPr>
         <p:spPr>
           <a:xfrm>
-            <a:off x="0" y="10157400"/>
-            <a:ext cx="3280680" cy="534240"/>
+            <a:off x="0" y="9555480"/>
+            <a:ext cx="3372840" cy="502560"/>
           </a:xfrm>
           <a:prstGeom prst="rect">
             <a:avLst/>
@@ -215,12 +216,12 @@
           </a:bodyPr>
           <a:p>
             <a:r>
-              <a:rPr b="0" lang="ru-RU" sz="1400" spc="-1" strike="noStrike">
+              <a:rPr b="0" lang="en-US" sz="1400" spc="-1" strike="noStrike">
                 <a:latin typeface="Times New Roman"/>
               </a:rPr>
-              <a:t>&lt;нижний колонтитул&gt;</a:t>
-            </a:r>
-            <a:endParaRPr b="0" lang="ru-RU" sz="1400" spc="-1" strike="noStrike">
+              <a:t>&lt;footer&gt;</a:t>
+            </a:r>
+            <a:endParaRPr b="0" lang="en-US" sz="1400" spc="-1" strike="noStrike">
               <a:latin typeface="Times New Roman"/>
             </a:endParaRPr>
           </a:p>
@@ -238,8 +239,8 @@
         </p:nvSpPr>
         <p:spPr>
           <a:xfrm>
-            <a:off x="4278960" y="10157400"/>
-            <a:ext cx="3280680" cy="534240"/>
+            <a:off x="4399200" y="9555480"/>
+            <a:ext cx="3372840" cy="502560"/>
           </a:xfrm>
           <a:prstGeom prst="rect">
             <a:avLst/>
@@ -251,13 +252,13 @@
           </a:bodyPr>
           <a:p>
             <a:pPr algn="r"/>
-            <a:fld id="{47BDB34D-DC22-4582-B8FC-A4FFC0C736F2}" type="slidenum">
-              <a:rPr b="0" lang="ru-RU" sz="1400" spc="-1" strike="noStrike">
+            <a:fld id="{4120D7FA-DC53-455D-8DB8-6F0A0D053108}" type="slidenum">
+              <a:rPr b="0" lang="en-US" sz="1400" spc="-1" strike="noStrike">
                 <a:latin typeface="Times New Roman"/>
               </a:rPr>
-              <a:t>&lt;номер&gt;</a:t>
+              <a:t>&lt;number&gt;</a:t>
             </a:fld>
-            <a:endParaRPr b="0" lang="ru-RU" sz="1400" spc="-1" strike="noStrike">
+            <a:endParaRPr b="0" lang="en-US" sz="1400" spc="-1" strike="noStrike">
               <a:latin typeface="Times New Roman"/>
             </a:endParaRPr>
           </a:p>
@@ -269,7 +270,7 @@
 </p:notesMaster>
 </file>
 
-<file path=ppt/notesSlides/notesSlide13.xml><?xml version="1.0" encoding="utf-8"?>
+<file path=ppt/notesSlides/notesSlide14.xml><?xml version="1.0" encoding="utf-8"?>
 <p:notes xmlns:a="http://schemas.openxmlformats.org/drawingml/2006/main" xmlns:p="http://schemas.openxmlformats.org/presentationml/2006/main" xmlns:r="http://schemas.openxmlformats.org/officeDocument/2006/relationships" xmlns:p14="http://schemas.microsoft.com/office/powerpoint/2010/main" xmlns:p15="http://schemas.microsoft.com/office/powerpoint/2012/main" xmlns:mc="http://schemas.openxmlformats.org/markup-compatibility/2006">
   <p:cSld>
     <p:spTree>
@@ -288,7 +289,7 @@
       </p:grpSpPr>
       <p:sp>
         <p:nvSpPr>
-          <p:cNvPr id="119" name="PlaceHolder 1"/>
+          <p:cNvPr id="123" name="PlaceHolder 1"/>
           <p:cNvSpPr>
             <a:spLocks noGrp="1"/>
           </p:cNvSpPr>
@@ -299,16 +300,16 @@
         <p:spPr>
           <a:xfrm>
             <a:off x="380880" y="685800"/>
-            <a:ext cx="6092640" cy="3425760"/>
-          </a:xfrm>
-          <a:prstGeom prst="rect">
-            <a:avLst/>
-          </a:prstGeom>
-        </p:spPr>
-      </p:sp>
-      <p:sp>
-        <p:nvSpPr>
-          <p:cNvPr id="120" name="PlaceHolder 2"/>
+            <a:ext cx="6092280" cy="3425400"/>
+          </a:xfrm>
+          <a:prstGeom prst="rect">
+            <a:avLst/>
+          </a:prstGeom>
+        </p:spPr>
+      </p:sp>
+      <p:sp>
+        <p:nvSpPr>
+          <p:cNvPr id="124" name="PlaceHolder 2"/>
           <p:cNvSpPr>
             <a:spLocks noGrp="1"/>
           </p:cNvSpPr>
@@ -319,7 +320,7 @@
         <p:spPr>
           <a:xfrm>
             <a:off x="914400" y="4343400"/>
-            <a:ext cx="5025960" cy="4111560"/>
+            <a:ext cx="5025600" cy="4111200"/>
           </a:xfrm>
           <a:prstGeom prst="rect">
             <a:avLst/>
@@ -330,7 +331,7 @@
             <a:noAutofit/>
           </a:bodyPr>
           <a:p>
-            <a:pPr marL="216000" indent="-213120">
+            <a:pPr marL="216000" indent="-212760">
               <a:lnSpc>
                 <a:spcPct val="100000"/>
               </a:lnSpc>
@@ -344,7 +345,7 @@
               </a:rPr>
               <a:t>	</a:t>
             </a:r>
-            <a:endParaRPr b="0" lang="ru-RU" sz="2000" spc="-1" strike="noStrike">
+            <a:endParaRPr b="0" lang="en-US" sz="2000" spc="-1" strike="noStrike">
               <a:latin typeface="Arial"/>
             </a:endParaRPr>
           </a:p>
@@ -419,7 +420,7 @@
           </a:bodyPr>
           <a:p>
             <a:pPr algn="ctr"/>
-            <a:endParaRPr b="0" lang="ru-RU" sz="4400" spc="-1" strike="noStrike">
+            <a:endParaRPr b="0" lang="en-US" sz="4400" spc="-1" strike="noStrike">
               <a:latin typeface="Arial"/>
             </a:endParaRPr>
           </a:p>
@@ -449,7 +450,7 @@
             <a:normAutofit/>
           </a:bodyPr>
           <a:p>
-            <a:endParaRPr b="0" lang="ru-RU" sz="3200" spc="-1" strike="noStrike">
+            <a:endParaRPr b="0" lang="en-US" sz="3200" spc="-1" strike="noStrike">
               <a:latin typeface="Arial"/>
             </a:endParaRPr>
           </a:p>
@@ -479,7 +480,7 @@
             <a:normAutofit/>
           </a:bodyPr>
           <a:p>
-            <a:endParaRPr b="0" lang="ru-RU" sz="3200" spc="-1" strike="noStrike">
+            <a:endParaRPr b="0" lang="en-US" sz="3200" spc="-1" strike="noStrike">
               <a:latin typeface="Arial"/>
             </a:endParaRPr>
           </a:p>
@@ -532,7 +533,7 @@
           </a:bodyPr>
           <a:p>
             <a:pPr algn="ctr"/>
-            <a:endParaRPr b="0" lang="ru-RU" sz="4400" spc="-1" strike="noStrike">
+            <a:endParaRPr b="0" lang="en-US" sz="4400" spc="-1" strike="noStrike">
               <a:latin typeface="Arial"/>
             </a:endParaRPr>
           </a:p>
@@ -562,7 +563,7 @@
             <a:normAutofit/>
           </a:bodyPr>
           <a:p>
-            <a:endParaRPr b="0" lang="ru-RU" sz="3200" spc="-1" strike="noStrike">
+            <a:endParaRPr b="0" lang="en-US" sz="3200" spc="-1" strike="noStrike">
               <a:latin typeface="Arial"/>
             </a:endParaRPr>
           </a:p>
@@ -592,7 +593,7 @@
             <a:normAutofit/>
           </a:bodyPr>
           <a:p>
-            <a:endParaRPr b="0" lang="ru-RU" sz="3200" spc="-1" strike="noStrike">
+            <a:endParaRPr b="0" lang="en-US" sz="3200" spc="-1" strike="noStrike">
               <a:latin typeface="Arial"/>
             </a:endParaRPr>
           </a:p>
@@ -622,7 +623,7 @@
             <a:normAutofit/>
           </a:bodyPr>
           <a:p>
-            <a:endParaRPr b="0" lang="ru-RU" sz="3200" spc="-1" strike="noStrike">
+            <a:endParaRPr b="0" lang="en-US" sz="3200" spc="-1" strike="noStrike">
               <a:latin typeface="Arial"/>
             </a:endParaRPr>
           </a:p>
@@ -652,7 +653,7 @@
             <a:normAutofit/>
           </a:bodyPr>
           <a:p>
-            <a:endParaRPr b="0" lang="ru-RU" sz="3200" spc="-1" strike="noStrike">
+            <a:endParaRPr b="0" lang="en-US" sz="3200" spc="-1" strike="noStrike">
               <a:latin typeface="Arial"/>
             </a:endParaRPr>
           </a:p>
@@ -705,7 +706,7 @@
           </a:bodyPr>
           <a:p>
             <a:pPr algn="ctr"/>
-            <a:endParaRPr b="0" lang="ru-RU" sz="4400" spc="-1" strike="noStrike">
+            <a:endParaRPr b="0" lang="en-US" sz="4400" spc="-1" strike="noStrike">
               <a:latin typeface="Arial"/>
             </a:endParaRPr>
           </a:p>
@@ -735,7 +736,7 @@
             <a:normAutofit/>
           </a:bodyPr>
           <a:p>
-            <a:endParaRPr b="0" lang="ru-RU" sz="3200" spc="-1" strike="noStrike">
+            <a:endParaRPr b="0" lang="en-US" sz="3200" spc="-1" strike="noStrike">
               <a:latin typeface="Arial"/>
             </a:endParaRPr>
           </a:p>
@@ -765,7 +766,7 @@
             <a:normAutofit/>
           </a:bodyPr>
           <a:p>
-            <a:endParaRPr b="0" lang="ru-RU" sz="3200" spc="-1" strike="noStrike">
+            <a:endParaRPr b="0" lang="en-US" sz="3200" spc="-1" strike="noStrike">
               <a:latin typeface="Arial"/>
             </a:endParaRPr>
           </a:p>
@@ -795,7 +796,7 @@
             <a:normAutofit/>
           </a:bodyPr>
           <a:p>
-            <a:endParaRPr b="0" lang="ru-RU" sz="3200" spc="-1" strike="noStrike">
+            <a:endParaRPr b="0" lang="en-US" sz="3200" spc="-1" strike="noStrike">
               <a:latin typeface="Arial"/>
             </a:endParaRPr>
           </a:p>
@@ -825,7 +826,7 @@
             <a:normAutofit/>
           </a:bodyPr>
           <a:p>
-            <a:endParaRPr b="0" lang="ru-RU" sz="3200" spc="-1" strike="noStrike">
+            <a:endParaRPr b="0" lang="en-US" sz="3200" spc="-1" strike="noStrike">
               <a:latin typeface="Arial"/>
             </a:endParaRPr>
           </a:p>
@@ -855,7 +856,7 @@
             <a:normAutofit/>
           </a:bodyPr>
           <a:p>
-            <a:endParaRPr b="0" lang="ru-RU" sz="3200" spc="-1" strike="noStrike">
+            <a:endParaRPr b="0" lang="en-US" sz="3200" spc="-1" strike="noStrike">
               <a:latin typeface="Arial"/>
             </a:endParaRPr>
           </a:p>
@@ -885,7 +886,7 @@
             <a:normAutofit/>
           </a:bodyPr>
           <a:p>
-            <a:endParaRPr b="0" lang="ru-RU" sz="3200" spc="-1" strike="noStrike">
+            <a:endParaRPr b="0" lang="en-US" sz="3200" spc="-1" strike="noStrike">
               <a:latin typeface="Arial"/>
             </a:endParaRPr>
           </a:p>
@@ -938,7 +939,7 @@
           </a:bodyPr>
           <a:p>
             <a:pPr algn="ctr"/>
-            <a:endParaRPr b="0" lang="ru-RU" sz="4400" spc="-1" strike="noStrike">
+            <a:endParaRPr b="0" lang="en-US" sz="4400" spc="-1" strike="noStrike">
               <a:latin typeface="Arial"/>
             </a:endParaRPr>
           </a:p>
@@ -969,7 +970,7 @@
           </a:bodyPr>
           <a:p>
             <a:pPr algn="ctr"/>
-            <a:endParaRPr b="0" lang="ru-RU" sz="3200" spc="-1" strike="noStrike">
+            <a:endParaRPr b="0" lang="en-US" sz="3200" spc="-1" strike="noStrike">
               <a:latin typeface="Arial"/>
             </a:endParaRPr>
           </a:p>
@@ -1022,7 +1023,7 @@
           </a:bodyPr>
           <a:p>
             <a:pPr algn="ctr"/>
-            <a:endParaRPr b="0" lang="ru-RU" sz="4400" spc="-1" strike="noStrike">
+            <a:endParaRPr b="0" lang="en-US" sz="4400" spc="-1" strike="noStrike">
               <a:latin typeface="Arial"/>
             </a:endParaRPr>
           </a:p>
@@ -1052,7 +1053,7 @@
             <a:normAutofit/>
           </a:bodyPr>
           <a:p>
-            <a:endParaRPr b="0" lang="ru-RU" sz="3200" spc="-1" strike="noStrike">
+            <a:endParaRPr b="0" lang="en-US" sz="3200" spc="-1" strike="noStrike">
               <a:latin typeface="Arial"/>
             </a:endParaRPr>
           </a:p>
@@ -1105,7 +1106,7 @@
           </a:bodyPr>
           <a:p>
             <a:pPr algn="ctr"/>
-            <a:endParaRPr b="0" lang="ru-RU" sz="4400" spc="-1" strike="noStrike">
+            <a:endParaRPr b="0" lang="en-US" sz="4400" spc="-1" strike="noStrike">
               <a:latin typeface="Arial"/>
             </a:endParaRPr>
           </a:p>
@@ -1135,7 +1136,7 @@
             <a:normAutofit/>
           </a:bodyPr>
           <a:p>
-            <a:endParaRPr b="0" lang="ru-RU" sz="3200" spc="-1" strike="noStrike">
+            <a:endParaRPr b="0" lang="en-US" sz="3200" spc="-1" strike="noStrike">
               <a:latin typeface="Arial"/>
             </a:endParaRPr>
           </a:p>
@@ -1165,7 +1166,7 @@
             <a:normAutofit/>
           </a:bodyPr>
           <a:p>
-            <a:endParaRPr b="0" lang="ru-RU" sz="3200" spc="-1" strike="noStrike">
+            <a:endParaRPr b="0" lang="en-US" sz="3200" spc="-1" strike="noStrike">
               <a:latin typeface="Arial"/>
             </a:endParaRPr>
           </a:p>
@@ -1218,7 +1219,7 @@
           </a:bodyPr>
           <a:p>
             <a:pPr algn="ctr"/>
-            <a:endParaRPr b="0" lang="ru-RU" sz="4400" spc="-1" strike="noStrike">
+            <a:endParaRPr b="0" lang="en-US" sz="4400" spc="-1" strike="noStrike">
               <a:latin typeface="Arial"/>
             </a:endParaRPr>
           </a:p>
@@ -1271,7 +1272,7 @@
           </a:bodyPr>
           <a:p>
             <a:pPr algn="ctr"/>
-            <a:endParaRPr b="0" lang="ru-RU" sz="3200" spc="-1" strike="noStrike">
+            <a:endParaRPr b="0" lang="en-US" sz="3200" spc="-1" strike="noStrike">
               <a:latin typeface="Arial"/>
             </a:endParaRPr>
           </a:p>
@@ -1324,7 +1325,7 @@
           </a:bodyPr>
           <a:p>
             <a:pPr algn="ctr"/>
-            <a:endParaRPr b="0" lang="ru-RU" sz="4400" spc="-1" strike="noStrike">
+            <a:endParaRPr b="0" lang="en-US" sz="4400" spc="-1" strike="noStrike">
               <a:latin typeface="Arial"/>
             </a:endParaRPr>
           </a:p>
@@ -1354,7 +1355,7 @@
             <a:normAutofit/>
           </a:bodyPr>
           <a:p>
-            <a:endParaRPr b="0" lang="ru-RU" sz="3200" spc="-1" strike="noStrike">
+            <a:endParaRPr b="0" lang="en-US" sz="3200" spc="-1" strike="noStrike">
               <a:latin typeface="Arial"/>
             </a:endParaRPr>
           </a:p>
@@ -1384,7 +1385,7 @@
             <a:normAutofit/>
           </a:bodyPr>
           <a:p>
-            <a:endParaRPr b="0" lang="ru-RU" sz="3200" spc="-1" strike="noStrike">
+            <a:endParaRPr b="0" lang="en-US" sz="3200" spc="-1" strike="noStrike">
               <a:latin typeface="Arial"/>
             </a:endParaRPr>
           </a:p>
@@ -1414,7 +1415,7 @@
             <a:normAutofit/>
           </a:bodyPr>
           <a:p>
-            <a:endParaRPr b="0" lang="ru-RU" sz="3200" spc="-1" strike="noStrike">
+            <a:endParaRPr b="0" lang="en-US" sz="3200" spc="-1" strike="noStrike">
               <a:latin typeface="Arial"/>
             </a:endParaRPr>
           </a:p>
@@ -1467,7 +1468,7 @@
           </a:bodyPr>
           <a:p>
             <a:pPr algn="ctr"/>
-            <a:endParaRPr b="0" lang="ru-RU" sz="4400" spc="-1" strike="noStrike">
+            <a:endParaRPr b="0" lang="en-US" sz="4400" spc="-1" strike="noStrike">
               <a:latin typeface="Arial"/>
             </a:endParaRPr>
           </a:p>
@@ -1497,7 +1498,7 @@
             <a:normAutofit/>
           </a:bodyPr>
           <a:p>
-            <a:endParaRPr b="0" lang="ru-RU" sz="3200" spc="-1" strike="noStrike">
+            <a:endParaRPr b="0" lang="en-US" sz="3200" spc="-1" strike="noStrike">
               <a:latin typeface="Arial"/>
             </a:endParaRPr>
           </a:p>
@@ -1527,7 +1528,7 @@
             <a:normAutofit/>
           </a:bodyPr>
           <a:p>
-            <a:endParaRPr b="0" lang="ru-RU" sz="3200" spc="-1" strike="noStrike">
+            <a:endParaRPr b="0" lang="en-US" sz="3200" spc="-1" strike="noStrike">
               <a:latin typeface="Arial"/>
             </a:endParaRPr>
           </a:p>
@@ -1557,7 +1558,7 @@
             <a:normAutofit/>
           </a:bodyPr>
           <a:p>
-            <a:endParaRPr b="0" lang="ru-RU" sz="3200" spc="-1" strike="noStrike">
+            <a:endParaRPr b="0" lang="en-US" sz="3200" spc="-1" strike="noStrike">
               <a:latin typeface="Arial"/>
             </a:endParaRPr>
           </a:p>
@@ -1610,7 +1611,7 @@
           </a:bodyPr>
           <a:p>
             <a:pPr algn="ctr"/>
-            <a:endParaRPr b="0" lang="ru-RU" sz="4400" spc="-1" strike="noStrike">
+            <a:endParaRPr b="0" lang="en-US" sz="4400" spc="-1" strike="noStrike">
               <a:latin typeface="Arial"/>
             </a:endParaRPr>
           </a:p>
@@ -1640,7 +1641,7 @@
             <a:normAutofit/>
           </a:bodyPr>
           <a:p>
-            <a:endParaRPr b="0" lang="ru-RU" sz="3200" spc="-1" strike="noStrike">
+            <a:endParaRPr b="0" lang="en-US" sz="3200" spc="-1" strike="noStrike">
               <a:latin typeface="Arial"/>
             </a:endParaRPr>
           </a:p>
@@ -1670,7 +1671,7 @@
             <a:normAutofit/>
           </a:bodyPr>
           <a:p>
-            <a:endParaRPr b="0" lang="ru-RU" sz="3200" spc="-1" strike="noStrike">
+            <a:endParaRPr b="0" lang="en-US" sz="3200" spc="-1" strike="noStrike">
               <a:latin typeface="Arial"/>
             </a:endParaRPr>
           </a:p>
@@ -1700,7 +1701,7 @@
             <a:normAutofit/>
           </a:bodyPr>
           <a:p>
-            <a:endParaRPr b="0" lang="ru-RU" sz="3200" spc="-1" strike="noStrike">
+            <a:endParaRPr b="0" lang="en-US" sz="3200" spc="-1" strike="noStrike">
               <a:latin typeface="Arial"/>
             </a:endParaRPr>
           </a:p>
@@ -1754,12 +1755,12 @@
           <a:p>
             <a:pPr algn="ctr"/>
             <a:r>
-              <a:rPr b="0" lang="ru-RU" sz="4400" spc="-1" strike="noStrike">
+              <a:rPr b="0" lang="en-US" sz="4400" spc="-1" strike="noStrike">
                 <a:latin typeface="Arial"/>
               </a:rPr>
-              <a:t>Для правки текста заглавия щёлкните мышью</a:t>
-            </a:r>
-            <a:endParaRPr b="0" lang="ru-RU" sz="4400" spc="-1" strike="noStrike">
+              <a:t>Click to edit the title text format</a:t>
+            </a:r>
+            <a:endParaRPr b="0" lang="en-US" sz="4400" spc="-1" strike="noStrike">
               <a:latin typeface="Arial"/>
             </a:endParaRPr>
           </a:p>
@@ -1801,12 +1802,12 @@
               <a:buChar char=""/>
             </a:pPr>
             <a:r>
-              <a:rPr b="0" lang="ru-RU" sz="3200" spc="-1" strike="noStrike">
+              <a:rPr b="0" lang="en-US" sz="3200" spc="-1" strike="noStrike">
                 <a:latin typeface="Arial"/>
               </a:rPr>
-              <a:t>Для правки структуры щёлкните мышью</a:t>
-            </a:r>
-            <a:endParaRPr b="0" lang="ru-RU" sz="3200" spc="-1" strike="noStrike">
+              <a:t>Click to edit the outline text format</a:t>
+            </a:r>
+            <a:endParaRPr b="0" lang="en-US" sz="3200" spc="-1" strike="noStrike">
               <a:latin typeface="Arial"/>
             </a:endParaRPr>
           </a:p>
@@ -1823,12 +1824,12 @@
               <a:buChar char=""/>
             </a:pPr>
             <a:r>
-              <a:rPr b="0" lang="ru-RU" sz="2800" spc="-1" strike="noStrike">
+              <a:rPr b="0" lang="en-US" sz="2800" spc="-1" strike="noStrike">
                 <a:latin typeface="Arial"/>
               </a:rPr>
-              <a:t>Второй уровень структуры</a:t>
-            </a:r>
-            <a:endParaRPr b="0" lang="ru-RU" sz="2800" spc="-1" strike="noStrike">
+              <a:t>Second Outline Level</a:t>
+            </a:r>
+            <a:endParaRPr b="0" lang="en-US" sz="2800" spc="-1" strike="noStrike">
               <a:latin typeface="Arial"/>
             </a:endParaRPr>
           </a:p>
@@ -1845,12 +1846,12 @@
               <a:buChar char=""/>
             </a:pPr>
             <a:r>
-              <a:rPr b="0" lang="ru-RU" sz="2400" spc="-1" strike="noStrike">
+              <a:rPr b="0" lang="en-US" sz="2400" spc="-1" strike="noStrike">
                 <a:latin typeface="Arial"/>
               </a:rPr>
-              <a:t>Третий уровень структуры</a:t>
-            </a:r>
-            <a:endParaRPr b="0" lang="ru-RU" sz="2400" spc="-1" strike="noStrike">
+              <a:t>Third Outline Level</a:t>
+            </a:r>
+            <a:endParaRPr b="0" lang="en-US" sz="2400" spc="-1" strike="noStrike">
               <a:latin typeface="Arial"/>
             </a:endParaRPr>
           </a:p>
@@ -1867,12 +1868,12 @@
               <a:buChar char=""/>
             </a:pPr>
             <a:r>
-              <a:rPr b="0" lang="ru-RU" sz="2000" spc="-1" strike="noStrike">
+              <a:rPr b="0" lang="en-US" sz="2000" spc="-1" strike="noStrike">
                 <a:latin typeface="Arial"/>
               </a:rPr>
-              <a:t>Четвёртый уровень структуры</a:t>
-            </a:r>
-            <a:endParaRPr b="0" lang="ru-RU" sz="2000" spc="-1" strike="noStrike">
+              <a:t>Fourth Outline Level</a:t>
+            </a:r>
+            <a:endParaRPr b="0" lang="en-US" sz="2000" spc="-1" strike="noStrike">
               <a:latin typeface="Arial"/>
             </a:endParaRPr>
           </a:p>
@@ -1889,12 +1890,12 @@
               <a:buChar char=""/>
             </a:pPr>
             <a:r>
-              <a:rPr b="0" lang="ru-RU" sz="2000" spc="-1" strike="noStrike">
+              <a:rPr b="0" lang="en-US" sz="2000" spc="-1" strike="noStrike">
                 <a:latin typeface="Arial"/>
               </a:rPr>
-              <a:t>Пятый уровень структуры</a:t>
-            </a:r>
-            <a:endParaRPr b="0" lang="ru-RU" sz="2000" spc="-1" strike="noStrike">
+              <a:t>Fifth Outline Level</a:t>
+            </a:r>
+            <a:endParaRPr b="0" lang="en-US" sz="2000" spc="-1" strike="noStrike">
               <a:latin typeface="Arial"/>
             </a:endParaRPr>
           </a:p>
@@ -1911,12 +1912,12 @@
               <a:buChar char=""/>
             </a:pPr>
             <a:r>
-              <a:rPr b="0" lang="ru-RU" sz="2000" spc="-1" strike="noStrike">
+              <a:rPr b="0" lang="en-US" sz="2000" spc="-1" strike="noStrike">
                 <a:latin typeface="Arial"/>
               </a:rPr>
-              <a:t>Шестой уровень структуры</a:t>
-            </a:r>
-            <a:endParaRPr b="0" lang="ru-RU" sz="2000" spc="-1" strike="noStrike">
+              <a:t>Sixth Outline Level</a:t>
+            </a:r>
+            <a:endParaRPr b="0" lang="en-US" sz="2000" spc="-1" strike="noStrike">
               <a:latin typeface="Arial"/>
             </a:endParaRPr>
           </a:p>
@@ -1933,12 +1934,12 @@
               <a:buChar char=""/>
             </a:pPr>
             <a:r>
-              <a:rPr b="0" lang="ru-RU" sz="2000" spc="-1" strike="noStrike">
+              <a:rPr b="0" lang="en-US" sz="2000" spc="-1" strike="noStrike">
                 <a:latin typeface="Arial"/>
               </a:rPr>
-              <a:t>Седьмой уровень структуры</a:t>
-            </a:r>
-            <a:endParaRPr b="0" lang="ru-RU" sz="2000" spc="-1" strike="noStrike">
+              <a:t>Seventh Outline Level</a:t>
+            </a:r>
+            <a:endParaRPr b="0" lang="en-US" sz="2000" spc="-1" strike="noStrike">
               <a:latin typeface="Arial"/>
             </a:endParaRPr>
           </a:p>
@@ -1995,7 +1996,7 @@
         <p:spPr>
           <a:xfrm>
             <a:off x="4374720" y="622800"/>
-            <a:ext cx="16065000" cy="4676400"/>
+            <a:ext cx="16064640" cy="4676040"/>
           </a:xfrm>
           <a:prstGeom prst="rect">
             <a:avLst/>
@@ -2014,7 +2015,7 @@
         <p:spPr>
           <a:xfrm>
             <a:off x="6329160" y="5943600"/>
-            <a:ext cx="11955960" cy="638280"/>
+            <a:ext cx="11955600" cy="638280"/>
           </a:xfrm>
           <a:prstGeom prst="rect">
             <a:avLst/>
@@ -2050,7 +2051,7 @@
               </a:rPr>
               <a:t>Выпускная квалификационная работа на тему:</a:t>
             </a:r>
-            <a:endParaRPr b="0" lang="ru-RU" sz="3600" spc="-1" strike="noStrike">
+            <a:endParaRPr b="0" lang="en-US" sz="3600" spc="-1" strike="noStrike">
               <a:latin typeface="Arial"/>
             </a:endParaRPr>
           </a:p>
@@ -2065,7 +2066,7 @@
         <p:spPr>
           <a:xfrm>
             <a:off x="16934400" y="10114920"/>
-            <a:ext cx="6051240" cy="2284200"/>
+            <a:ext cx="6050880" cy="2284200"/>
           </a:xfrm>
           <a:prstGeom prst="rect">
             <a:avLst/>
@@ -2101,7 +2102,7 @@
               </a:rPr>
               <a:t>Студент группы: ВПР41</a:t>
             </a:r>
-            <a:endParaRPr b="0" lang="ru-RU" sz="3600" spc="-1" strike="noStrike">
+            <a:endParaRPr b="0" lang="en-US" sz="3600" spc="-1" strike="noStrike">
               <a:latin typeface="Arial"/>
             </a:endParaRPr>
           </a:p>
@@ -2121,7 +2122,7 @@
               </a:rPr>
               <a:t>Бачурин Д.Д.</a:t>
             </a:r>
-            <a:endParaRPr b="0" lang="ru-RU" sz="3600" spc="-1" strike="noStrike">
+            <a:endParaRPr b="0" lang="en-US" sz="3600" spc="-1" strike="noStrike">
               <a:latin typeface="Arial"/>
             </a:endParaRPr>
           </a:p>
@@ -2141,7 +2142,7 @@
               </a:rPr>
               <a:t>Руководитель работы:</a:t>
             </a:r>
-            <a:endParaRPr b="0" lang="ru-RU" sz="3600" spc="-1" strike="noStrike">
+            <a:endParaRPr b="0" lang="en-US" sz="3600" spc="-1" strike="noStrike">
               <a:latin typeface="Arial"/>
             </a:endParaRPr>
           </a:p>
@@ -2161,7 +2162,7 @@
               </a:rPr>
               <a:t>Кудинов Н.В.</a:t>
             </a:r>
-            <a:endParaRPr b="0" lang="ru-RU" sz="3600" spc="-1" strike="noStrike">
+            <a:endParaRPr b="0" lang="en-US" sz="3600" spc="-1" strike="noStrike">
               <a:latin typeface="Arial"/>
             </a:endParaRPr>
           </a:p>
@@ -2176,7 +2177,7 @@
         <p:spPr>
           <a:xfrm>
             <a:off x="4527000" y="6858000"/>
-            <a:ext cx="15326280" cy="1918440"/>
+            <a:ext cx="15325920" cy="2832840"/>
           </a:xfrm>
           <a:prstGeom prst="rect">
             <a:avLst/>
@@ -2212,7 +2213,7 @@
               </a:rPr>
               <a:t>Программный стенд моделирования передачи информации на физическом уровне</a:t>
             </a:r>
-            <a:endParaRPr b="0" lang="ru-RU" sz="6000" spc="-1" strike="noStrike">
+            <a:endParaRPr b="0" lang="en-US" sz="6000" spc="-1" strike="noStrike">
               <a:latin typeface="Arial"/>
             </a:endParaRPr>
           </a:p>
@@ -2257,7 +2258,7 @@
         <p:spPr>
           <a:xfrm>
             <a:off x="0" y="0"/>
-            <a:ext cx="24381360" cy="1617480"/>
+            <a:ext cx="24381000" cy="1617120"/>
           </a:xfrm>
           <a:prstGeom prst="rect">
             <a:avLst/>
@@ -2287,7 +2288,7 @@
         <p:spPr>
           <a:xfrm>
             <a:off x="23193360" y="0"/>
-            <a:ext cx="1188000" cy="1617480"/>
+            <a:ext cx="1187640" cy="1617120"/>
           </a:xfrm>
           <a:prstGeom prst="rect">
             <a:avLst/>
@@ -2313,7 +2314,7 @@
                 <a:spcPct val="100000"/>
               </a:lnSpc>
             </a:pPr>
-            <a:fld id="{DBABE1BA-C407-4916-A179-FD7AB713C8C6}" type="slidenum">
+            <a:fld id="{10339F13-E740-4B18-8EBF-D248E86379C1}" type="slidenum">
               <a:rPr b="1" lang="ru-RU" sz="3800" spc="-1" strike="noStrike">
                 <a:solidFill>
                   <a:srgbClr val="ffffff"/>
@@ -2321,9 +2322,9 @@
                 <a:latin typeface="Times New Roman"/>
                 <a:ea typeface="DejaVu Sans"/>
               </a:rPr>
-              <a:t>&lt;номер&gt;</a:t>
+              <a:t>&lt;number&gt;</a:t>
             </a:fld>
-            <a:endParaRPr b="0" lang="ru-RU" sz="3800" spc="-1" strike="noStrike">
+            <a:endParaRPr b="0" lang="en-US" sz="3800" spc="-1" strike="noStrike">
               <a:latin typeface="Arial"/>
             </a:endParaRPr>
           </a:p>
@@ -2338,7 +2339,7 @@
         <p:spPr>
           <a:xfrm>
             <a:off x="540000" y="0"/>
-            <a:ext cx="11802600" cy="1617480"/>
+            <a:ext cx="9177120" cy="1617120"/>
           </a:xfrm>
           <a:prstGeom prst="rect">
             <a:avLst/>
@@ -2372,9 +2373,9 @@
                 <a:latin typeface="Arial"/>
                 <a:ea typeface="DejaVu Sans"/>
               </a:rPr>
-              <a:t>Выбор инструментов, модулей, библиотек</a:t>
-            </a:r>
-            <a:endParaRPr b="0" lang="ru-RU" sz="4200" spc="-1" strike="noStrike">
+              <a:t>Диаграмма классов</a:t>
+            </a:r>
+            <a:endParaRPr b="0" lang="en-US" sz="4200" spc="-1" strike="noStrike">
               <a:latin typeface="Arial"/>
             </a:endParaRPr>
           </a:p>
@@ -2392,8 +2393,8 @@
         </p:blipFill>
         <p:spPr>
           <a:xfrm>
-            <a:off x="1980000" y="2700000"/>
-            <a:ext cx="4857480" cy="3558960"/>
+            <a:off x="443880" y="2700000"/>
+            <a:ext cx="23493240" cy="8559000"/>
           </a:xfrm>
           <a:prstGeom prst="rect">
             <a:avLst/>
@@ -2403,141 +2404,6 @@
           </a:ln>
         </p:spPr>
       </p:pic>
-      <p:pic>
-        <p:nvPicPr>
-          <p:cNvPr id="100" name="" descr=""/>
-          <p:cNvPicPr/>
-          <p:nvPr/>
-        </p:nvPicPr>
-        <p:blipFill>
-          <a:blip r:embed="rId2"/>
-          <a:stretch/>
-        </p:blipFill>
-        <p:spPr>
-          <a:xfrm>
-            <a:off x="2340000" y="7380000"/>
-            <a:ext cx="4317480" cy="4847400"/>
-          </a:xfrm>
-          <a:prstGeom prst="rect">
-            <a:avLst/>
-          </a:prstGeom>
-          <a:ln w="0">
-            <a:noFill/>
-          </a:ln>
-        </p:spPr>
-      </p:pic>
-      <p:sp>
-        <p:nvSpPr>
-          <p:cNvPr id="101" name="CustomShape 4"/>
-          <p:cNvSpPr/>
-          <p:nvPr/>
-        </p:nvSpPr>
-        <p:spPr>
-          <a:xfrm>
-            <a:off x="8820000" y="2880000"/>
-            <a:ext cx="12777480" cy="3098160"/>
-          </a:xfrm>
-          <a:prstGeom prst="rect">
-            <a:avLst/>
-          </a:prstGeom>
-          <a:noFill/>
-          <a:ln w="0">
-            <a:noFill/>
-          </a:ln>
-        </p:spPr>
-        <p:style>
-          <a:lnRef idx="0"/>
-          <a:fillRef idx="0"/>
-          <a:effectRef idx="0"/>
-          <a:fontRef idx="minor"/>
-        </p:style>
-        <p:txBody>
-          <a:bodyPr lIns="90000" rIns="90000" tIns="45000" bIns="45000" anchor="ctr">
-            <a:noAutofit/>
-          </a:bodyPr>
-          <a:p>
-            <a:pPr>
-              <a:lnSpc>
-                <a:spcPct val="100000"/>
-              </a:lnSpc>
-            </a:pPr>
-            <a:r>
-              <a:rPr b="0" lang="ru-RU" sz="4200" spc="-1" strike="noStrike">
-                <a:solidFill>
-                  <a:srgbClr val="000000"/>
-                </a:solidFill>
-                <a:latin typeface="Helvetice neue"/>
-                <a:ea typeface="DejaVu Sans"/>
-              </a:rPr>
-              <a:t>Qt - кроссплатформенный инструментарий разработки ПО на языке программирования C++</a:t>
-            </a:r>
-            <a:endParaRPr b="0" lang="ru-RU" sz="4200" spc="-1" strike="noStrike">
-              <a:latin typeface="Arial"/>
-            </a:endParaRPr>
-          </a:p>
-          <a:p>
-            <a:pPr>
-              <a:lnSpc>
-                <a:spcPct val="100000"/>
-              </a:lnSpc>
-            </a:pPr>
-            <a:endParaRPr b="0" lang="ru-RU" sz="4200" spc="-1" strike="noStrike">
-              <a:latin typeface="Arial"/>
-            </a:endParaRPr>
-          </a:p>
-        </p:txBody>
-      </p:sp>
-      <p:sp>
-        <p:nvSpPr>
-          <p:cNvPr id="102" name="CustomShape 5"/>
-          <p:cNvSpPr/>
-          <p:nvPr/>
-        </p:nvSpPr>
-        <p:spPr>
-          <a:xfrm>
-            <a:off x="8820000" y="7200000"/>
-            <a:ext cx="13137480" cy="4857480"/>
-          </a:xfrm>
-          <a:prstGeom prst="rect">
-            <a:avLst/>
-          </a:prstGeom>
-          <a:noFill/>
-          <a:ln w="0">
-            <a:noFill/>
-          </a:ln>
-        </p:spPr>
-        <p:style>
-          <a:lnRef idx="0"/>
-          <a:fillRef idx="0"/>
-          <a:effectRef idx="0"/>
-          <a:fontRef idx="minor"/>
-        </p:style>
-        <p:txBody>
-          <a:bodyPr lIns="90000" rIns="90000" tIns="45000" bIns="45000" anchor="ctr">
-            <a:noAutofit/>
-          </a:bodyPr>
-          <a:p>
-            <a:pPr>
-              <a:lnSpc>
-                <a:spcPct val="100000"/>
-              </a:lnSpc>
-            </a:pPr>
-            <a:r>
-              <a:rPr b="0" lang="ru-RU" sz="4200" spc="-1" strike="noStrike">
-                <a:solidFill>
-                  <a:srgbClr val="000000"/>
-                </a:solidFill>
-                <a:latin typeface="Helvetice neue"/>
-                <a:ea typeface="DejaVu Sans"/>
-              </a:rPr>
-              <a:t>C++ — компилируемый статически типизированный язык программирования общего назначения.</a:t>
-            </a:r>
-            <a:endParaRPr b="0" lang="ru-RU" sz="4200" spc="-1" strike="noStrike">
-              <a:latin typeface="Arial"/>
-            </a:endParaRPr>
-          </a:p>
-        </p:txBody>
-      </p:sp>
     </p:spTree>
   </p:cSld>
   <mc:AlternateContent>
@@ -2570,14 +2436,14 @@
       </p:grpSpPr>
       <p:sp>
         <p:nvSpPr>
-          <p:cNvPr id="103" name="CustomShape 1"/>
+          <p:cNvPr id="100" name="CustomShape 1"/>
           <p:cNvSpPr/>
           <p:nvPr/>
         </p:nvSpPr>
         <p:spPr>
           <a:xfrm>
             <a:off x="0" y="0"/>
-            <a:ext cx="24381360" cy="1617480"/>
+            <a:ext cx="24381000" cy="1617120"/>
           </a:xfrm>
           <a:prstGeom prst="rect">
             <a:avLst/>
@@ -2600,14 +2466,14 @@
       </p:sp>
       <p:sp>
         <p:nvSpPr>
-          <p:cNvPr id="104" name="CustomShape 2"/>
+          <p:cNvPr id="101" name="CustomShape 2"/>
           <p:cNvSpPr/>
           <p:nvPr/>
         </p:nvSpPr>
         <p:spPr>
           <a:xfrm>
             <a:off x="23193360" y="0"/>
-            <a:ext cx="1188000" cy="1617480"/>
+            <a:ext cx="1187640" cy="1617120"/>
           </a:xfrm>
           <a:prstGeom prst="rect">
             <a:avLst/>
@@ -2633,7 +2499,7 @@
                 <a:spcPct val="100000"/>
               </a:lnSpc>
             </a:pPr>
-            <a:fld id="{1184BE58-069C-41ED-BC1A-93AA5E2AE4CA}" type="slidenum">
+            <a:fld id="{9F1C1641-2D7A-47D2-94D9-A405D374D49B}" type="slidenum">
               <a:rPr b="1" lang="ru-RU" sz="3800" spc="-1" strike="noStrike">
                 <a:solidFill>
                   <a:srgbClr val="ffffff"/>
@@ -2641,24 +2507,24 @@
                 <a:latin typeface="Times New Roman"/>
                 <a:ea typeface="DejaVu Sans"/>
               </a:rPr>
-              <a:t>&lt;номер&gt;</a:t>
+              <a:t>&lt;number&gt;</a:t>
             </a:fld>
-            <a:endParaRPr b="0" lang="ru-RU" sz="3800" spc="-1" strike="noStrike">
-              <a:latin typeface="Arial"/>
-            </a:endParaRPr>
-          </a:p>
-        </p:txBody>
-      </p:sp>
-      <p:sp>
-        <p:nvSpPr>
-          <p:cNvPr id="105" name="CustomShape 3"/>
+            <a:endParaRPr b="0" lang="en-US" sz="3800" spc="-1" strike="noStrike">
+              <a:latin typeface="Arial"/>
+            </a:endParaRPr>
+          </a:p>
+        </p:txBody>
+      </p:sp>
+      <p:sp>
+        <p:nvSpPr>
+          <p:cNvPr id="102" name="CustomShape 3"/>
           <p:cNvSpPr/>
           <p:nvPr/>
         </p:nvSpPr>
         <p:spPr>
           <a:xfrm>
             <a:off x="540000" y="0"/>
-            <a:ext cx="9177480" cy="1617480"/>
+            <a:ext cx="11802240" cy="1617120"/>
           </a:xfrm>
           <a:prstGeom prst="rect">
             <a:avLst/>
@@ -2692,9 +2558,9 @@
                 <a:latin typeface="Arial"/>
                 <a:ea typeface="DejaVu Sans"/>
               </a:rPr>
-              <a:t>Интерфейс стенда </a:t>
-            </a:r>
-            <a:endParaRPr b="0" lang="ru-RU" sz="4200" spc="-1" strike="noStrike">
+              <a:t>Выбор инструментов, модулей, библиотек</a:t>
+            </a:r>
+            <a:endParaRPr b="0" lang="en-US" sz="4200" spc="-1" strike="noStrike">
               <a:latin typeface="Arial"/>
             </a:endParaRPr>
           </a:p>
@@ -2702,7 +2568,7 @@
       </p:sp>
       <p:pic>
         <p:nvPicPr>
-          <p:cNvPr id="106" name="" descr=""/>
+          <p:cNvPr id="103" name="" descr=""/>
           <p:cNvPicPr/>
           <p:nvPr/>
         </p:nvPicPr>
@@ -2712,8 +2578,8 @@
         </p:blipFill>
         <p:spPr>
           <a:xfrm>
-            <a:off x="720000" y="2880000"/>
-            <a:ext cx="11181960" cy="9937440"/>
+            <a:off x="1980000" y="2700000"/>
+            <a:ext cx="4857120" cy="3558600"/>
           </a:xfrm>
           <a:prstGeom prst="rect">
             <a:avLst/>
@@ -2725,7 +2591,7 @@
       </p:pic>
       <p:pic>
         <p:nvPicPr>
-          <p:cNvPr id="107" name="" descr=""/>
+          <p:cNvPr id="104" name="" descr=""/>
           <p:cNvPicPr/>
           <p:nvPr/>
         </p:nvPicPr>
@@ -2735,8 +2601,8 @@
         </p:blipFill>
         <p:spPr>
           <a:xfrm>
-            <a:off x="12690360" y="2876040"/>
-            <a:ext cx="11143080" cy="9901440"/>
+            <a:off x="2340000" y="7380000"/>
+            <a:ext cx="4317120" cy="4847040"/>
           </a:xfrm>
           <a:prstGeom prst="rect">
             <a:avLst/>
@@ -2746,6 +2612,118 @@
           </a:ln>
         </p:spPr>
       </p:pic>
+      <p:sp>
+        <p:nvSpPr>
+          <p:cNvPr id="105" name="CustomShape 4"/>
+          <p:cNvSpPr/>
+          <p:nvPr/>
+        </p:nvSpPr>
+        <p:spPr>
+          <a:xfrm>
+            <a:off x="8820000" y="2880000"/>
+            <a:ext cx="12777120" cy="3097800"/>
+          </a:xfrm>
+          <a:prstGeom prst="rect">
+            <a:avLst/>
+          </a:prstGeom>
+          <a:noFill/>
+          <a:ln w="0">
+            <a:noFill/>
+          </a:ln>
+        </p:spPr>
+        <p:style>
+          <a:lnRef idx="0"/>
+          <a:fillRef idx="0"/>
+          <a:effectRef idx="0"/>
+          <a:fontRef idx="minor"/>
+        </p:style>
+        <p:txBody>
+          <a:bodyPr lIns="90000" rIns="90000" tIns="45000" bIns="45000" anchor="ctr">
+            <a:noAutofit/>
+          </a:bodyPr>
+          <a:p>
+            <a:pPr>
+              <a:lnSpc>
+                <a:spcPct val="100000"/>
+              </a:lnSpc>
+            </a:pPr>
+            <a:r>
+              <a:rPr b="0" lang="ru-RU" sz="4200" spc="-1" strike="noStrike">
+                <a:solidFill>
+                  <a:srgbClr val="000000"/>
+                </a:solidFill>
+                <a:latin typeface="Helvetice neue"/>
+                <a:ea typeface="DejaVu Sans"/>
+              </a:rPr>
+              <a:t>Qt - кроссплатформенный инструментарий разработки ПО на языке программирования C++</a:t>
+            </a:r>
+            <a:endParaRPr b="0" lang="en-US" sz="4200" spc="-1" strike="noStrike">
+              <a:latin typeface="Arial"/>
+            </a:endParaRPr>
+          </a:p>
+          <a:p>
+            <a:pPr>
+              <a:lnSpc>
+                <a:spcPct val="100000"/>
+              </a:lnSpc>
+            </a:pPr>
+            <a:endParaRPr b="0" lang="en-US" sz="4200" spc="-1" strike="noStrike">
+              <a:latin typeface="Arial"/>
+            </a:endParaRPr>
+          </a:p>
+        </p:txBody>
+      </p:sp>
+      <p:sp>
+        <p:nvSpPr>
+          <p:cNvPr id="106" name="CustomShape 5"/>
+          <p:cNvSpPr/>
+          <p:nvPr/>
+        </p:nvSpPr>
+        <p:spPr>
+          <a:xfrm>
+            <a:off x="8820000" y="7200000"/>
+            <a:ext cx="13137120" cy="4857120"/>
+          </a:xfrm>
+          <a:prstGeom prst="rect">
+            <a:avLst/>
+          </a:prstGeom>
+          <a:noFill/>
+          <a:ln w="0">
+            <a:noFill/>
+          </a:ln>
+        </p:spPr>
+        <p:style>
+          <a:lnRef idx="0"/>
+          <a:fillRef idx="0"/>
+          <a:effectRef idx="0"/>
+          <a:fontRef idx="minor"/>
+        </p:style>
+        <p:txBody>
+          <a:bodyPr lIns="90000" rIns="90000" tIns="45000" bIns="45000" anchor="ctr">
+            <a:noAutofit/>
+          </a:bodyPr>
+          <a:p>
+            <a:pPr>
+              <a:lnSpc>
+                <a:spcPct val="100000"/>
+              </a:lnSpc>
+            </a:pPr>
+            <a:r>
+              <a:rPr b="0" lang="ru-RU" sz="4200" spc="-1" strike="noStrike">
+                <a:solidFill>
+                  <a:srgbClr val="000000"/>
+                </a:solidFill>
+                <a:latin typeface="Helvetice neue"/>
+                <a:ea typeface="DejaVu Sans"/>
+              </a:rPr>
+              <a:t>C++ — компилируемый статически типизированный язык программирования общего назначения.</a:t>
+            </a:r>
+            <a:endParaRPr b="0" lang="en-US" sz="4200" spc="-1" strike="noStrike">
+              <a:latin typeface="Arial"/>
+            </a:endParaRPr>
+          </a:p>
+        </p:txBody>
+      </p:sp>
     </p:spTree>
   </p:cSld>
   <mc:AlternateContent>
@@ -2778,14 +2756,14 @@
       </p:grpSpPr>
       <p:sp>
         <p:nvSpPr>
-          <p:cNvPr id="108" name="CustomShape 1"/>
+          <p:cNvPr id="107" name="CustomShape 1"/>
           <p:cNvSpPr/>
           <p:nvPr/>
         </p:nvSpPr>
         <p:spPr>
           <a:xfrm>
             <a:off x="0" y="0"/>
-            <a:ext cx="24381360" cy="1617480"/>
+            <a:ext cx="24381000" cy="1617120"/>
           </a:xfrm>
           <a:prstGeom prst="rect">
             <a:avLst/>
@@ -2808,14 +2786,14 @@
       </p:sp>
       <p:sp>
         <p:nvSpPr>
-          <p:cNvPr id="109" name="CustomShape 2"/>
+          <p:cNvPr id="108" name="CustomShape 2"/>
           <p:cNvSpPr/>
           <p:nvPr/>
         </p:nvSpPr>
         <p:spPr>
           <a:xfrm>
             <a:off x="23193360" y="0"/>
-            <a:ext cx="1188000" cy="1617480"/>
+            <a:ext cx="1187640" cy="1617120"/>
           </a:xfrm>
           <a:prstGeom prst="rect">
             <a:avLst/>
@@ -2841,7 +2819,7 @@
                 <a:spcPct val="100000"/>
               </a:lnSpc>
             </a:pPr>
-            <a:fld id="{E231643E-9B0B-4218-8E10-CB42B6FFAC57}" type="slidenum">
+            <a:fld id="{68A581D6-92F6-4577-907E-C084E48632B3}" type="slidenum">
               <a:rPr b="1" lang="ru-RU" sz="3800" spc="-1" strike="noStrike">
                 <a:solidFill>
                   <a:srgbClr val="ffffff"/>
@@ -2849,24 +2827,24 @@
                 <a:latin typeface="Times New Roman"/>
                 <a:ea typeface="DejaVu Sans"/>
               </a:rPr>
-              <a:t>&lt;номер&gt;</a:t>
+              <a:t>&lt;number&gt;</a:t>
             </a:fld>
-            <a:endParaRPr b="0" lang="ru-RU" sz="3800" spc="-1" strike="noStrike">
-              <a:latin typeface="Arial"/>
-            </a:endParaRPr>
-          </a:p>
-        </p:txBody>
-      </p:sp>
-      <p:sp>
-        <p:nvSpPr>
-          <p:cNvPr id="110" name="CustomShape 3"/>
+            <a:endParaRPr b="0" lang="en-US" sz="3800" spc="-1" strike="noStrike">
+              <a:latin typeface="Arial"/>
+            </a:endParaRPr>
+          </a:p>
+        </p:txBody>
+      </p:sp>
+      <p:sp>
+        <p:nvSpPr>
+          <p:cNvPr id="109" name="CustomShape 3"/>
           <p:cNvSpPr/>
           <p:nvPr/>
         </p:nvSpPr>
         <p:spPr>
           <a:xfrm>
             <a:off x="540000" y="0"/>
-            <a:ext cx="8817480" cy="1617480"/>
+            <a:ext cx="9177120" cy="1617120"/>
           </a:xfrm>
           <a:prstGeom prst="rect">
             <a:avLst/>
@@ -2900,445 +2878,60 @@
                 <a:latin typeface="Arial"/>
                 <a:ea typeface="DejaVu Sans"/>
               </a:rPr>
-              <a:t>Заключение</a:t>
-            </a:r>
-            <a:endParaRPr b="0" lang="ru-RU" sz="4200" spc="-1" strike="noStrike">
-              <a:latin typeface="Arial"/>
-            </a:endParaRPr>
-          </a:p>
-        </p:txBody>
-      </p:sp>
-      <p:sp>
-        <p:nvSpPr>
-          <p:cNvPr id="111" name="CustomShape 4"/>
-          <p:cNvSpPr/>
-          <p:nvPr/>
-        </p:nvSpPr>
-        <p:spPr>
-          <a:xfrm>
-            <a:off x="540000" y="2482920"/>
-            <a:ext cx="23841360" cy="1447200"/>
-          </a:xfrm>
-          <a:prstGeom prst="rect">
-            <a:avLst/>
-          </a:prstGeom>
-          <a:noFill/>
+              <a:t>Интерфейс стенда </a:t>
+            </a:r>
+            <a:endParaRPr b="0" lang="en-US" sz="4200" spc="-1" strike="noStrike">
+              <a:latin typeface="Arial"/>
+            </a:endParaRPr>
+          </a:p>
+        </p:txBody>
+      </p:sp>
+      <p:pic>
+        <p:nvPicPr>
+          <p:cNvPr id="110" name="" descr=""/>
+          <p:cNvPicPr/>
+          <p:nvPr/>
+        </p:nvPicPr>
+        <p:blipFill>
+          <a:blip r:embed="rId1"/>
+          <a:stretch/>
+        </p:blipFill>
+        <p:spPr>
+          <a:xfrm>
+            <a:off x="720000" y="2880000"/>
+            <a:ext cx="11181600" cy="9937080"/>
+          </a:xfrm>
+          <a:prstGeom prst="rect">
+            <a:avLst/>
+          </a:prstGeom>
           <a:ln w="0">
             <a:noFill/>
           </a:ln>
         </p:spPr>
-        <p:style>
-          <a:lnRef idx="0"/>
-          <a:fillRef idx="0"/>
-          <a:effectRef idx="0"/>
-          <a:fontRef idx="minor"/>
-        </p:style>
-        <p:txBody>
-          <a:bodyPr lIns="90000" rIns="90000" tIns="45000" bIns="45000">
-            <a:noAutofit/>
-          </a:bodyPr>
-          <a:p>
-            <a:pPr>
-              <a:lnSpc>
-                <a:spcPct val="100000"/>
-              </a:lnSpc>
-            </a:pPr>
-            <a:r>
-              <a:rPr b="0" lang="ru-RU" sz="4200" spc="-1" strike="noStrike">
-                <a:solidFill>
-                  <a:srgbClr val="000000"/>
-                </a:solidFill>
-                <a:latin typeface="Helvetica neue"/>
-                <a:ea typeface="DejaVu Sans"/>
-              </a:rPr>
-              <a:t>В ходе проделанной работы был спроектирован и реализован программный стенд моделирования передачи информации на физическом уровне.</a:t>
-            </a:r>
-            <a:endParaRPr b="0" lang="ru-RU" sz="4200" spc="-1" strike="noStrike">
-              <a:latin typeface="Arial"/>
-            </a:endParaRPr>
-          </a:p>
-        </p:txBody>
-      </p:sp>
-      <p:sp>
-        <p:nvSpPr>
-          <p:cNvPr id="112" name="CustomShape 5"/>
-          <p:cNvSpPr/>
-          <p:nvPr/>
-        </p:nvSpPr>
-        <p:spPr>
-          <a:xfrm>
-            <a:off x="540000" y="4320000"/>
-            <a:ext cx="20854440" cy="709920"/>
-          </a:xfrm>
-          <a:prstGeom prst="rect">
-            <a:avLst/>
-          </a:prstGeom>
-          <a:noFill/>
+      </p:pic>
+      <p:pic>
+        <p:nvPicPr>
+          <p:cNvPr id="111" name="" descr=""/>
+          <p:cNvPicPr/>
+          <p:nvPr/>
+        </p:nvPicPr>
+        <p:blipFill>
+          <a:blip r:embed="rId2"/>
+          <a:stretch/>
+        </p:blipFill>
+        <p:spPr>
+          <a:xfrm>
+            <a:off x="12690360" y="2876040"/>
+            <a:ext cx="11142720" cy="9901080"/>
+          </a:xfrm>
+          <a:prstGeom prst="rect">
+            <a:avLst/>
+          </a:prstGeom>
           <a:ln w="0">
             <a:noFill/>
           </a:ln>
         </p:spPr>
-        <p:style>
-          <a:lnRef idx="0"/>
-          <a:fillRef idx="0"/>
-          <a:effectRef idx="0"/>
-          <a:fontRef idx="minor"/>
-        </p:style>
-        <p:txBody>
-          <a:bodyPr lIns="90000" rIns="90000" tIns="45000" bIns="45000">
-            <a:noAutofit/>
-          </a:bodyPr>
-          <a:p>
-            <a:pPr>
-              <a:lnSpc>
-                <a:spcPct val="100000"/>
-              </a:lnSpc>
-            </a:pPr>
-            <a:r>
-              <a:rPr b="0" lang="ru-RU" sz="4200" spc="-1" strike="noStrike">
-                <a:solidFill>
-                  <a:srgbClr val="000000"/>
-                </a:solidFill>
-                <a:latin typeface="Helvetica neue"/>
-                <a:ea typeface="DejaVu Sans"/>
-              </a:rPr>
-              <a:t>Было реализовано:</a:t>
-            </a:r>
-            <a:endParaRPr b="0" lang="ru-RU" sz="4200" spc="-1" strike="noStrike">
-              <a:latin typeface="Arial"/>
-            </a:endParaRPr>
-          </a:p>
-        </p:txBody>
-      </p:sp>
-      <p:sp>
-        <p:nvSpPr>
-          <p:cNvPr id="113" name="CustomShape 6"/>
-          <p:cNvSpPr/>
-          <p:nvPr/>
-        </p:nvSpPr>
-        <p:spPr>
-          <a:xfrm>
-            <a:off x="900000" y="5040000"/>
-            <a:ext cx="22857480" cy="2337480"/>
-          </a:xfrm>
-          <a:prstGeom prst="rect">
-            <a:avLst/>
-          </a:prstGeom>
-          <a:noFill/>
-          <a:ln w="0">
-            <a:noFill/>
-          </a:ln>
-        </p:spPr>
-        <p:style>
-          <a:lnRef idx="0"/>
-          <a:fillRef idx="0"/>
-          <a:effectRef idx="0"/>
-          <a:fontRef idx="minor"/>
-        </p:style>
-        <p:txBody>
-          <a:bodyPr lIns="90000" rIns="90000" tIns="45000" bIns="45000">
-            <a:noAutofit/>
-          </a:bodyPr>
-          <a:p>
-            <a:pPr marL="360000" indent="-213840">
-              <a:lnSpc>
-                <a:spcPct val="115000"/>
-              </a:lnSpc>
-              <a:buClr>
-                <a:srgbClr val="000000"/>
-              </a:buClr>
-              <a:buSzPct val="45000"/>
-              <a:buFont typeface="Wingdings" charset="2"/>
-              <a:buChar char=""/>
-            </a:pPr>
-            <a:r>
-              <a:rPr b="0" lang="ru-RU" sz="4200" spc="-1" strike="noStrike">
-                <a:solidFill>
-                  <a:srgbClr val="000000"/>
-                </a:solidFill>
-                <a:latin typeface="Helvetica neue"/>
-                <a:ea typeface="DejaVu Sans"/>
-              </a:rPr>
-              <a:t> </a:t>
-            </a:r>
-            <a:r>
-              <a:rPr b="0" lang="ru-RU" sz="4200" spc="-1" strike="noStrike">
-                <a:solidFill>
-                  <a:srgbClr val="000000"/>
-                </a:solidFill>
-                <a:latin typeface="Helvetica neue"/>
-                <a:ea typeface="DejaVu Sans"/>
-              </a:rPr>
-              <a:t>модуль численного моделирования переходных процессов в линии связи</a:t>
-            </a:r>
-            <a:endParaRPr b="0" lang="ru-RU" sz="4200" spc="-1" strike="noStrike">
-              <a:latin typeface="Arial"/>
-            </a:endParaRPr>
-          </a:p>
-          <a:p>
-            <a:pPr marL="360000" indent="-213840">
-              <a:lnSpc>
-                <a:spcPct val="115000"/>
-              </a:lnSpc>
-              <a:buClr>
-                <a:srgbClr val="000000"/>
-              </a:buClr>
-              <a:buSzPct val="45000"/>
-              <a:buFont typeface="Wingdings" charset="2"/>
-              <a:buChar char=""/>
-            </a:pPr>
-            <a:r>
-              <a:rPr b="0" lang="ru-RU" sz="4200" spc="-1" strike="noStrike">
-                <a:solidFill>
-                  <a:srgbClr val="000000"/>
-                </a:solidFill>
-                <a:latin typeface="Helvetica neue"/>
-                <a:ea typeface="DejaVu Sans"/>
-              </a:rPr>
-              <a:t> </a:t>
-            </a:r>
-            <a:r>
-              <a:rPr b="0" lang="ru-RU" sz="4200" spc="-1" strike="noStrike">
-                <a:solidFill>
-                  <a:srgbClr val="000000"/>
-                </a:solidFill>
-                <a:latin typeface="Helvetica neue"/>
-                <a:ea typeface="DejaVu Sans"/>
-              </a:rPr>
-              <a:t>модуль физического кодирования</a:t>
-            </a:r>
-            <a:endParaRPr b="0" lang="ru-RU" sz="4200" spc="-1" strike="noStrike">
-              <a:latin typeface="Arial"/>
-            </a:endParaRPr>
-          </a:p>
-          <a:p>
-            <a:pPr marL="360000" indent="-213840">
-              <a:lnSpc>
-                <a:spcPct val="115000"/>
-              </a:lnSpc>
-              <a:buClr>
-                <a:srgbClr val="000000"/>
-              </a:buClr>
-              <a:buSzPct val="45000"/>
-              <a:buFont typeface="Wingdings" charset="2"/>
-              <a:buChar char=""/>
-            </a:pPr>
-            <a:r>
-              <a:rPr b="0" lang="ru-RU" sz="4200" spc="-1" strike="noStrike">
-                <a:solidFill>
-                  <a:srgbClr val="000000"/>
-                </a:solidFill>
-                <a:latin typeface="Helvetica neue"/>
-                <a:ea typeface="DejaVu Sans"/>
-              </a:rPr>
-              <a:t> </a:t>
-            </a:r>
-            <a:r>
-              <a:rPr b="0" lang="ru-RU" sz="4200" spc="-1" strike="noStrike">
-                <a:solidFill>
-                  <a:srgbClr val="000000"/>
-                </a:solidFill>
-                <a:latin typeface="Helvetica neue"/>
-                <a:ea typeface="DejaVu Sans"/>
-              </a:rPr>
-              <a:t>графический интерфейс программного стенда</a:t>
-            </a:r>
-            <a:endParaRPr b="0" lang="ru-RU" sz="4200" spc="-1" strike="noStrike">
-              <a:latin typeface="Arial"/>
-            </a:endParaRPr>
-          </a:p>
-        </p:txBody>
-      </p:sp>
-      <p:sp>
-        <p:nvSpPr>
-          <p:cNvPr id="114" name="CustomShape 7"/>
-          <p:cNvSpPr/>
-          <p:nvPr/>
-        </p:nvSpPr>
-        <p:spPr>
-          <a:xfrm>
-            <a:off x="540000" y="7927560"/>
-            <a:ext cx="20854440" cy="709920"/>
-          </a:xfrm>
-          <a:prstGeom prst="rect">
-            <a:avLst/>
-          </a:prstGeom>
-          <a:noFill/>
-          <a:ln w="0">
-            <a:noFill/>
-          </a:ln>
-        </p:spPr>
-        <p:style>
-          <a:lnRef idx="0"/>
-          <a:fillRef idx="0"/>
-          <a:effectRef idx="0"/>
-          <a:fontRef idx="minor"/>
-        </p:style>
-        <p:txBody>
-          <a:bodyPr lIns="90000" rIns="90000" tIns="45000" bIns="45000">
-            <a:noAutofit/>
-          </a:bodyPr>
-          <a:p>
-            <a:pPr>
-              <a:lnSpc>
-                <a:spcPct val="100000"/>
-              </a:lnSpc>
-            </a:pPr>
-            <a:r>
-              <a:rPr b="0" lang="ru-RU" sz="4200" spc="-1" strike="noStrike">
-                <a:solidFill>
-                  <a:srgbClr val="000000"/>
-                </a:solidFill>
-                <a:latin typeface="Helvetica neue"/>
-                <a:ea typeface="DejaVu Sans"/>
-              </a:rPr>
-              <a:t>Возможные улучшения:</a:t>
-            </a:r>
-            <a:endParaRPr b="0" lang="ru-RU" sz="4200" spc="-1" strike="noStrike">
-              <a:latin typeface="Arial"/>
-            </a:endParaRPr>
-          </a:p>
-        </p:txBody>
-      </p:sp>
-      <p:sp>
-        <p:nvSpPr>
-          <p:cNvPr id="115" name="CustomShape 8"/>
-          <p:cNvSpPr/>
-          <p:nvPr/>
-        </p:nvSpPr>
-        <p:spPr>
-          <a:xfrm>
-            <a:off x="900000" y="8640000"/>
-            <a:ext cx="22857480" cy="2337480"/>
-          </a:xfrm>
-          <a:prstGeom prst="rect">
-            <a:avLst/>
-          </a:prstGeom>
-          <a:noFill/>
-          <a:ln w="0">
-            <a:noFill/>
-          </a:ln>
-        </p:spPr>
-        <p:style>
-          <a:lnRef idx="0"/>
-          <a:fillRef idx="0"/>
-          <a:effectRef idx="0"/>
-          <a:fontRef idx="minor"/>
-        </p:style>
-        <p:txBody>
-          <a:bodyPr lIns="90000" rIns="90000" tIns="45000" bIns="45000">
-            <a:noAutofit/>
-          </a:bodyPr>
-          <a:p>
-            <a:pPr marL="360000" indent="-213840">
-              <a:lnSpc>
-                <a:spcPct val="115000"/>
-              </a:lnSpc>
-              <a:buClr>
-                <a:srgbClr val="000000"/>
-              </a:buClr>
-              <a:buSzPct val="45000"/>
-              <a:buFont typeface="Wingdings" charset="2"/>
-              <a:buChar char=""/>
-            </a:pPr>
-            <a:r>
-              <a:rPr b="0" lang="ru-RU" sz="4200" spc="-1" strike="noStrike">
-                <a:solidFill>
-                  <a:srgbClr val="000000"/>
-                </a:solidFill>
-                <a:latin typeface="Helvetica neue"/>
-                <a:ea typeface="DejaVu Sans"/>
-              </a:rPr>
-              <a:t> </a:t>
-            </a:r>
-            <a:r>
-              <a:rPr b="0" lang="ru-RU" sz="4200" spc="-1" strike="noStrike">
-                <a:solidFill>
-                  <a:srgbClr val="000000"/>
-                </a:solidFill>
-                <a:latin typeface="Helvetica neue"/>
-                <a:ea typeface="DejaVu Sans"/>
-              </a:rPr>
-              <a:t>добавление динамичности интерфейсу стенда</a:t>
-            </a:r>
-            <a:endParaRPr b="0" lang="ru-RU" sz="4200" spc="-1" strike="noStrike">
-              <a:latin typeface="Arial"/>
-            </a:endParaRPr>
-          </a:p>
-          <a:p>
-            <a:pPr marL="360000" indent="-213840">
-              <a:lnSpc>
-                <a:spcPct val="115000"/>
-              </a:lnSpc>
-              <a:buClr>
-                <a:srgbClr val="000000"/>
-              </a:buClr>
-              <a:buSzPct val="45000"/>
-              <a:buFont typeface="Wingdings" charset="2"/>
-              <a:buChar char=""/>
-            </a:pPr>
-            <a:r>
-              <a:rPr b="0" lang="ru-RU" sz="4200" spc="-1" strike="noStrike">
-                <a:solidFill>
-                  <a:srgbClr val="000000"/>
-                </a:solidFill>
-                <a:latin typeface="Helvetica neue"/>
-                <a:ea typeface="DejaVu Sans"/>
-              </a:rPr>
-              <a:t> </a:t>
-            </a:r>
-            <a:r>
-              <a:rPr b="0" lang="ru-RU" sz="4200" spc="-1" strike="noStrike">
-                <a:solidFill>
-                  <a:srgbClr val="000000"/>
-                </a:solidFill>
-                <a:latin typeface="Helvetica neue"/>
-                <a:ea typeface="DejaVu Sans"/>
-              </a:rPr>
-              <a:t>реализация модуля декодирования сигнала</a:t>
-            </a:r>
-            <a:endParaRPr b="0" lang="ru-RU" sz="4200" spc="-1" strike="noStrike">
-              <a:latin typeface="Arial"/>
-            </a:endParaRPr>
-          </a:p>
-          <a:p>
-            <a:pPr marL="360000" indent="-213840">
-              <a:lnSpc>
-                <a:spcPct val="115000"/>
-              </a:lnSpc>
-              <a:buClr>
-                <a:srgbClr val="000000"/>
-              </a:buClr>
-              <a:buSzPct val="45000"/>
-              <a:buFont typeface="Wingdings" charset="2"/>
-              <a:buChar char=""/>
-            </a:pPr>
-            <a:r>
-              <a:rPr b="0" lang="ru-RU" sz="4200" spc="-1" strike="noStrike">
-                <a:solidFill>
-                  <a:srgbClr val="000000"/>
-                </a:solidFill>
-                <a:latin typeface="Helvetica neue"/>
-                <a:ea typeface="DejaVu Sans"/>
-              </a:rPr>
-              <a:t> </a:t>
-            </a:r>
-            <a:r>
-              <a:rPr b="0" lang="ru-RU" sz="4200" spc="-1" strike="noStrike">
-                <a:solidFill>
-                  <a:srgbClr val="000000"/>
-                </a:solidFill>
-                <a:latin typeface="Helvetica neue"/>
-                <a:ea typeface="DejaVu Sans"/>
-              </a:rPr>
-              <a:t>реализация алгоритмов модуляции сигнала</a:t>
-            </a:r>
-            <a:endParaRPr b="0" lang="ru-RU" sz="4200" spc="-1" strike="noStrike">
-              <a:latin typeface="Arial"/>
-            </a:endParaRPr>
-          </a:p>
-        </p:txBody>
-      </p:sp>
+      </p:pic>
     </p:spTree>
   </p:cSld>
   <mc:AlternateContent>
@@ -3371,21 +2964,25 @@
       </p:grpSpPr>
       <p:sp>
         <p:nvSpPr>
-          <p:cNvPr id="116" name="CustomShape 1"/>
+          <p:cNvPr id="112" name="CustomShape 1"/>
           <p:cNvSpPr/>
           <p:nvPr/>
         </p:nvSpPr>
         <p:spPr>
           <a:xfrm>
-            <a:off x="7120080" y="5945400"/>
-            <a:ext cx="9685440" cy="1117080"/>
-          </a:xfrm>
-          <a:prstGeom prst="rect">
-            <a:avLst/>
-          </a:prstGeom>
-          <a:noFill/>
-          <a:ln w="12600">
-            <a:noFill/>
+            <a:off x="0" y="0"/>
+            <a:ext cx="24381000" cy="1617120"/>
+          </a:xfrm>
+          <a:prstGeom prst="rect">
+            <a:avLst/>
+          </a:prstGeom>
+          <a:solidFill>
+            <a:srgbClr val="4b89ca"/>
+          </a:solidFill>
+          <a:ln w="0">
+            <a:solidFill>
+              <a:srgbClr val="3465a4"/>
+            </a:solidFill>
           </a:ln>
         </p:spPr>
         <p:style>
@@ -3394,68 +2991,23 @@
           <a:effectRef idx="0"/>
           <a:fontRef idx="minor"/>
         </p:style>
-        <p:txBody>
-          <a:bodyPr wrap="none" lIns="71280" rIns="71280" tIns="71280" bIns="71280" anchor="ctr">
-            <a:spAutoFit/>
-          </a:bodyPr>
-          <a:p>
-            <a:pPr>
-              <a:lnSpc>
-                <a:spcPct val="100000"/>
-              </a:lnSpc>
-            </a:pPr>
-            <a:r>
-              <a:rPr b="0" lang="ru-RU" sz="6400" spc="-1" strike="noStrike">
-                <a:solidFill>
-                  <a:srgbClr val="5983b0"/>
-                </a:solidFill>
-                <a:latin typeface="Helvetica Neue"/>
-                <a:ea typeface="Helvetica Neue"/>
-              </a:rPr>
-              <a:t>Спасибо за </a:t>
-            </a:r>
-            <a:r>
-              <a:rPr b="0" lang="ru-RU" sz="6400" spc="-1" strike="noStrike">
-                <a:solidFill>
-                  <a:srgbClr val="4b89ca"/>
-                </a:solidFill>
-                <a:latin typeface="Helvetica Neue"/>
-                <a:ea typeface="Helvetica Neue"/>
-              </a:rPr>
-              <a:t>внимание</a:t>
-            </a:r>
-            <a:r>
-              <a:rPr b="0" lang="ru-RU" sz="6400" spc="-1" strike="noStrike">
-                <a:solidFill>
-                  <a:srgbClr val="5983b0"/>
-                </a:solidFill>
-                <a:latin typeface="Helvetica Neue"/>
-                <a:ea typeface="Helvetica Neue"/>
-              </a:rPr>
-              <a:t>!</a:t>
-            </a:r>
-            <a:endParaRPr b="0" lang="ru-RU" sz="6400" spc="-1" strike="noStrike">
-              <a:latin typeface="Arial"/>
-            </a:endParaRPr>
-          </a:p>
-        </p:txBody>
-      </p:sp>
-      <p:sp>
-        <p:nvSpPr>
-          <p:cNvPr id="117" name="CustomShape 2"/>
+      </p:sp>
+      <p:sp>
+        <p:nvSpPr>
+          <p:cNvPr id="113" name="CustomShape 2"/>
           <p:cNvSpPr/>
           <p:nvPr/>
         </p:nvSpPr>
         <p:spPr>
           <a:xfrm>
-            <a:off x="23438520" y="12846240"/>
-            <a:ext cx="193320" cy="426960"/>
+            <a:off x="23193360" y="0"/>
+            <a:ext cx="1187640" cy="1617120"/>
           </a:xfrm>
           <a:prstGeom prst="rect">
             <a:avLst/>
           </a:prstGeom>
           <a:noFill/>
-          <a:ln w="12600">
+          <a:ln w="0">
             <a:noFill/>
           </a:ln>
         </p:spPr>
@@ -3465,17 +3017,651 @@
           <a:effectRef idx="0"/>
           <a:fontRef idx="minor"/>
         </p:style>
-      </p:sp>
-      <p:sp>
-        <p:nvSpPr>
-          <p:cNvPr id="118" name="CustomShape 3"/>
+        <p:txBody>
+          <a:bodyPr lIns="90000" rIns="90000" tIns="45000" bIns="45000" anchor="ctr">
+            <a:noAutofit/>
+          </a:bodyPr>
+          <a:p>
+            <a:pPr algn="ctr">
+              <a:lnSpc>
+                <a:spcPct val="100000"/>
+              </a:lnSpc>
+            </a:pPr>
+            <a:fld id="{D9F08BB7-708D-4E4E-9628-D1BC106AB861}" type="slidenum">
+              <a:rPr b="1" lang="ru-RU" sz="3800" spc="-1" strike="noStrike">
+                <a:solidFill>
+                  <a:srgbClr val="ffffff"/>
+                </a:solidFill>
+                <a:latin typeface="Times New Roman"/>
+                <a:ea typeface="DejaVu Sans"/>
+              </a:rPr>
+              <a:t>&lt;number&gt;</a:t>
+            </a:fld>
+            <a:endParaRPr b="0" lang="en-US" sz="3800" spc="-1" strike="noStrike">
+              <a:latin typeface="Arial"/>
+            </a:endParaRPr>
+          </a:p>
+        </p:txBody>
+      </p:sp>
+      <p:sp>
+        <p:nvSpPr>
+          <p:cNvPr id="114" name="CustomShape 3"/>
           <p:cNvSpPr/>
           <p:nvPr/>
         </p:nvSpPr>
         <p:spPr>
           <a:xfrm>
+            <a:off x="540000" y="0"/>
+            <a:ext cx="8817120" cy="1617120"/>
+          </a:xfrm>
+          <a:prstGeom prst="rect">
+            <a:avLst/>
+          </a:prstGeom>
+          <a:noFill/>
+          <a:ln w="0">
+            <a:noFill/>
+          </a:ln>
+        </p:spPr>
+        <p:style>
+          <a:lnRef idx="0"/>
+          <a:fillRef idx="0"/>
+          <a:effectRef idx="0"/>
+          <a:fontRef idx="minor"/>
+        </p:style>
+        <p:txBody>
+          <a:bodyPr lIns="90000" rIns="90000" tIns="45000" bIns="45000" anchor="ctr">
+            <a:noAutofit/>
+          </a:bodyPr>
+          <a:p>
+            <a:pPr>
+              <a:lnSpc>
+                <a:spcPct val="100000"/>
+              </a:lnSpc>
+            </a:pPr>
+            <a:r>
+              <a:rPr b="1" lang="ru-RU" sz="4200" spc="-1" strike="noStrike">
+                <a:solidFill>
+                  <a:srgbClr val="ffffff"/>
+                </a:solidFill>
+                <a:latin typeface="Arial"/>
+                <a:ea typeface="DejaVu Sans"/>
+              </a:rPr>
+              <a:t>Заключение</a:t>
+            </a:r>
+            <a:endParaRPr b="0" lang="en-US" sz="4200" spc="-1" strike="noStrike">
+              <a:latin typeface="Arial"/>
+            </a:endParaRPr>
+          </a:p>
+        </p:txBody>
+      </p:sp>
+      <p:sp>
+        <p:nvSpPr>
+          <p:cNvPr id="115" name="CustomShape 4"/>
+          <p:cNvSpPr/>
+          <p:nvPr/>
+        </p:nvSpPr>
+        <p:spPr>
+          <a:xfrm>
+            <a:off x="540000" y="2482920"/>
+            <a:ext cx="23841000" cy="1446840"/>
+          </a:xfrm>
+          <a:prstGeom prst="rect">
+            <a:avLst/>
+          </a:prstGeom>
+          <a:noFill/>
+          <a:ln w="0">
+            <a:noFill/>
+          </a:ln>
+        </p:spPr>
+        <p:style>
+          <a:lnRef idx="0"/>
+          <a:fillRef idx="0"/>
+          <a:effectRef idx="0"/>
+          <a:fontRef idx="minor"/>
+        </p:style>
+        <p:txBody>
+          <a:bodyPr lIns="90000" rIns="90000" tIns="45000" bIns="45000">
+            <a:noAutofit/>
+          </a:bodyPr>
+          <a:p>
+            <a:pPr>
+              <a:lnSpc>
+                <a:spcPct val="100000"/>
+              </a:lnSpc>
+            </a:pPr>
+            <a:r>
+              <a:rPr b="0" lang="ru-RU" sz="4200" spc="-1" strike="noStrike">
+                <a:solidFill>
+                  <a:srgbClr val="000000"/>
+                </a:solidFill>
+                <a:latin typeface="Helvetica neue"/>
+                <a:ea typeface="DejaVu Sans"/>
+              </a:rPr>
+              <a:t>В ходе проделанной работы был спроектирован и реализован программный стенд моделирования передачи информации на физическом уровне.</a:t>
+            </a:r>
+            <a:endParaRPr b="0" lang="en-US" sz="4200" spc="-1" strike="noStrike">
+              <a:latin typeface="Arial"/>
+            </a:endParaRPr>
+          </a:p>
+        </p:txBody>
+      </p:sp>
+      <p:sp>
+        <p:nvSpPr>
+          <p:cNvPr id="116" name="CustomShape 5"/>
+          <p:cNvSpPr/>
+          <p:nvPr/>
+        </p:nvSpPr>
+        <p:spPr>
+          <a:xfrm>
+            <a:off x="540000" y="4320000"/>
+            <a:ext cx="20854080" cy="709560"/>
+          </a:xfrm>
+          <a:prstGeom prst="rect">
+            <a:avLst/>
+          </a:prstGeom>
+          <a:noFill/>
+          <a:ln w="0">
+            <a:noFill/>
+          </a:ln>
+        </p:spPr>
+        <p:style>
+          <a:lnRef idx="0"/>
+          <a:fillRef idx="0"/>
+          <a:effectRef idx="0"/>
+          <a:fontRef idx="minor"/>
+        </p:style>
+        <p:txBody>
+          <a:bodyPr lIns="90000" rIns="90000" tIns="45000" bIns="45000">
+            <a:noAutofit/>
+          </a:bodyPr>
+          <a:p>
+            <a:pPr>
+              <a:lnSpc>
+                <a:spcPct val="100000"/>
+              </a:lnSpc>
+            </a:pPr>
+            <a:r>
+              <a:rPr b="0" lang="ru-RU" sz="4200" spc="-1" strike="noStrike">
+                <a:solidFill>
+                  <a:srgbClr val="000000"/>
+                </a:solidFill>
+                <a:latin typeface="Helvetica neue"/>
+                <a:ea typeface="DejaVu Sans"/>
+              </a:rPr>
+              <a:t>Было реализовано:</a:t>
+            </a:r>
+            <a:endParaRPr b="0" lang="en-US" sz="4200" spc="-1" strike="noStrike">
+              <a:latin typeface="Arial"/>
+            </a:endParaRPr>
+          </a:p>
+        </p:txBody>
+      </p:sp>
+      <p:sp>
+        <p:nvSpPr>
+          <p:cNvPr id="117" name="CustomShape 6"/>
+          <p:cNvSpPr/>
+          <p:nvPr/>
+        </p:nvSpPr>
+        <p:spPr>
+          <a:xfrm>
+            <a:off x="900000" y="5040000"/>
+            <a:ext cx="22857120" cy="2337120"/>
+          </a:xfrm>
+          <a:prstGeom prst="rect">
+            <a:avLst/>
+          </a:prstGeom>
+          <a:noFill/>
+          <a:ln w="0">
+            <a:noFill/>
+          </a:ln>
+        </p:spPr>
+        <p:style>
+          <a:lnRef idx="0"/>
+          <a:fillRef idx="0"/>
+          <a:effectRef idx="0"/>
+          <a:fontRef idx="minor"/>
+        </p:style>
+        <p:txBody>
+          <a:bodyPr lIns="90000" rIns="90000" tIns="45000" bIns="45000">
+            <a:noAutofit/>
+          </a:bodyPr>
+          <a:p>
+            <a:pPr marL="360000" indent="-213480">
+              <a:lnSpc>
+                <a:spcPct val="115000"/>
+              </a:lnSpc>
+              <a:buClr>
+                <a:srgbClr val="000000"/>
+              </a:buClr>
+              <a:buSzPct val="45000"/>
+              <a:buFont typeface="Wingdings" charset="2"/>
+              <a:buChar char=""/>
+            </a:pPr>
+            <a:r>
+              <a:rPr b="0" lang="ru-RU" sz="4200" spc="-1" strike="noStrike">
+                <a:solidFill>
+                  <a:srgbClr val="000000"/>
+                </a:solidFill>
+                <a:latin typeface="Helvetica neue"/>
+                <a:ea typeface="DejaVu Sans"/>
+              </a:rPr>
+              <a:t> </a:t>
+            </a:r>
+            <a:r>
+              <a:rPr b="0" lang="ru-RU" sz="4200" spc="-1" strike="noStrike">
+                <a:solidFill>
+                  <a:srgbClr val="000000"/>
+                </a:solidFill>
+                <a:latin typeface="Helvetica neue"/>
+                <a:ea typeface="DejaVu Sans"/>
+              </a:rPr>
+              <a:t>модуль численного моделирования переходных процессов в линии связи</a:t>
+            </a:r>
+            <a:endParaRPr b="0" lang="en-US" sz="4200" spc="-1" strike="noStrike">
+              <a:latin typeface="Arial"/>
+            </a:endParaRPr>
+          </a:p>
+          <a:p>
+            <a:pPr marL="360000" indent="-213480">
+              <a:lnSpc>
+                <a:spcPct val="115000"/>
+              </a:lnSpc>
+              <a:buClr>
+                <a:srgbClr val="000000"/>
+              </a:buClr>
+              <a:buSzPct val="45000"/>
+              <a:buFont typeface="Wingdings" charset="2"/>
+              <a:buChar char=""/>
+            </a:pPr>
+            <a:r>
+              <a:rPr b="0" lang="ru-RU" sz="4200" spc="-1" strike="noStrike">
+                <a:solidFill>
+                  <a:srgbClr val="000000"/>
+                </a:solidFill>
+                <a:latin typeface="Helvetica neue"/>
+                <a:ea typeface="DejaVu Sans"/>
+              </a:rPr>
+              <a:t> </a:t>
+            </a:r>
+            <a:r>
+              <a:rPr b="0" lang="ru-RU" sz="4200" spc="-1" strike="noStrike">
+                <a:solidFill>
+                  <a:srgbClr val="000000"/>
+                </a:solidFill>
+                <a:latin typeface="Helvetica neue"/>
+                <a:ea typeface="DejaVu Sans"/>
+              </a:rPr>
+              <a:t>модуль физического кодирования</a:t>
+            </a:r>
+            <a:endParaRPr b="0" lang="en-US" sz="4200" spc="-1" strike="noStrike">
+              <a:latin typeface="Arial"/>
+            </a:endParaRPr>
+          </a:p>
+          <a:p>
+            <a:pPr marL="360000" indent="-213480">
+              <a:lnSpc>
+                <a:spcPct val="115000"/>
+              </a:lnSpc>
+              <a:buClr>
+                <a:srgbClr val="000000"/>
+              </a:buClr>
+              <a:buSzPct val="45000"/>
+              <a:buFont typeface="Wingdings" charset="2"/>
+              <a:buChar char=""/>
+            </a:pPr>
+            <a:r>
+              <a:rPr b="0" lang="ru-RU" sz="4200" spc="-1" strike="noStrike">
+                <a:solidFill>
+                  <a:srgbClr val="000000"/>
+                </a:solidFill>
+                <a:latin typeface="Helvetica neue"/>
+                <a:ea typeface="DejaVu Sans"/>
+              </a:rPr>
+              <a:t> </a:t>
+            </a:r>
+            <a:r>
+              <a:rPr b="0" lang="ru-RU" sz="4200" spc="-1" strike="noStrike">
+                <a:solidFill>
+                  <a:srgbClr val="000000"/>
+                </a:solidFill>
+                <a:latin typeface="Helvetica neue"/>
+                <a:ea typeface="DejaVu Sans"/>
+              </a:rPr>
+              <a:t>графический интерфейс программного стенда</a:t>
+            </a:r>
+            <a:endParaRPr b="0" lang="en-US" sz="4200" spc="-1" strike="noStrike">
+              <a:latin typeface="Arial"/>
+            </a:endParaRPr>
+          </a:p>
+        </p:txBody>
+      </p:sp>
+      <p:sp>
+        <p:nvSpPr>
+          <p:cNvPr id="118" name="CustomShape 7"/>
+          <p:cNvSpPr/>
+          <p:nvPr/>
+        </p:nvSpPr>
+        <p:spPr>
+          <a:xfrm>
+            <a:off x="540000" y="7927560"/>
+            <a:ext cx="20854080" cy="709560"/>
+          </a:xfrm>
+          <a:prstGeom prst="rect">
+            <a:avLst/>
+          </a:prstGeom>
+          <a:noFill/>
+          <a:ln w="0">
+            <a:noFill/>
+          </a:ln>
+        </p:spPr>
+        <p:style>
+          <a:lnRef idx="0"/>
+          <a:fillRef idx="0"/>
+          <a:effectRef idx="0"/>
+          <a:fontRef idx="minor"/>
+        </p:style>
+        <p:txBody>
+          <a:bodyPr lIns="90000" rIns="90000" tIns="45000" bIns="45000">
+            <a:noAutofit/>
+          </a:bodyPr>
+          <a:p>
+            <a:pPr>
+              <a:lnSpc>
+                <a:spcPct val="100000"/>
+              </a:lnSpc>
+            </a:pPr>
+            <a:r>
+              <a:rPr b="0" lang="ru-RU" sz="4200" spc="-1" strike="noStrike">
+                <a:solidFill>
+                  <a:srgbClr val="000000"/>
+                </a:solidFill>
+                <a:latin typeface="Helvetica neue"/>
+                <a:ea typeface="DejaVu Sans"/>
+              </a:rPr>
+              <a:t>Возможные улучшения:</a:t>
+            </a:r>
+            <a:endParaRPr b="0" lang="en-US" sz="4200" spc="-1" strike="noStrike">
+              <a:latin typeface="Arial"/>
+            </a:endParaRPr>
+          </a:p>
+        </p:txBody>
+      </p:sp>
+      <p:sp>
+        <p:nvSpPr>
+          <p:cNvPr id="119" name="CustomShape 8"/>
+          <p:cNvSpPr/>
+          <p:nvPr/>
+        </p:nvSpPr>
+        <p:spPr>
+          <a:xfrm>
+            <a:off x="900000" y="8640000"/>
+            <a:ext cx="22857120" cy="2337120"/>
+          </a:xfrm>
+          <a:prstGeom prst="rect">
+            <a:avLst/>
+          </a:prstGeom>
+          <a:noFill/>
+          <a:ln w="0">
+            <a:noFill/>
+          </a:ln>
+        </p:spPr>
+        <p:style>
+          <a:lnRef idx="0"/>
+          <a:fillRef idx="0"/>
+          <a:effectRef idx="0"/>
+          <a:fontRef idx="minor"/>
+        </p:style>
+        <p:txBody>
+          <a:bodyPr lIns="90000" rIns="90000" tIns="45000" bIns="45000">
+            <a:noAutofit/>
+          </a:bodyPr>
+          <a:p>
+            <a:pPr marL="360000" indent="-213480">
+              <a:lnSpc>
+                <a:spcPct val="115000"/>
+              </a:lnSpc>
+              <a:buClr>
+                <a:srgbClr val="000000"/>
+              </a:buClr>
+              <a:buSzPct val="45000"/>
+              <a:buFont typeface="Wingdings" charset="2"/>
+              <a:buChar char=""/>
+            </a:pPr>
+            <a:r>
+              <a:rPr b="0" lang="ru-RU" sz="4200" spc="-1" strike="noStrike">
+                <a:solidFill>
+                  <a:srgbClr val="000000"/>
+                </a:solidFill>
+                <a:latin typeface="Helvetica neue"/>
+                <a:ea typeface="DejaVu Sans"/>
+              </a:rPr>
+              <a:t> </a:t>
+            </a:r>
+            <a:r>
+              <a:rPr b="0" lang="ru-RU" sz="4200" spc="-1" strike="noStrike">
+                <a:solidFill>
+                  <a:srgbClr val="000000"/>
+                </a:solidFill>
+                <a:latin typeface="Helvetica neue"/>
+                <a:ea typeface="DejaVu Sans"/>
+              </a:rPr>
+              <a:t>добавление динамичности интерфейсу стенда</a:t>
+            </a:r>
+            <a:endParaRPr b="0" lang="en-US" sz="4200" spc="-1" strike="noStrike">
+              <a:latin typeface="Arial"/>
+            </a:endParaRPr>
+          </a:p>
+          <a:p>
+            <a:pPr marL="360000" indent="-213480">
+              <a:lnSpc>
+                <a:spcPct val="115000"/>
+              </a:lnSpc>
+              <a:buClr>
+                <a:srgbClr val="000000"/>
+              </a:buClr>
+              <a:buSzPct val="45000"/>
+              <a:buFont typeface="Wingdings" charset="2"/>
+              <a:buChar char=""/>
+            </a:pPr>
+            <a:r>
+              <a:rPr b="0" lang="ru-RU" sz="4200" spc="-1" strike="noStrike">
+                <a:solidFill>
+                  <a:srgbClr val="000000"/>
+                </a:solidFill>
+                <a:latin typeface="Helvetica neue"/>
+                <a:ea typeface="DejaVu Sans"/>
+              </a:rPr>
+              <a:t> </a:t>
+            </a:r>
+            <a:r>
+              <a:rPr b="0" lang="ru-RU" sz="4200" spc="-1" strike="noStrike">
+                <a:solidFill>
+                  <a:srgbClr val="000000"/>
+                </a:solidFill>
+                <a:latin typeface="Helvetica neue"/>
+                <a:ea typeface="DejaVu Sans"/>
+              </a:rPr>
+              <a:t>реализация модуля декодирования сигнала</a:t>
+            </a:r>
+            <a:endParaRPr b="0" lang="en-US" sz="4200" spc="-1" strike="noStrike">
+              <a:latin typeface="Arial"/>
+            </a:endParaRPr>
+          </a:p>
+          <a:p>
+            <a:pPr marL="360000" indent="-213480">
+              <a:lnSpc>
+                <a:spcPct val="115000"/>
+              </a:lnSpc>
+              <a:buClr>
+                <a:srgbClr val="000000"/>
+              </a:buClr>
+              <a:buSzPct val="45000"/>
+              <a:buFont typeface="Wingdings" charset="2"/>
+              <a:buChar char=""/>
+            </a:pPr>
+            <a:r>
+              <a:rPr b="0" lang="ru-RU" sz="4200" spc="-1" strike="noStrike">
+                <a:solidFill>
+                  <a:srgbClr val="000000"/>
+                </a:solidFill>
+                <a:latin typeface="Helvetica neue"/>
+                <a:ea typeface="DejaVu Sans"/>
+              </a:rPr>
+              <a:t> </a:t>
+            </a:r>
+            <a:r>
+              <a:rPr b="0" lang="ru-RU" sz="4200" spc="-1" strike="noStrike">
+                <a:solidFill>
+                  <a:srgbClr val="000000"/>
+                </a:solidFill>
+                <a:latin typeface="Helvetica neue"/>
+                <a:ea typeface="DejaVu Sans"/>
+              </a:rPr>
+              <a:t>реализация алгоритмов модуляции сигнала</a:t>
+            </a:r>
+            <a:endParaRPr b="0" lang="en-US" sz="4200" spc="-1" strike="noStrike">
+              <a:latin typeface="Arial"/>
+            </a:endParaRPr>
+          </a:p>
+        </p:txBody>
+      </p:sp>
+    </p:spTree>
+  </p:cSld>
+  <mc:AlternateContent>
+    <mc:Choice Requires="p14">
+      <p:transition spd="slow" p14:dur="2000"/>
+    </mc:Choice>
+    <mc:Fallback>
+      <p:transition spd="slow"/>
+    </mc:Fallback>
+  </mc:AlternateContent>
+</p:sld>
+</file>
+
+<file path=ppt/slides/slide14.xml><?xml version="1.0" encoding="utf-8"?>
+<p:sld xmlns:a="http://schemas.openxmlformats.org/drawingml/2006/main" xmlns:p="http://schemas.openxmlformats.org/presentationml/2006/main" xmlns:r="http://schemas.openxmlformats.org/officeDocument/2006/relationships" xmlns:p14="http://schemas.microsoft.com/office/powerpoint/2010/main" xmlns:p15="http://schemas.microsoft.com/office/powerpoint/2012/main" xmlns:mc="http://schemas.openxmlformats.org/markup-compatibility/2006">
+  <p:cSld>
+    <p:spTree>
+      <p:nvGrpSpPr>
+        <p:cNvPr id="1" name=""/>
+        <p:cNvGrpSpPr/>
+        <p:nvPr/>
+      </p:nvGrpSpPr>
+      <p:grpSpPr>
+        <a:xfrm>
+          <a:off x="0" y="0"/>
+          <a:ext cx="0" cy="0"/>
+          <a:chOff x="0" y="0"/>
+          <a:chExt cx="0" cy="0"/>
+        </a:xfrm>
+      </p:grpSpPr>
+      <p:sp>
+        <p:nvSpPr>
+          <p:cNvPr id="120" name="CustomShape 1"/>
+          <p:cNvSpPr/>
+          <p:nvPr/>
+        </p:nvSpPr>
+        <p:spPr>
+          <a:xfrm>
+            <a:off x="7120080" y="5945400"/>
+            <a:ext cx="9685440" cy="1117080"/>
+          </a:xfrm>
+          <a:prstGeom prst="rect">
+            <a:avLst/>
+          </a:prstGeom>
+          <a:noFill/>
+          <a:ln w="12600">
+            <a:noFill/>
+          </a:ln>
+        </p:spPr>
+        <p:style>
+          <a:lnRef idx="0"/>
+          <a:fillRef idx="0"/>
+          <a:effectRef idx="0"/>
+          <a:fontRef idx="minor"/>
+        </p:style>
+        <p:txBody>
+          <a:bodyPr wrap="none" lIns="71280" rIns="71280" tIns="71280" bIns="71280" anchor="ctr">
+            <a:spAutoFit/>
+          </a:bodyPr>
+          <a:p>
+            <a:pPr>
+              <a:lnSpc>
+                <a:spcPct val="100000"/>
+              </a:lnSpc>
+            </a:pPr>
+            <a:r>
+              <a:rPr b="0" lang="ru-RU" sz="6400" spc="-1" strike="noStrike">
+                <a:solidFill>
+                  <a:srgbClr val="5983b0"/>
+                </a:solidFill>
+                <a:latin typeface="Helvetica Neue"/>
+                <a:ea typeface="Helvetica Neue"/>
+              </a:rPr>
+              <a:t>Спасибо за </a:t>
+            </a:r>
+            <a:r>
+              <a:rPr b="0" lang="ru-RU" sz="6400" spc="-1" strike="noStrike">
+                <a:solidFill>
+                  <a:srgbClr val="4b89ca"/>
+                </a:solidFill>
+                <a:latin typeface="Helvetica Neue"/>
+                <a:ea typeface="Helvetica Neue"/>
+              </a:rPr>
+              <a:t>внимание</a:t>
+            </a:r>
+            <a:r>
+              <a:rPr b="0" lang="ru-RU" sz="6400" spc="-1" strike="noStrike">
+                <a:solidFill>
+                  <a:srgbClr val="5983b0"/>
+                </a:solidFill>
+                <a:latin typeface="Helvetica Neue"/>
+                <a:ea typeface="Helvetica Neue"/>
+              </a:rPr>
+              <a:t>!</a:t>
+            </a:r>
+            <a:endParaRPr b="0" lang="en-US" sz="6400" spc="-1" strike="noStrike">
+              <a:latin typeface="Arial"/>
+            </a:endParaRPr>
+          </a:p>
+        </p:txBody>
+      </p:sp>
+      <p:sp>
+        <p:nvSpPr>
+          <p:cNvPr id="121" name="CustomShape 2"/>
+          <p:cNvSpPr/>
+          <p:nvPr/>
+        </p:nvSpPr>
+        <p:spPr>
+          <a:xfrm>
+            <a:off x="23438520" y="12846240"/>
+            <a:ext cx="192960" cy="426600"/>
+          </a:xfrm>
+          <a:prstGeom prst="rect">
+            <a:avLst/>
+          </a:prstGeom>
+          <a:noFill/>
+          <a:ln w="12600">
+            <a:noFill/>
+          </a:ln>
+        </p:spPr>
+        <p:style>
+          <a:lnRef idx="0"/>
+          <a:fillRef idx="0"/>
+          <a:effectRef idx="0"/>
+          <a:fontRef idx="minor"/>
+        </p:style>
+      </p:sp>
+      <p:sp>
+        <p:nvSpPr>
+          <p:cNvPr id="122" name="CustomShape 3"/>
+          <p:cNvSpPr/>
+          <p:nvPr/>
+        </p:nvSpPr>
+        <p:spPr>
+          <a:xfrm>
             <a:off x="4122360" y="3261960"/>
-            <a:ext cx="141120" cy="510480"/>
+            <a:ext cx="140760" cy="510120"/>
           </a:xfrm>
           <a:prstGeom prst="rect">
             <a:avLst/>
@@ -3531,7 +3717,7 @@
         <p:spPr>
           <a:xfrm>
             <a:off x="0" y="0"/>
-            <a:ext cx="24381360" cy="1617480"/>
+            <a:ext cx="24381000" cy="1617120"/>
           </a:xfrm>
           <a:prstGeom prst="rect">
             <a:avLst/>
@@ -3561,7 +3747,7 @@
         <p:spPr>
           <a:xfrm>
             <a:off x="23193360" y="0"/>
-            <a:ext cx="1188000" cy="1617480"/>
+            <a:ext cx="1187640" cy="1617120"/>
           </a:xfrm>
           <a:prstGeom prst="rect">
             <a:avLst/>
@@ -3587,7 +3773,7 @@
                 <a:spcPct val="100000"/>
               </a:lnSpc>
             </a:pPr>
-            <a:fld id="{DFCF3500-28B6-4566-88B2-99C37B357AEE}" type="slidenum">
+            <a:fld id="{82F6A1BE-CFC9-4C91-9327-541D5CD976FF}" type="slidenum">
               <a:rPr b="1" lang="ru-RU" sz="3800" spc="-1" strike="noStrike">
                 <a:solidFill>
                   <a:srgbClr val="ffffff"/>
@@ -3595,9 +3781,9 @@
                 <a:latin typeface="Times New Roman"/>
                 <a:ea typeface="DejaVu Sans"/>
               </a:rPr>
-              <a:t>&lt;номер&gt;</a:t>
+              <a:t>&lt;number&gt;</a:t>
             </a:fld>
-            <a:endParaRPr b="0" lang="ru-RU" sz="3800" spc="-1" strike="noStrike">
+            <a:endParaRPr b="0" lang="en-US" sz="3800" spc="-1" strike="noStrike">
               <a:latin typeface="Arial"/>
             </a:endParaRPr>
           </a:p>
@@ -3612,7 +3798,7 @@
         <p:spPr>
           <a:xfrm>
             <a:off x="540000" y="0"/>
-            <a:ext cx="8817480" cy="1617480"/>
+            <a:ext cx="8817120" cy="1617120"/>
           </a:xfrm>
           <a:prstGeom prst="rect">
             <a:avLst/>
@@ -3648,7 +3834,7 @@
               </a:rPr>
               <a:t>Актуальность выбранной темы</a:t>
             </a:r>
-            <a:endParaRPr b="0" lang="ru-RU" sz="4200" spc="-1" strike="noStrike">
+            <a:endParaRPr b="0" lang="en-US" sz="4200" spc="-1" strike="noStrike">
               <a:latin typeface="Arial"/>
             </a:endParaRPr>
           </a:p>
@@ -3667,7 +3853,7 @@
         <p:spPr>
           <a:xfrm>
             <a:off x="12693960" y="3060000"/>
-            <a:ext cx="10883520" cy="8637480"/>
+            <a:ext cx="10883160" cy="8637120"/>
           </a:xfrm>
           <a:prstGeom prst="rect">
             <a:avLst/>
@@ -3686,7 +3872,7 @@
         <p:spPr>
           <a:xfrm>
             <a:off x="756720" y="3026520"/>
-            <a:ext cx="11157480" cy="8637480"/>
+            <a:ext cx="11157120" cy="8637120"/>
           </a:xfrm>
           <a:prstGeom prst="rect">
             <a:avLst/>
@@ -3732,7 +3918,7 @@
               </a:rPr>
               <a:t>и критериями определяющими выбор способа физического кодирования, является важной задачей образования.</a:t>
             </a:r>
-            <a:endParaRPr b="0" lang="ru-RU" sz="4200" spc="-1" strike="noStrike">
+            <a:endParaRPr b="0" lang="en-US" sz="4200" spc="-1" strike="noStrike">
               <a:latin typeface="Arial"/>
             </a:endParaRPr>
           </a:p>
@@ -3777,7 +3963,7 @@
         <p:spPr>
           <a:xfrm>
             <a:off x="0" y="0"/>
-            <a:ext cx="24381360" cy="1617480"/>
+            <a:ext cx="24381000" cy="1617120"/>
           </a:xfrm>
           <a:prstGeom prst="rect">
             <a:avLst/>
@@ -3807,7 +3993,7 @@
         <p:spPr>
           <a:xfrm>
             <a:off x="23193360" y="0"/>
-            <a:ext cx="1188000" cy="1617480"/>
+            <a:ext cx="1187640" cy="1617120"/>
           </a:xfrm>
           <a:prstGeom prst="rect">
             <a:avLst/>
@@ -3833,7 +4019,7 @@
                 <a:spcPct val="100000"/>
               </a:lnSpc>
             </a:pPr>
-            <a:fld id="{B2899AD5-8CBE-4E8F-BB45-DC2ED168918C}" type="slidenum">
+            <a:fld id="{58203FEC-FFE1-4F7A-A98B-BCD42DD4C62B}" type="slidenum">
               <a:rPr b="1" lang="ru-RU" sz="3800" spc="-1" strike="noStrike">
                 <a:solidFill>
                   <a:srgbClr val="ffffff"/>
@@ -3841,9 +4027,9 @@
                 <a:latin typeface="Times New Roman"/>
                 <a:ea typeface="DejaVu Sans"/>
               </a:rPr>
-              <a:t>&lt;номер&gt;</a:t>
+              <a:t>&lt;number&gt;</a:t>
             </a:fld>
-            <a:endParaRPr b="0" lang="ru-RU" sz="3800" spc="-1" strike="noStrike">
+            <a:endParaRPr b="0" lang="en-US" sz="3800" spc="-1" strike="noStrike">
               <a:latin typeface="Arial"/>
             </a:endParaRPr>
           </a:p>
@@ -3858,7 +4044,7 @@
         <p:spPr>
           <a:xfrm>
             <a:off x="540000" y="0"/>
-            <a:ext cx="8817480" cy="1617480"/>
+            <a:ext cx="8817120" cy="1617120"/>
           </a:xfrm>
           <a:prstGeom prst="rect">
             <a:avLst/>
@@ -3894,7 +4080,7 @@
               </a:rPr>
               <a:t>Обзор аналогов</a:t>
             </a:r>
-            <a:endParaRPr b="0" lang="ru-RU" sz="4200" spc="-1" strike="noStrike">
+            <a:endParaRPr b="0" lang="en-US" sz="4200" spc="-1" strike="noStrike">
               <a:latin typeface="Arial"/>
             </a:endParaRPr>
           </a:p>
@@ -3913,7 +4099,7 @@
         <p:spPr>
           <a:xfrm>
             <a:off x="808920" y="2514600"/>
-            <a:ext cx="10619280" cy="5954040"/>
+            <a:ext cx="10618920" cy="5953680"/>
           </a:xfrm>
           <a:prstGeom prst="rect">
             <a:avLst/>
@@ -3932,7 +4118,7 @@
         <p:spPr>
           <a:xfrm>
             <a:off x="845640" y="9144000"/>
-            <a:ext cx="10582560" cy="1447200"/>
+            <a:ext cx="10582200" cy="1446840"/>
           </a:xfrm>
           <a:prstGeom prst="rect">
             <a:avLst/>
@@ -3968,7 +4154,7 @@
               </a:rPr>
               <a:t>Communications Toolbox</a:t>
             </a:r>
-            <a:endParaRPr b="0" lang="ru-RU" sz="4200" spc="-1" strike="noStrike">
+            <a:endParaRPr b="0" lang="en-US" sz="4200" spc="-1" strike="noStrike">
               <a:latin typeface="Arial"/>
             </a:endParaRPr>
           </a:p>
@@ -3987,7 +4173,7 @@
         <p:spPr>
           <a:xfrm>
             <a:off x="13226760" y="2653560"/>
-            <a:ext cx="10317240" cy="5802840"/>
+            <a:ext cx="10316880" cy="5802480"/>
           </a:xfrm>
           <a:prstGeom prst="rect">
             <a:avLst/>
@@ -4006,7 +4192,7 @@
         <p:spPr>
           <a:xfrm>
             <a:off x="13258800" y="9066600"/>
-            <a:ext cx="10285200" cy="1447200"/>
+            <a:ext cx="10284840" cy="1446840"/>
           </a:xfrm>
           <a:prstGeom prst="rect">
             <a:avLst/>
@@ -4042,7 +4228,7 @@
               </a:rPr>
               <a:t>LabView Communications System</a:t>
             </a:r>
-            <a:endParaRPr b="0" lang="ru-RU" sz="4200" spc="-1" strike="noStrike">
+            <a:endParaRPr b="0" lang="en-US" sz="4200" spc="-1" strike="noStrike">
               <a:latin typeface="Arial"/>
             </a:endParaRPr>
           </a:p>
@@ -4087,7 +4273,7 @@
         <p:spPr>
           <a:xfrm>
             <a:off x="0" y="0"/>
-            <a:ext cx="24381360" cy="1617480"/>
+            <a:ext cx="24381000" cy="1617120"/>
           </a:xfrm>
           <a:prstGeom prst="rect">
             <a:avLst/>
@@ -4117,7 +4303,7 @@
         <p:spPr>
           <a:xfrm>
             <a:off x="23193360" y="0"/>
-            <a:ext cx="1188000" cy="1617480"/>
+            <a:ext cx="1187640" cy="1617120"/>
           </a:xfrm>
           <a:prstGeom prst="rect">
             <a:avLst/>
@@ -4143,7 +4329,7 @@
                 <a:spcPct val="100000"/>
               </a:lnSpc>
             </a:pPr>
-            <a:fld id="{94A197ED-80CA-4DAC-A1A7-846B4663032F}" type="slidenum">
+            <a:fld id="{D4AD3C49-6772-446C-9A75-705E1994B9E3}" type="slidenum">
               <a:rPr b="1" lang="ru-RU" sz="3800" spc="-1" strike="noStrike">
                 <a:solidFill>
                   <a:srgbClr val="ffffff"/>
@@ -4151,9 +4337,9 @@
                 <a:latin typeface="Times New Roman"/>
                 <a:ea typeface="DejaVu Sans"/>
               </a:rPr>
-              <a:t>&lt;номер&gt;</a:t>
+              <a:t>&lt;number&gt;</a:t>
             </a:fld>
-            <a:endParaRPr b="0" lang="ru-RU" sz="3800" spc="-1" strike="noStrike">
+            <a:endParaRPr b="0" lang="en-US" sz="3800" spc="-1" strike="noStrike">
               <a:latin typeface="Arial"/>
             </a:endParaRPr>
           </a:p>
@@ -4168,7 +4354,7 @@
         <p:spPr>
           <a:xfrm>
             <a:off x="540000" y="0"/>
-            <a:ext cx="8817480" cy="1617480"/>
+            <a:ext cx="8817120" cy="1617120"/>
           </a:xfrm>
           <a:prstGeom prst="rect">
             <a:avLst/>
@@ -4204,7 +4390,7 @@
               </a:rPr>
               <a:t>Цели и задачи работы</a:t>
             </a:r>
-            <a:endParaRPr b="0" lang="ru-RU" sz="4200" spc="-1" strike="noStrike">
+            <a:endParaRPr b="0" lang="en-US" sz="4200" spc="-1" strike="noStrike">
               <a:latin typeface="Arial"/>
             </a:endParaRPr>
           </a:p>
@@ -4219,7 +4405,7 @@
         <p:spPr>
           <a:xfrm>
             <a:off x="540000" y="2482920"/>
-            <a:ext cx="23841360" cy="1447200"/>
+            <a:ext cx="23841000" cy="1446840"/>
           </a:xfrm>
           <a:prstGeom prst="rect">
             <a:avLst/>
@@ -4315,7 +4501,7 @@
               </a:rPr>
               <a:t>преподаваемого материала</a:t>
             </a:r>
-            <a:endParaRPr b="0" lang="ru-RU" sz="4200" spc="-1" strike="noStrike">
+            <a:endParaRPr b="0" lang="en-US" sz="4200" spc="-1" strike="noStrike">
               <a:latin typeface="Arial"/>
             </a:endParaRPr>
           </a:p>
@@ -4330,7 +4516,7 @@
         <p:spPr>
           <a:xfrm>
             <a:off x="540000" y="3780000"/>
-            <a:ext cx="20854440" cy="709920"/>
+            <a:ext cx="20854080" cy="709560"/>
           </a:xfrm>
           <a:prstGeom prst="rect">
             <a:avLst/>
@@ -4366,7 +4552,7 @@
               </a:rPr>
               <a:t>Задачи:</a:t>
             </a:r>
-            <a:endParaRPr b="0" lang="ru-RU" sz="4200" spc="-1" strike="noStrike">
+            <a:endParaRPr b="0" lang="en-US" sz="4200" spc="-1" strike="noStrike">
               <a:latin typeface="Arial"/>
             </a:endParaRPr>
           </a:p>
@@ -4381,7 +4567,7 @@
         <p:spPr>
           <a:xfrm>
             <a:off x="900000" y="4639320"/>
-            <a:ext cx="17457480" cy="4377600"/>
+            <a:ext cx="17457120" cy="4377240"/>
           </a:xfrm>
           <a:prstGeom prst="rect">
             <a:avLst/>
@@ -4402,7 +4588,7 @@
             <a:noAutofit/>
           </a:bodyPr>
           <a:p>
-            <a:pPr marL="360000" indent="-213840">
+            <a:pPr marL="360000" indent="-213480">
               <a:lnSpc>
                 <a:spcPct val="115000"/>
               </a:lnSpc>
@@ -4433,12 +4619,12 @@
               </a:rPr>
               <a:t>Изучение необходимых элементов теории электросвязи</a:t>
             </a:r>
-            <a:endParaRPr b="0" lang="ru-RU" sz="4200" spc="-1" strike="noStrike">
-              <a:latin typeface="Arial"/>
-            </a:endParaRPr>
-          </a:p>
-          <a:p>
-            <a:pPr marL="360000" indent="-213840">
+            <a:endParaRPr b="0" lang="en-US" sz="4200" spc="-1" strike="noStrike">
+              <a:latin typeface="Arial"/>
+            </a:endParaRPr>
+          </a:p>
+          <a:p>
+            <a:pPr marL="360000" indent="-213480">
               <a:lnSpc>
                 <a:spcPct val="115000"/>
               </a:lnSpc>
@@ -4467,14 +4653,14 @@
                 <a:latin typeface="Helvetica neue"/>
                 <a:ea typeface="DejaVu Sans"/>
               </a:rPr>
-              <a:t>Математическое моделирование линии связи</a:t>
-            </a:r>
-            <a:endParaRPr b="0" lang="ru-RU" sz="4200" spc="-1" strike="noStrike">
-              <a:latin typeface="Arial"/>
-            </a:endParaRPr>
-          </a:p>
-          <a:p>
-            <a:pPr marL="360000" indent="-213840">
+              <a:t>Математическое моделирование проводной линии связи</a:t>
+            </a:r>
+            <a:endParaRPr b="0" lang="en-US" sz="4200" spc="-1" strike="noStrike">
+              <a:latin typeface="Arial"/>
+            </a:endParaRPr>
+          </a:p>
+          <a:p>
+            <a:pPr marL="360000" indent="-213480">
               <a:lnSpc>
                 <a:spcPct val="115000"/>
               </a:lnSpc>
@@ -4505,12 +4691,12 @@
               </a:rPr>
               <a:t>Выбор способа дискретизации и метода решения системы дифференциальных уравнений</a:t>
             </a:r>
-            <a:endParaRPr b="0" lang="ru-RU" sz="4200" spc="-1" strike="noStrike">
-              <a:latin typeface="Arial"/>
-            </a:endParaRPr>
-          </a:p>
-          <a:p>
-            <a:pPr marL="360000" indent="-213840">
+            <a:endParaRPr b="0" lang="en-US" sz="4200" spc="-1" strike="noStrike">
+              <a:latin typeface="Arial"/>
+            </a:endParaRPr>
+          </a:p>
+          <a:p>
+            <a:pPr marL="360000" indent="-213480">
               <a:lnSpc>
                 <a:spcPct val="115000"/>
               </a:lnSpc>
@@ -4541,12 +4727,12 @@
               </a:rPr>
               <a:t>Алгоритмическое конструирование программного стенда</a:t>
             </a:r>
-            <a:endParaRPr b="0" lang="ru-RU" sz="4200" spc="-1" strike="noStrike">
-              <a:latin typeface="Arial"/>
-            </a:endParaRPr>
-          </a:p>
-          <a:p>
-            <a:pPr marL="360000" indent="-213840">
+            <a:endParaRPr b="0" lang="en-US" sz="4200" spc="-1" strike="noStrike">
+              <a:latin typeface="Arial"/>
+            </a:endParaRPr>
+          </a:p>
+          <a:p>
+            <a:pPr marL="360000" indent="-213480">
               <a:lnSpc>
                 <a:spcPct val="115000"/>
               </a:lnSpc>
@@ -4577,12 +4763,12 @@
               </a:rPr>
               <a:t>Выбор средств реализации</a:t>
             </a:r>
-            <a:endParaRPr b="0" lang="ru-RU" sz="4200" spc="-1" strike="noStrike">
-              <a:latin typeface="Arial"/>
-            </a:endParaRPr>
-          </a:p>
-          <a:p>
-            <a:pPr marL="360000" indent="-213840">
+            <a:endParaRPr b="0" lang="en-US" sz="4200" spc="-1" strike="noStrike">
+              <a:latin typeface="Arial"/>
+            </a:endParaRPr>
+          </a:p>
+          <a:p>
+            <a:pPr marL="360000" indent="-213480">
               <a:lnSpc>
                 <a:spcPct val="115000"/>
               </a:lnSpc>
@@ -4613,12 +4799,12 @@
               </a:rPr>
               <a:t>Разработка модуля численного моделирования процесса</a:t>
             </a:r>
-            <a:endParaRPr b="0" lang="ru-RU" sz="4200" spc="-1" strike="noStrike">
-              <a:latin typeface="Arial"/>
-            </a:endParaRPr>
-          </a:p>
-          <a:p>
-            <a:pPr marL="360000" indent="-213840">
+            <a:endParaRPr b="0" lang="en-US" sz="4200" spc="-1" strike="noStrike">
+              <a:latin typeface="Arial"/>
+            </a:endParaRPr>
+          </a:p>
+          <a:p>
+            <a:pPr marL="360000" indent="-213480">
               <a:lnSpc>
                 <a:spcPct val="115000"/>
               </a:lnSpc>
@@ -4649,7 +4835,7 @@
               </a:rPr>
               <a:t>Разработка интерфейса стенда</a:t>
             </a:r>
-            <a:endParaRPr b="0" lang="ru-RU" sz="4200" spc="-1" strike="noStrike">
+            <a:endParaRPr b="0" lang="en-US" sz="4200" spc="-1" strike="noStrike">
               <a:latin typeface="Arial"/>
             </a:endParaRPr>
           </a:p>
@@ -4694,7 +4880,7 @@
         <p:spPr>
           <a:xfrm>
             <a:off x="0" y="0"/>
-            <a:ext cx="24381360" cy="1617480"/>
+            <a:ext cx="24381000" cy="1617120"/>
           </a:xfrm>
           <a:prstGeom prst="rect">
             <a:avLst/>
@@ -4724,7 +4910,7 @@
         <p:spPr>
           <a:xfrm>
             <a:off x="23193360" y="0"/>
-            <a:ext cx="1188000" cy="1617480"/>
+            <a:ext cx="1187640" cy="1617120"/>
           </a:xfrm>
           <a:prstGeom prst="rect">
             <a:avLst/>
@@ -4750,7 +4936,7 @@
                 <a:spcPct val="100000"/>
               </a:lnSpc>
             </a:pPr>
-            <a:fld id="{D3D80B57-C6FD-41DD-A4C4-D5DFC1656AAE}" type="slidenum">
+            <a:fld id="{810DA7AD-8CD7-4BE3-A830-3EE653E81D8D}" type="slidenum">
               <a:rPr b="1" lang="ru-RU" sz="3800" spc="-1" strike="noStrike">
                 <a:solidFill>
                   <a:srgbClr val="ffffff"/>
@@ -4758,9 +4944,9 @@
                 <a:latin typeface="Times New Roman"/>
                 <a:ea typeface="DejaVu Sans"/>
               </a:rPr>
-              <a:t>&lt;номер&gt;</a:t>
+              <a:t>&lt;number&gt;</a:t>
             </a:fld>
-            <a:endParaRPr b="0" lang="ru-RU" sz="3800" spc="-1" strike="noStrike">
+            <a:endParaRPr b="0" lang="en-US" sz="3800" spc="-1" strike="noStrike">
               <a:latin typeface="Arial"/>
             </a:endParaRPr>
           </a:p>
@@ -4775,7 +4961,7 @@
         <p:spPr>
           <a:xfrm>
             <a:off x="540000" y="0"/>
-            <a:ext cx="8817480" cy="1617480"/>
+            <a:ext cx="8817120" cy="1617120"/>
           </a:xfrm>
           <a:prstGeom prst="rect">
             <a:avLst/>
@@ -4811,7 +4997,7 @@
               </a:rPr>
               <a:t>Модель длинной линии</a:t>
             </a:r>
-            <a:endParaRPr b="0" lang="ru-RU" sz="4200" spc="-1" strike="noStrike">
+            <a:endParaRPr b="0" lang="en-US" sz="4200" spc="-1" strike="noStrike">
               <a:latin typeface="Arial"/>
             </a:endParaRPr>
           </a:p>
@@ -4830,7 +5016,7 @@
         <p:spPr>
           <a:xfrm>
             <a:off x="212040" y="2807640"/>
-            <a:ext cx="8785440" cy="3817080"/>
+            <a:ext cx="8785080" cy="3816720"/>
           </a:xfrm>
           <a:prstGeom prst="rect">
             <a:avLst/>
@@ -4849,7 +5035,7 @@
         <p:spPr>
           <a:xfrm>
             <a:off x="720000" y="2446200"/>
-            <a:ext cx="7165440" cy="1331280"/>
+            <a:ext cx="7165080" cy="1330920"/>
           </a:xfrm>
           <a:prstGeom prst="rect">
             <a:avLst/>
@@ -4885,7 +5071,7 @@
               </a:rPr>
               <a:t>Телеграфные уравнения</a:t>
             </a:r>
-            <a:endParaRPr b="0" lang="ru-RU" sz="4200" spc="-1" strike="noStrike">
+            <a:endParaRPr b="0" lang="en-US" sz="4200" spc="-1" strike="noStrike">
               <a:latin typeface="Arial"/>
             </a:endParaRPr>
           </a:p>
@@ -4904,7 +5090,7 @@
         <p:spPr>
           <a:xfrm>
             <a:off x="921960" y="7671240"/>
-            <a:ext cx="16535520" cy="5567040"/>
+            <a:ext cx="16535160" cy="5566680"/>
           </a:xfrm>
           <a:prstGeom prst="rect">
             <a:avLst/>
@@ -4923,7 +5109,7 @@
         <p:spPr>
           <a:xfrm>
             <a:off x="720000" y="6766200"/>
-            <a:ext cx="8817480" cy="1331280"/>
+            <a:ext cx="8817120" cy="1330920"/>
           </a:xfrm>
           <a:prstGeom prst="rect">
             <a:avLst/>
@@ -4959,7 +5145,7 @@
               </a:rPr>
               <a:t>Модель длинной линии связи</a:t>
             </a:r>
-            <a:endParaRPr b="0" lang="ru-RU" sz="4200" spc="-1" strike="noStrike">
+            <a:endParaRPr b="0" lang="en-US" sz="4200" spc="-1" strike="noStrike">
               <a:latin typeface="Arial"/>
             </a:endParaRPr>
           </a:p>
@@ -4978,7 +5164,7 @@
         <p:spPr>
           <a:xfrm>
             <a:off x="16560000" y="1962000"/>
-            <a:ext cx="6837480" cy="5775480"/>
+            <a:ext cx="6837120" cy="5775120"/>
           </a:xfrm>
           <a:prstGeom prst="rect">
             <a:avLst/>
@@ -4997,7 +5183,7 @@
         <p:spPr>
           <a:xfrm>
             <a:off x="10080000" y="3600000"/>
-            <a:ext cx="5037480" cy="2157480"/>
+            <a:ext cx="5037120" cy="2157120"/>
           </a:xfrm>
           <a:custGeom>
             <a:avLst/>
@@ -5078,7 +5264,7 @@
               </a:rPr>
               <a:t>прямых</a:t>
             </a:r>
-            <a:endParaRPr b="0" lang="ru-RU" sz="4200" spc="-1" strike="noStrike">
+            <a:endParaRPr b="0" lang="en-US" sz="4200" spc="-1" strike="noStrike">
               <a:latin typeface="Arial"/>
             </a:endParaRPr>
           </a:p>
@@ -5093,7 +5279,7 @@
         <p:spPr>
           <a:xfrm>
             <a:off x="5760000" y="4680000"/>
-            <a:ext cx="3957480" cy="1797480"/>
+            <a:ext cx="3957120" cy="1797120"/>
           </a:xfrm>
           <a:prstGeom prst="rect">
             <a:avLst/>
@@ -5128,7 +5314,7 @@
         <p:spPr>
           <a:xfrm>
             <a:off x="18366840" y="8640000"/>
-            <a:ext cx="3058560" cy="2883240"/>
+            <a:ext cx="3058200" cy="2882880"/>
           </a:xfrm>
           <a:prstGeom prst="rect">
             <a:avLst/>
@@ -5151,7 +5337,7 @@
         <p:spPr>
           <a:xfrm>
             <a:off x="18720000" y="11340000"/>
-            <a:ext cx="2705400" cy="1053720"/>
+            <a:ext cx="2705040" cy="1053360"/>
           </a:xfrm>
           <a:prstGeom prst="rect">
             <a:avLst/>
@@ -5200,7 +5386,7 @@
         <p:spPr>
           <a:xfrm>
             <a:off x="0" y="0"/>
-            <a:ext cx="24381360" cy="1617480"/>
+            <a:ext cx="24381000" cy="1617120"/>
           </a:xfrm>
           <a:prstGeom prst="rect">
             <a:avLst/>
@@ -5230,7 +5416,7 @@
         <p:spPr>
           <a:xfrm>
             <a:off x="23193360" y="0"/>
-            <a:ext cx="1188000" cy="1617480"/>
+            <a:ext cx="1187640" cy="1617120"/>
           </a:xfrm>
           <a:prstGeom prst="rect">
             <a:avLst/>
@@ -5256,7 +5442,7 @@
                 <a:spcPct val="100000"/>
               </a:lnSpc>
             </a:pPr>
-            <a:fld id="{04C5BC6C-79E1-4A00-BE96-560AE4A4BA21}" type="slidenum">
+            <a:fld id="{31C68B05-1921-4960-8F90-8356BE5A976E}" type="slidenum">
               <a:rPr b="1" lang="ru-RU" sz="3800" spc="-1" strike="noStrike">
                 <a:solidFill>
                   <a:srgbClr val="ffffff"/>
@@ -5264,9 +5450,9 @@
                 <a:latin typeface="Times New Roman"/>
                 <a:ea typeface="DejaVu Sans"/>
               </a:rPr>
-              <a:t>&lt;номер&gt;</a:t>
+              <a:t>&lt;number&gt;</a:t>
             </a:fld>
-            <a:endParaRPr b="0" lang="ru-RU" sz="3800" spc="-1" strike="noStrike">
+            <a:endParaRPr b="0" lang="en-US" sz="3800" spc="-1" strike="noStrike">
               <a:latin typeface="Arial"/>
             </a:endParaRPr>
           </a:p>
@@ -5281,7 +5467,7 @@
         <p:spPr>
           <a:xfrm>
             <a:off x="540000" y="0"/>
-            <a:ext cx="21993840" cy="1617480"/>
+            <a:ext cx="21993480" cy="1617120"/>
           </a:xfrm>
           <a:prstGeom prst="rect">
             <a:avLst/>
@@ -5317,7 +5503,7 @@
               </a:rPr>
               <a:t>Алгоритм RK4</a:t>
             </a:r>
-            <a:endParaRPr b="0" lang="ru-RU" sz="4200" spc="-1" strike="noStrike">
+            <a:endParaRPr b="0" lang="en-US" sz="4200" spc="-1" strike="noStrike">
               <a:latin typeface="Arial"/>
             </a:endParaRPr>
           </a:p>
@@ -5335,8 +5521,8 @@
         </p:blipFill>
         <p:spPr>
           <a:xfrm>
-            <a:off x="2544480" y="1800000"/>
-            <a:ext cx="18875520" cy="11880720"/>
+            <a:off x="3886200" y="1762200"/>
+            <a:ext cx="16916400" cy="11700360"/>
           </a:xfrm>
           <a:prstGeom prst="rect">
             <a:avLst/>
@@ -5385,7 +5571,7 @@
         <p:spPr>
           <a:xfrm>
             <a:off x="0" y="0"/>
-            <a:ext cx="24381360" cy="1617480"/>
+            <a:ext cx="24381000" cy="1617120"/>
           </a:xfrm>
           <a:prstGeom prst="rect">
             <a:avLst/>
@@ -5415,7 +5601,7 @@
         <p:spPr>
           <a:xfrm>
             <a:off x="23193360" y="0"/>
-            <a:ext cx="1188000" cy="1617480"/>
+            <a:ext cx="1187640" cy="1617120"/>
           </a:xfrm>
           <a:prstGeom prst="rect">
             <a:avLst/>
@@ -5441,7 +5627,7 @@
                 <a:spcPct val="100000"/>
               </a:lnSpc>
             </a:pPr>
-            <a:fld id="{E17181AB-4888-4EA1-BB51-1F3606FA5F77}" type="slidenum">
+            <a:fld id="{BF7085EB-01E7-49A9-B3A3-4D2327A01D0B}" type="slidenum">
               <a:rPr b="1" lang="ru-RU" sz="3800" spc="-1" strike="noStrike">
                 <a:solidFill>
                   <a:srgbClr val="ffffff"/>
@@ -5449,9 +5635,9 @@
                 <a:latin typeface="Times New Roman"/>
                 <a:ea typeface="DejaVu Sans"/>
               </a:rPr>
-              <a:t>&lt;номер&gt;</a:t>
+              <a:t>&lt;number&gt;</a:t>
             </a:fld>
-            <a:endParaRPr b="0" lang="ru-RU" sz="3800" spc="-1" strike="noStrike">
+            <a:endParaRPr b="0" lang="en-US" sz="3800" spc="-1" strike="noStrike">
               <a:latin typeface="Arial"/>
             </a:endParaRPr>
           </a:p>
@@ -5466,7 +5652,7 @@
         <p:spPr>
           <a:xfrm>
             <a:off x="540000" y="0"/>
-            <a:ext cx="8817480" cy="1617480"/>
+            <a:ext cx="21993480" cy="1617120"/>
           </a:xfrm>
           <a:prstGeom prst="rect">
             <a:avLst/>
@@ -5500,9 +5686,9 @@
                 <a:latin typeface="Arial"/>
                 <a:ea typeface="DejaVu Sans"/>
               </a:rPr>
-              <a:t>Физическое кодирование</a:t>
-            </a:r>
-            <a:endParaRPr b="0" lang="ru-RU" sz="4200" spc="-1" strike="noStrike">
+              <a:t>Алгоритм моделирования</a:t>
+            </a:r>
+            <a:endParaRPr b="0" lang="en-US" sz="4200" spc="-1" strike="noStrike">
               <a:latin typeface="Arial"/>
             </a:endParaRPr>
           </a:p>
@@ -5520,8 +5706,8 @@
         </p:blipFill>
         <p:spPr>
           <a:xfrm>
-            <a:off x="1117800" y="5808960"/>
-            <a:ext cx="15259680" cy="5708520"/>
+            <a:off x="5453640" y="1727280"/>
+            <a:ext cx="13062960" cy="11626560"/>
           </a:xfrm>
           <a:prstGeom prst="rect">
             <a:avLst/>
@@ -5531,181 +5717,6 @@
           </a:ln>
         </p:spPr>
       </p:pic>
-      <p:sp>
-        <p:nvSpPr>
-          <p:cNvPr id="86" name="CustomShape 4"/>
-          <p:cNvSpPr/>
-          <p:nvPr/>
-        </p:nvSpPr>
-        <p:spPr>
-          <a:xfrm>
-            <a:off x="360000" y="2367360"/>
-            <a:ext cx="16017480" cy="2947680"/>
-          </a:xfrm>
-          <a:prstGeom prst="rect">
-            <a:avLst/>
-          </a:prstGeom>
-          <a:noFill/>
-          <a:ln w="0">
-            <a:noFill/>
-          </a:ln>
-        </p:spPr>
-        <p:style>
-          <a:lnRef idx="0"/>
-          <a:fillRef idx="0"/>
-          <a:effectRef idx="0"/>
-          <a:fontRef idx="minor"/>
-        </p:style>
-        <p:txBody>
-          <a:bodyPr lIns="90000" rIns="90000" tIns="45000" bIns="45000">
-            <a:noAutofit/>
-          </a:bodyPr>
-          <a:p>
-            <a:pPr marL="360000" indent="-213840">
-              <a:lnSpc>
-                <a:spcPct val="115000"/>
-              </a:lnSpc>
-              <a:buClr>
-                <a:srgbClr val="000000"/>
-              </a:buClr>
-              <a:buSzPct val="45000"/>
-              <a:buFont typeface="Wingdings" charset="2"/>
-              <a:buChar char=""/>
-            </a:pPr>
-            <a:r>
-              <a:rPr b="0" lang="ru-RU" sz="4200" spc="-1" strike="noStrike">
-                <a:solidFill>
-                  <a:srgbClr val="000000"/>
-                </a:solidFill>
-                <a:latin typeface="Helvetica neue"/>
-                <a:ea typeface="DejaVu Sans"/>
-              </a:rPr>
-              <a:t> </a:t>
-            </a:r>
-            <a:r>
-              <a:rPr b="0" lang="ru-RU" sz="4200" spc="-1" strike="noStrike">
-                <a:solidFill>
-                  <a:srgbClr val="000000"/>
-                </a:solidFill>
-                <a:latin typeface="Helvetica neue"/>
-                <a:ea typeface="DejaVu Sans"/>
-              </a:rPr>
-              <a:t>Синхронизация</a:t>
-            </a:r>
-            <a:endParaRPr b="0" lang="ru-RU" sz="4200" spc="-1" strike="noStrike">
-              <a:latin typeface="Arial"/>
-            </a:endParaRPr>
-          </a:p>
-          <a:p>
-            <a:pPr marL="360000" indent="-213840">
-              <a:lnSpc>
-                <a:spcPct val="115000"/>
-              </a:lnSpc>
-              <a:buClr>
-                <a:srgbClr val="000000"/>
-              </a:buClr>
-              <a:buSzPct val="45000"/>
-              <a:buFont typeface="Wingdings" charset="2"/>
-              <a:buChar char=""/>
-            </a:pPr>
-            <a:r>
-              <a:rPr b="0" lang="ru-RU" sz="4200" spc="-1" strike="noStrike">
-                <a:solidFill>
-                  <a:srgbClr val="000000"/>
-                </a:solidFill>
-                <a:latin typeface="Helvetica neue"/>
-                <a:ea typeface="DejaVu Sans"/>
-              </a:rPr>
-              <a:t> </a:t>
-            </a:r>
-            <a:r>
-              <a:rPr b="0" lang="ru-RU" sz="4200" spc="-1" strike="noStrike">
-                <a:solidFill>
-                  <a:srgbClr val="000000"/>
-                </a:solidFill>
-                <a:latin typeface="Helvetica neue"/>
-                <a:ea typeface="DejaVu Sans"/>
-              </a:rPr>
-              <a:t>Скорость передачи данных</a:t>
-            </a:r>
-            <a:endParaRPr b="0" lang="ru-RU" sz="4200" spc="-1" strike="noStrike">
-              <a:latin typeface="Arial"/>
-            </a:endParaRPr>
-          </a:p>
-          <a:p>
-            <a:pPr marL="360000" indent="-213840">
-              <a:lnSpc>
-                <a:spcPct val="115000"/>
-              </a:lnSpc>
-              <a:buClr>
-                <a:srgbClr val="000000"/>
-              </a:buClr>
-              <a:buSzPct val="45000"/>
-              <a:buFont typeface="Wingdings" charset="2"/>
-              <a:buChar char=""/>
-            </a:pPr>
-            <a:r>
-              <a:rPr b="0" lang="ru-RU" sz="4200" spc="-1" strike="noStrike">
-                <a:solidFill>
-                  <a:srgbClr val="000000"/>
-                </a:solidFill>
-                <a:latin typeface="Helvetica neue"/>
-                <a:ea typeface="DejaVu Sans"/>
-              </a:rPr>
-              <a:t> </a:t>
-            </a:r>
-            <a:r>
-              <a:rPr b="0" lang="ru-RU" sz="4200" spc="-1" strike="noStrike">
-                <a:solidFill>
-                  <a:srgbClr val="000000"/>
-                </a:solidFill>
-                <a:latin typeface="Helvetica neue"/>
-                <a:ea typeface="DejaVu Sans"/>
-              </a:rPr>
-              <a:t>Управление частотами импульсов</a:t>
-            </a:r>
-            <a:endParaRPr b="0" lang="ru-RU" sz="4200" spc="-1" strike="noStrike">
-              <a:latin typeface="Arial"/>
-            </a:endParaRPr>
-          </a:p>
-          <a:p>
-            <a:pPr marL="360000" indent="-213840">
-              <a:lnSpc>
-                <a:spcPct val="115000"/>
-              </a:lnSpc>
-              <a:buClr>
-                <a:srgbClr val="000000"/>
-              </a:buClr>
-              <a:buSzPct val="45000"/>
-              <a:buFont typeface="Wingdings" charset="2"/>
-              <a:buChar char=""/>
-            </a:pPr>
-            <a:r>
-              <a:rPr b="0" lang="ru-RU" sz="4200" spc="-1" strike="noStrike">
-                <a:solidFill>
-                  <a:srgbClr val="000000"/>
-                </a:solidFill>
-                <a:latin typeface="Helvetica neue"/>
-                <a:ea typeface="DejaVu Sans"/>
-              </a:rPr>
-              <a:t> </a:t>
-            </a:r>
-            <a:r>
-              <a:rPr b="0" lang="ru-RU" sz="4200" spc="-1" strike="noStrike">
-                <a:solidFill>
-                  <a:srgbClr val="000000"/>
-                </a:solidFill>
-                <a:latin typeface="Helvetica neue"/>
-                <a:ea typeface="DejaVu Sans"/>
-              </a:rPr>
-              <a:t>Раскрытие свойств линии передачи</a:t>
-            </a:r>
-            <a:endParaRPr b="0" lang="ru-RU" sz="4200" spc="-1" strike="noStrike">
-              <a:latin typeface="Arial"/>
-            </a:endParaRPr>
-          </a:p>
-        </p:txBody>
-      </p:sp>
     </p:spTree>
   </p:cSld>
   <mc:AlternateContent>
@@ -5738,14 +5749,14 @@
       </p:grpSpPr>
       <p:sp>
         <p:nvSpPr>
-          <p:cNvPr id="87" name="CustomShape 1"/>
+          <p:cNvPr id="86" name="CustomShape 1"/>
           <p:cNvSpPr/>
           <p:nvPr/>
         </p:nvSpPr>
         <p:spPr>
           <a:xfrm>
             <a:off x="0" y="0"/>
-            <a:ext cx="24381360" cy="1617480"/>
+            <a:ext cx="24381000" cy="1617120"/>
           </a:xfrm>
           <a:prstGeom prst="rect">
             <a:avLst/>
@@ -5768,14 +5779,14 @@
       </p:sp>
       <p:sp>
         <p:nvSpPr>
-          <p:cNvPr id="88" name="CustomShape 2"/>
+          <p:cNvPr id="87" name="CustomShape 2"/>
           <p:cNvSpPr/>
           <p:nvPr/>
         </p:nvSpPr>
         <p:spPr>
           <a:xfrm>
             <a:off x="23193360" y="0"/>
-            <a:ext cx="1188000" cy="1617480"/>
+            <a:ext cx="1187640" cy="1617120"/>
           </a:xfrm>
           <a:prstGeom prst="rect">
             <a:avLst/>
@@ -5801,7 +5812,7 @@
                 <a:spcPct val="100000"/>
               </a:lnSpc>
             </a:pPr>
-            <a:fld id="{DEB43F18-C1D4-4A7C-BCCB-5AC75B33AC67}" type="slidenum">
+            <a:fld id="{FE99F1B9-4027-4CB3-97EE-BD4281973231}" type="slidenum">
               <a:rPr b="1" lang="ru-RU" sz="3800" spc="-1" strike="noStrike">
                 <a:solidFill>
                   <a:srgbClr val="ffffff"/>
@@ -5809,24 +5820,24 @@
                 <a:latin typeface="Times New Roman"/>
                 <a:ea typeface="DejaVu Sans"/>
               </a:rPr>
-              <a:t>&lt;номер&gt;</a:t>
+              <a:t>&lt;number&gt;</a:t>
             </a:fld>
-            <a:endParaRPr b="0" lang="ru-RU" sz="3800" spc="-1" strike="noStrike">
-              <a:latin typeface="Arial"/>
-            </a:endParaRPr>
-          </a:p>
-        </p:txBody>
-      </p:sp>
-      <p:sp>
-        <p:nvSpPr>
-          <p:cNvPr id="89" name="CustomShape 3"/>
+            <a:endParaRPr b="0" lang="en-US" sz="3800" spc="-1" strike="noStrike">
+              <a:latin typeface="Arial"/>
+            </a:endParaRPr>
+          </a:p>
+        </p:txBody>
+      </p:sp>
+      <p:sp>
+        <p:nvSpPr>
+          <p:cNvPr id="88" name="CustomShape 3"/>
           <p:cNvSpPr/>
           <p:nvPr/>
         </p:nvSpPr>
         <p:spPr>
           <a:xfrm>
             <a:off x="540000" y="0"/>
-            <a:ext cx="10888200" cy="1617480"/>
+            <a:ext cx="8817120" cy="1617120"/>
           </a:xfrm>
           <a:prstGeom prst="rect">
             <a:avLst/>
@@ -5860,9 +5871,9 @@
                 <a:latin typeface="Arial"/>
                 <a:ea typeface="DejaVu Sans"/>
               </a:rPr>
-              <a:t>Алгоритмы физического кодирования</a:t>
-            </a:r>
-            <a:endParaRPr b="0" lang="ru-RU" sz="4200" spc="-1" strike="noStrike">
+              <a:t>Физическое кодирование</a:t>
+            </a:r>
+            <a:endParaRPr b="0" lang="en-US" sz="4200" spc="-1" strike="noStrike">
               <a:latin typeface="Arial"/>
             </a:endParaRPr>
           </a:p>
@@ -5870,7 +5881,7 @@
       </p:sp>
       <p:pic>
         <p:nvPicPr>
-          <p:cNvPr id="90" name="" descr=""/>
+          <p:cNvPr id="89" name="" descr=""/>
           <p:cNvPicPr/>
           <p:nvPr/>
         </p:nvPicPr>
@@ -5880,8 +5891,8 @@
         </p:blipFill>
         <p:spPr>
           <a:xfrm>
-            <a:off x="3960000" y="1916640"/>
-            <a:ext cx="7239600" cy="13169160"/>
+            <a:off x="1117800" y="5808960"/>
+            <a:ext cx="15259320" cy="5708160"/>
           </a:xfrm>
           <a:prstGeom prst="rect">
             <a:avLst/>
@@ -5891,29 +5902,181 @@
           </a:ln>
         </p:spPr>
       </p:pic>
-      <p:pic>
-        <p:nvPicPr>
-          <p:cNvPr id="91" name="" descr=""/>
-          <p:cNvPicPr/>
-          <p:nvPr/>
-        </p:nvPicPr>
-        <p:blipFill>
-          <a:blip r:embed="rId2"/>
-          <a:stretch/>
-        </p:blipFill>
-        <p:spPr>
-          <a:xfrm>
-            <a:off x="13944600" y="1849680"/>
-            <a:ext cx="7084800" cy="13236120"/>
-          </a:xfrm>
-          <a:prstGeom prst="rect">
-            <a:avLst/>
-          </a:prstGeom>
+      <p:sp>
+        <p:nvSpPr>
+          <p:cNvPr id="90" name="CustomShape 4"/>
+          <p:cNvSpPr/>
+          <p:nvPr/>
+        </p:nvSpPr>
+        <p:spPr>
+          <a:xfrm>
+            <a:off x="360000" y="2367360"/>
+            <a:ext cx="16017120" cy="2947320"/>
+          </a:xfrm>
+          <a:prstGeom prst="rect">
+            <a:avLst/>
+          </a:prstGeom>
+          <a:noFill/>
           <a:ln w="0">
             <a:noFill/>
           </a:ln>
         </p:spPr>
-      </p:pic>
+        <p:style>
+          <a:lnRef idx="0"/>
+          <a:fillRef idx="0"/>
+          <a:effectRef idx="0"/>
+          <a:fontRef idx="minor"/>
+        </p:style>
+        <p:txBody>
+          <a:bodyPr lIns="90000" rIns="90000" tIns="45000" bIns="45000">
+            <a:noAutofit/>
+          </a:bodyPr>
+          <a:p>
+            <a:pPr marL="360000" indent="-213480">
+              <a:lnSpc>
+                <a:spcPct val="115000"/>
+              </a:lnSpc>
+              <a:buClr>
+                <a:srgbClr val="000000"/>
+              </a:buClr>
+              <a:buSzPct val="45000"/>
+              <a:buFont typeface="Wingdings" charset="2"/>
+              <a:buChar char=""/>
+            </a:pPr>
+            <a:r>
+              <a:rPr b="0" lang="ru-RU" sz="4200" spc="-1" strike="noStrike">
+                <a:solidFill>
+                  <a:srgbClr val="000000"/>
+                </a:solidFill>
+                <a:latin typeface="Helvetica neue"/>
+                <a:ea typeface="DejaVu Sans"/>
+              </a:rPr>
+              <a:t> </a:t>
+            </a:r>
+            <a:r>
+              <a:rPr b="0" lang="ru-RU" sz="4200" spc="-1" strike="noStrike">
+                <a:solidFill>
+                  <a:srgbClr val="000000"/>
+                </a:solidFill>
+                <a:latin typeface="Helvetica neue"/>
+                <a:ea typeface="DejaVu Sans"/>
+              </a:rPr>
+              <a:t>Синхронизация</a:t>
+            </a:r>
+            <a:endParaRPr b="0" lang="en-US" sz="4200" spc="-1" strike="noStrike">
+              <a:latin typeface="Arial"/>
+            </a:endParaRPr>
+          </a:p>
+          <a:p>
+            <a:pPr marL="360000" indent="-213480">
+              <a:lnSpc>
+                <a:spcPct val="115000"/>
+              </a:lnSpc>
+              <a:buClr>
+                <a:srgbClr val="000000"/>
+              </a:buClr>
+              <a:buSzPct val="45000"/>
+              <a:buFont typeface="Wingdings" charset="2"/>
+              <a:buChar char=""/>
+            </a:pPr>
+            <a:r>
+              <a:rPr b="0" lang="ru-RU" sz="4200" spc="-1" strike="noStrike">
+                <a:solidFill>
+                  <a:srgbClr val="000000"/>
+                </a:solidFill>
+                <a:latin typeface="Helvetica neue"/>
+                <a:ea typeface="DejaVu Sans"/>
+              </a:rPr>
+              <a:t> </a:t>
+            </a:r>
+            <a:r>
+              <a:rPr b="0" lang="ru-RU" sz="4200" spc="-1" strike="noStrike">
+                <a:solidFill>
+                  <a:srgbClr val="000000"/>
+                </a:solidFill>
+                <a:latin typeface="Helvetica neue"/>
+                <a:ea typeface="DejaVu Sans"/>
+              </a:rPr>
+              <a:t>Скорость передачи данных</a:t>
+            </a:r>
+            <a:endParaRPr b="0" lang="en-US" sz="4200" spc="-1" strike="noStrike">
+              <a:latin typeface="Arial"/>
+            </a:endParaRPr>
+          </a:p>
+          <a:p>
+            <a:pPr marL="360000" indent="-213480">
+              <a:lnSpc>
+                <a:spcPct val="115000"/>
+              </a:lnSpc>
+              <a:buClr>
+                <a:srgbClr val="000000"/>
+              </a:buClr>
+              <a:buSzPct val="45000"/>
+              <a:buFont typeface="Wingdings" charset="2"/>
+              <a:buChar char=""/>
+            </a:pPr>
+            <a:r>
+              <a:rPr b="0" lang="ru-RU" sz="4200" spc="-1" strike="noStrike">
+                <a:solidFill>
+                  <a:srgbClr val="000000"/>
+                </a:solidFill>
+                <a:latin typeface="Helvetica neue"/>
+                <a:ea typeface="DejaVu Sans"/>
+              </a:rPr>
+              <a:t> </a:t>
+            </a:r>
+            <a:r>
+              <a:rPr b="0" lang="ru-RU" sz="4200" spc="-1" strike="noStrike">
+                <a:solidFill>
+                  <a:srgbClr val="000000"/>
+                </a:solidFill>
+                <a:latin typeface="Helvetica neue"/>
+                <a:ea typeface="DejaVu Sans"/>
+              </a:rPr>
+              <a:t>Управление частотами импульсов</a:t>
+            </a:r>
+            <a:endParaRPr b="0" lang="en-US" sz="4200" spc="-1" strike="noStrike">
+              <a:latin typeface="Arial"/>
+            </a:endParaRPr>
+          </a:p>
+          <a:p>
+            <a:pPr marL="360000" indent="-213480">
+              <a:lnSpc>
+                <a:spcPct val="115000"/>
+              </a:lnSpc>
+              <a:buClr>
+                <a:srgbClr val="000000"/>
+              </a:buClr>
+              <a:buSzPct val="45000"/>
+              <a:buFont typeface="Wingdings" charset="2"/>
+              <a:buChar char=""/>
+            </a:pPr>
+            <a:r>
+              <a:rPr b="0" lang="ru-RU" sz="4200" spc="-1" strike="noStrike">
+                <a:solidFill>
+                  <a:srgbClr val="000000"/>
+                </a:solidFill>
+                <a:latin typeface="Helvetica neue"/>
+                <a:ea typeface="DejaVu Sans"/>
+              </a:rPr>
+              <a:t> </a:t>
+            </a:r>
+            <a:r>
+              <a:rPr b="0" lang="ru-RU" sz="4200" spc="-1" strike="noStrike">
+                <a:solidFill>
+                  <a:srgbClr val="000000"/>
+                </a:solidFill>
+                <a:latin typeface="Helvetica neue"/>
+                <a:ea typeface="DejaVu Sans"/>
+              </a:rPr>
+              <a:t>Раскрытие свойств линии передачи</a:t>
+            </a:r>
+            <a:endParaRPr b="0" lang="en-US" sz="4200" spc="-1" strike="noStrike">
+              <a:latin typeface="Arial"/>
+            </a:endParaRPr>
+          </a:p>
+        </p:txBody>
+      </p:sp>
     </p:spTree>
   </p:cSld>
   <mc:AlternateContent>
@@ -5946,14 +6109,14 @@
       </p:grpSpPr>
       <p:sp>
         <p:nvSpPr>
-          <p:cNvPr id="92" name="CustomShape 1"/>
+          <p:cNvPr id="91" name="CustomShape 1"/>
           <p:cNvSpPr/>
           <p:nvPr/>
         </p:nvSpPr>
         <p:spPr>
           <a:xfrm>
             <a:off x="0" y="0"/>
-            <a:ext cx="24381360" cy="1617480"/>
+            <a:ext cx="24381000" cy="1617120"/>
           </a:xfrm>
           <a:prstGeom prst="rect">
             <a:avLst/>
@@ -5976,14 +6139,14 @@
       </p:sp>
       <p:sp>
         <p:nvSpPr>
-          <p:cNvPr id="93" name="CustomShape 2"/>
+          <p:cNvPr id="92" name="CustomShape 2"/>
           <p:cNvSpPr/>
           <p:nvPr/>
         </p:nvSpPr>
         <p:spPr>
           <a:xfrm>
             <a:off x="23193360" y="0"/>
-            <a:ext cx="1188000" cy="1617480"/>
+            <a:ext cx="1187640" cy="1617120"/>
           </a:xfrm>
           <a:prstGeom prst="rect">
             <a:avLst/>
@@ -6009,7 +6172,7 @@
                 <a:spcPct val="100000"/>
               </a:lnSpc>
             </a:pPr>
-            <a:fld id="{4C75DE60-18C6-40FB-842D-C772C63E1FCC}" type="slidenum">
+            <a:fld id="{A4BCACCD-24BF-49F1-990B-FAC7DF518708}" type="slidenum">
               <a:rPr b="1" lang="ru-RU" sz="3800" spc="-1" strike="noStrike">
                 <a:solidFill>
                   <a:srgbClr val="ffffff"/>
@@ -6017,24 +6180,24 @@
                 <a:latin typeface="Times New Roman"/>
                 <a:ea typeface="DejaVu Sans"/>
               </a:rPr>
-              <a:t>&lt;номер&gt;</a:t>
+              <a:t>&lt;number&gt;</a:t>
             </a:fld>
-            <a:endParaRPr b="0" lang="ru-RU" sz="3800" spc="-1" strike="noStrike">
-              <a:latin typeface="Arial"/>
-            </a:endParaRPr>
-          </a:p>
-        </p:txBody>
-      </p:sp>
-      <p:sp>
-        <p:nvSpPr>
-          <p:cNvPr id="94" name="CustomShape 3"/>
+            <a:endParaRPr b="0" lang="en-US" sz="3800" spc="-1" strike="noStrike">
+              <a:latin typeface="Arial"/>
+            </a:endParaRPr>
+          </a:p>
+        </p:txBody>
+      </p:sp>
+      <p:sp>
+        <p:nvSpPr>
+          <p:cNvPr id="93" name="CustomShape 3"/>
           <p:cNvSpPr/>
           <p:nvPr/>
         </p:nvSpPr>
         <p:spPr>
           <a:xfrm>
             <a:off x="540000" y="0"/>
-            <a:ext cx="9177480" cy="1617480"/>
+            <a:ext cx="10887840" cy="1617120"/>
           </a:xfrm>
           <a:prstGeom prst="rect">
             <a:avLst/>
@@ -6068,9 +6231,9 @@
                 <a:latin typeface="Arial"/>
                 <a:ea typeface="DejaVu Sans"/>
               </a:rPr>
-              <a:t>Диаграмма классов</a:t>
-            </a:r>
-            <a:endParaRPr b="0" lang="ru-RU" sz="4200" spc="-1" strike="noStrike">
+              <a:t>Алгоритмы физического кодирования</a:t>
+            </a:r>
+            <a:endParaRPr b="0" lang="en-US" sz="4200" spc="-1" strike="noStrike">
               <a:latin typeface="Arial"/>
             </a:endParaRPr>
           </a:p>
@@ -6078,7 +6241,7 @@
       </p:sp>
       <p:pic>
         <p:nvPicPr>
-          <p:cNvPr id="95" name="" descr=""/>
+          <p:cNvPr id="94" name="" descr=""/>
           <p:cNvPicPr/>
           <p:nvPr/>
         </p:nvPicPr>
@@ -6088,8 +6251,31 @@
         </p:blipFill>
         <p:spPr>
           <a:xfrm>
-            <a:off x="443880" y="2700000"/>
-            <a:ext cx="23493600" cy="8559360"/>
+            <a:off x="3960000" y="1916640"/>
+            <a:ext cx="7239240" cy="13168800"/>
+          </a:xfrm>
+          <a:prstGeom prst="rect">
+            <a:avLst/>
+          </a:prstGeom>
+          <a:ln w="0">
+            <a:noFill/>
+          </a:ln>
+        </p:spPr>
+      </p:pic>
+      <p:pic>
+        <p:nvPicPr>
+          <p:cNvPr id="95" name="" descr=""/>
+          <p:cNvPicPr/>
+          <p:nvPr/>
+        </p:nvPicPr>
+        <p:blipFill>
+          <a:blip r:embed="rId2"/>
+          <a:stretch/>
+        </p:blipFill>
+        <p:spPr>
+          <a:xfrm>
+            <a:off x="13944600" y="1849680"/>
+            <a:ext cx="7084440" cy="13235760"/>
           </a:xfrm>
           <a:prstGeom prst="rect">
             <a:avLst/>
